--- a/PRESENTACIÓN DE VIDEOJUEGOS_final.pptx
+++ b/PRESENTACIÓN DE VIDEOJUEGOS_final.pptx
@@ -5,7 +5,7 @@
     <p:sldMasterId id="2147483648" r:id="rId1"/>
   </p:sldMasterIdLst>
   <p:notesMasterIdLst>
-    <p:notesMasterId r:id="rId21"/>
+    <p:notesMasterId r:id="rId18"/>
   </p:notesMasterIdLst>
   <p:sldIdLst>
     <p:sldId id="256" r:id="rId2"/>
@@ -14,19 +14,16 @@
     <p:sldId id="341" r:id="rId5"/>
     <p:sldId id="342" r:id="rId6"/>
     <p:sldId id="308" r:id="rId7"/>
-    <p:sldId id="307" r:id="rId8"/>
-    <p:sldId id="309" r:id="rId9"/>
-    <p:sldId id="333" r:id="rId10"/>
-    <p:sldId id="334" r:id="rId11"/>
-    <p:sldId id="335" r:id="rId12"/>
-    <p:sldId id="343" r:id="rId13"/>
-    <p:sldId id="337" r:id="rId14"/>
-    <p:sldId id="347" r:id="rId15"/>
-    <p:sldId id="339" r:id="rId16"/>
-    <p:sldId id="313" r:id="rId17"/>
-    <p:sldId id="314" r:id="rId18"/>
-    <p:sldId id="344" r:id="rId19"/>
-    <p:sldId id="345" r:id="rId20"/>
+    <p:sldId id="344" r:id="rId8"/>
+    <p:sldId id="346" r:id="rId9"/>
+    <p:sldId id="347" r:id="rId10"/>
+    <p:sldId id="348" r:id="rId11"/>
+    <p:sldId id="349" r:id="rId12"/>
+    <p:sldId id="350" r:id="rId13"/>
+    <p:sldId id="351" r:id="rId14"/>
+    <p:sldId id="352" r:id="rId15"/>
+    <p:sldId id="353" r:id="rId16"/>
+    <p:sldId id="354" r:id="rId17"/>
   </p:sldIdLst>
   <p:sldSz cx="12192000" cy="6858000"/>
   <p:notesSz cx="6858000" cy="9144000"/>
@@ -5189,10 +5186,10 @@
       </p:grpSpPr>
       <p:pic>
         <p:nvPicPr>
-          <p:cNvPr id="7" name="Picture 4" descr="Pared De Ladrillo Con Rayas De Rayas De Color Rojo Y Cemento Para El Fondo  Y El Telón De Fondo Abstracto O Fondo De Pantalla Ilustraciones  Vectoriales, Clip Art Vectorizado Libre De">
-            <a:extLst>
-              <a:ext uri="{FF2B5EF4-FFF2-40B4-BE49-F238E27FC236}">
-                <a16:creationId xmlns:a16="http://schemas.microsoft.com/office/drawing/2014/main" id="{C46E0A6C-4502-4226-B6E3-120D1230E1A2}"/>
+          <p:cNvPr id="5" name="Picture 4" descr="Pared De Ladrillo Con Rayas De Rayas De Color Rojo Y Cemento Para El Fondo  Y El Telón De Fondo Abstracto O Fondo De Pantalla Ilustraciones  Vectoriales, Clip Art Vectorizado Libre De">
+            <a:extLst>
+              <a:ext uri="{FF2B5EF4-FFF2-40B4-BE49-F238E27FC236}">
+                <a16:creationId xmlns:a16="http://schemas.microsoft.com/office/drawing/2014/main" id="{BFEFB3C3-BC4B-4452-A90F-FF6592C68E08}"/>
               </a:ext>
             </a:extLst>
           </p:cNvPr>
@@ -5225,8 +5222,8 @@
         </p:blipFill>
         <p:spPr bwMode="auto">
           <a:xfrm>
-            <a:off x="1" y="0"/>
-            <a:ext cx="6654017" cy="6858000"/>
+            <a:off x="5570805" y="0"/>
+            <a:ext cx="6621195" cy="6858000"/>
           </a:xfrm>
           <a:prstGeom prst="rect">
             <a:avLst/>
@@ -5245,10 +5242,10 @@
       </p:pic>
       <p:sp>
         <p:nvSpPr>
-          <p:cNvPr id="2" name="TextBox 1">
-            <a:extLst>
-              <a:ext uri="{FF2B5EF4-FFF2-40B4-BE49-F238E27FC236}">
-                <a16:creationId xmlns:a16="http://schemas.microsoft.com/office/drawing/2014/main" id="{8C8CEDA3-1DB2-4C33-A187-79D6823C8462}"/>
+          <p:cNvPr id="3" name="TextBox 2">
+            <a:extLst>
+              <a:ext uri="{FF2B5EF4-FFF2-40B4-BE49-F238E27FC236}">
+                <a16:creationId xmlns:a16="http://schemas.microsoft.com/office/drawing/2014/main" id="{1BD07579-92AC-4D2B-AD40-3DC1D4E4B226}"/>
               </a:ext>
             </a:extLst>
           </p:cNvPr>
@@ -5257,8 +5254,8 @@
         </p:nvSpPr>
         <p:spPr>
           <a:xfrm>
-            <a:off x="1214308" y="2828832"/>
-            <a:ext cx="4436011" cy="1200329"/>
+            <a:off x="118042" y="2459503"/>
+            <a:ext cx="5134709" cy="1938992"/>
           </a:xfrm>
           <a:prstGeom prst="rect">
             <a:avLst/>
@@ -5271,50 +5268,9 @@
           </a:bodyPr>
           <a:lstStyle/>
           <a:p>
-            <a:pPr algn="ctr"/>
-            <a:r>
-              <a:rPr lang="es-ES" sz="7200" dirty="0">
-                <a:solidFill>
-                  <a:schemeClr val="bg1"/>
-                </a:solidFill>
-                <a:latin typeface="Algerian" panose="04020705040A02060702" pitchFamily="82" charset="0"/>
-              </a:rPr>
-              <a:t>SIPNÓSIS</a:t>
-            </a:r>
-          </a:p>
-        </p:txBody>
-      </p:sp>
-      <p:sp>
-        <p:nvSpPr>
-          <p:cNvPr id="3" name="TextBox 2">
-            <a:extLst>
-              <a:ext uri="{FF2B5EF4-FFF2-40B4-BE49-F238E27FC236}">
-                <a16:creationId xmlns:a16="http://schemas.microsoft.com/office/drawing/2014/main" id="{D46DEA6E-4492-49A8-A2BC-BE4F9547D9D8}"/>
-              </a:ext>
-            </a:extLst>
-          </p:cNvPr>
-          <p:cNvSpPr txBox="1"/>
-          <p:nvPr/>
-        </p:nvSpPr>
-        <p:spPr>
-          <a:xfrm>
-            <a:off x="7132321" y="1413061"/>
-            <a:ext cx="4811150" cy="4031873"/>
-          </a:xfrm>
-          <a:prstGeom prst="rect">
-            <a:avLst/>
-          </a:prstGeom>
-          <a:noFill/>
-        </p:spPr>
-        <p:txBody>
-          <a:bodyPr wrap="square" rtlCol="0">
-            <a:spAutoFit/>
-          </a:bodyPr>
-          <a:lstStyle/>
-          <a:p>
             <a:pPr algn="just"/>
             <a:r>
-              <a:rPr lang="es-ES" sz="3200" dirty="0">
+              <a:rPr lang="es-ES" sz="2000" dirty="0">
                 <a:solidFill>
                   <a:srgbClr val="FFC000"/>
                 </a:solidFill>
@@ -5322,14 +5278,54 @@
                 <a:latin typeface="Cambria" panose="02040503050406030204" pitchFamily="18" charset="0"/>
                 <a:ea typeface="Cambria" panose="02040503050406030204" pitchFamily="18" charset="0"/>
               </a:rPr>
-              <a:t>A medida que Rey va en el transcurso del camino, la velocidad va aumentando y de esta manera agregando dificultad, las monedas seguirán saliendo como efecto sorpresa. </a:t>
-            </a:r>
-            <a:endParaRPr lang="es-ES" sz="3200" dirty="0">
+              <a:t>Para poder instalar nuestro videojuego debe disponer de un espacio aproximado a los 70MB de espacio, aunque puede jugar por vía plataforma web y lo único que necesitaría es de acceso a internet y un dispositivo electrónico que pueda acceder a ella.</a:t>
+            </a:r>
+          </a:p>
+        </p:txBody>
+      </p:sp>
+      <p:sp>
+        <p:nvSpPr>
+          <p:cNvPr id="2" name="TextBox 1">
+            <a:extLst>
+              <a:ext uri="{FF2B5EF4-FFF2-40B4-BE49-F238E27FC236}">
+                <a16:creationId xmlns:a16="http://schemas.microsoft.com/office/drawing/2014/main" id="{90270B3F-634F-4261-9F04-94CB8DB80FD4}"/>
+              </a:ext>
+            </a:extLst>
+          </p:cNvPr>
+          <p:cNvSpPr txBox="1"/>
+          <p:nvPr/>
+        </p:nvSpPr>
+        <p:spPr>
+          <a:xfrm>
+            <a:off x="5888856" y="2551836"/>
+            <a:ext cx="5985091" cy="1754326"/>
+          </a:xfrm>
+          <a:prstGeom prst="rect">
+            <a:avLst/>
+          </a:prstGeom>
+          <a:noFill/>
+        </p:spPr>
+        <p:txBody>
+          <a:bodyPr wrap="square" rtlCol="0">
+            <a:spAutoFit/>
+          </a:bodyPr>
+          <a:lstStyle/>
+          <a:p>
+            <a:pPr algn="ctr"/>
+            <a:r>
+              <a:rPr lang="es-419" sz="5400" b="1" dirty="0">
+                <a:solidFill>
+                  <a:schemeClr val="bg1"/>
+                </a:solidFill>
+                <a:latin typeface="Algerian" panose="04020705040A02060702" pitchFamily="82" charset="0"/>
+              </a:rPr>
+              <a:t>REQUISITOS DE INSTALACIÓN </a:t>
+            </a:r>
+            <a:endParaRPr lang="es-ES" sz="5400" b="1" dirty="0">
               <a:solidFill>
-                <a:srgbClr val="FFC000"/>
+                <a:schemeClr val="bg1"/>
               </a:solidFill>
-              <a:latin typeface="Cambria" panose="02040503050406030204" pitchFamily="18" charset="0"/>
-              <a:ea typeface="Cambria" panose="02040503050406030204" pitchFamily="18" charset="0"/>
+              <a:latin typeface="Algerian" panose="04020705040A02060702" pitchFamily="82" charset="0"/>
             </a:endParaRPr>
           </a:p>
         </p:txBody>
@@ -5337,7 +5333,7 @@
     </p:spTree>
     <p:extLst>
       <p:ext uri="{BB962C8B-B14F-4D97-AF65-F5344CB8AC3E}">
-        <p14:creationId xmlns:p14="http://schemas.microsoft.com/office/powerpoint/2010/main" val="3975200823"/>
+        <p14:creationId xmlns:p14="http://schemas.microsoft.com/office/powerpoint/2010/main" val="443839755"/>
       </p:ext>
     </p:extLst>
   </p:cSld>
@@ -5366,10 +5362,10 @@
       </p:grpSpPr>
       <p:pic>
         <p:nvPicPr>
-          <p:cNvPr id="2" name="Picture 4" descr="Pared De Ladrillo Con Rayas De Rayas De Color Rojo Y Cemento Para El Fondo  Y El Telón De Fondo Abstracto O Fondo De Pantalla Ilustraciones  Vectoriales, Clip Art Vectorizado Libre De">
-            <a:extLst>
-              <a:ext uri="{FF2B5EF4-FFF2-40B4-BE49-F238E27FC236}">
-                <a16:creationId xmlns:a16="http://schemas.microsoft.com/office/drawing/2014/main" id="{D638AD0E-9C02-4E23-9038-92A474C3FC70}"/>
+          <p:cNvPr id="5" name="Picture 4" descr="Pared De Ladrillo Con Rayas De Rayas De Color Rojo Y Cemento Para El Fondo  Y El Telón De Fondo Abstracto O Fondo De Pantalla Ilustraciones  Vectoriales, Clip Art Vectorizado Libre De">
+            <a:extLst>
+              <a:ext uri="{FF2B5EF4-FFF2-40B4-BE49-F238E27FC236}">
+                <a16:creationId xmlns:a16="http://schemas.microsoft.com/office/drawing/2014/main" id="{BFEFB3C3-BC4B-4452-A90F-FF6592C68E08}"/>
               </a:ext>
             </a:extLst>
           </p:cNvPr>
@@ -5402,8 +5398,8 @@
         </p:blipFill>
         <p:spPr bwMode="auto">
           <a:xfrm>
-            <a:off x="1" y="-548640"/>
-            <a:ext cx="12192000" cy="6147582"/>
+            <a:off x="5570805" y="0"/>
+            <a:ext cx="6621195" cy="6858000"/>
           </a:xfrm>
           <a:prstGeom prst="rect">
             <a:avLst/>
@@ -5420,441 +5416,150 @@
           </a:extLst>
         </p:spPr>
       </p:pic>
-      <p:pic>
-        <p:nvPicPr>
-          <p:cNvPr id="3" name="Picture 2">
-            <a:extLst>
-              <a:ext uri="{FF2B5EF4-FFF2-40B4-BE49-F238E27FC236}">
-                <a16:creationId xmlns:a16="http://schemas.microsoft.com/office/drawing/2014/main" id="{8280594D-1540-4ACA-A74D-A90AE4DF50AA}"/>
-              </a:ext>
-            </a:extLst>
-          </p:cNvPr>
-          <p:cNvPicPr>
-            <a:picLocks noChangeAspect="1"/>
-          </p:cNvPicPr>
+      <p:sp>
+        <p:nvSpPr>
+          <p:cNvPr id="3" name="TextBox 2">
+            <a:extLst>
+              <a:ext uri="{FF2B5EF4-FFF2-40B4-BE49-F238E27FC236}">
+                <a16:creationId xmlns:a16="http://schemas.microsoft.com/office/drawing/2014/main" id="{1BD07579-92AC-4D2B-AD40-3DC1D4E4B226}"/>
+              </a:ext>
+            </a:extLst>
+          </p:cNvPr>
+          <p:cNvSpPr txBox="1"/>
           <p:nvPr/>
-        </p:nvPicPr>
-        <p:blipFill>
-          <a:blip r:embed="rId4">
-            <a:extLst>
-              <a:ext uri="{28A0092B-C50C-407E-A947-70E740481C1C}">
-                <a14:useLocalDpi xmlns:a14="http://schemas.microsoft.com/office/drawing/2010/main" val="0"/>
-              </a:ext>
-            </a:extLst>
-          </a:blip>
-          <a:srcRect/>
-          <a:stretch>
-            <a:fillRect/>
-          </a:stretch>
-        </p:blipFill>
-        <p:spPr bwMode="auto">
+        </p:nvSpPr>
+        <p:spPr>
           <a:xfrm>
-            <a:off x="167678" y="-297386"/>
-            <a:ext cx="3795858" cy="2928044"/>
+            <a:off x="277070" y="2151726"/>
+            <a:ext cx="5134709" cy="2554545"/>
           </a:xfrm>
           <a:prstGeom prst="rect">
             <a:avLst/>
           </a:prstGeom>
           <a:noFill/>
-          <a:ln>
-            <a:noFill/>
-          </a:ln>
         </p:spPr>
-      </p:pic>
-      <p:pic>
-        <p:nvPicPr>
-          <p:cNvPr id="4" name="Picture 3">
-            <a:extLst>
-              <a:ext uri="{FF2B5EF4-FFF2-40B4-BE49-F238E27FC236}">
-                <a16:creationId xmlns:a16="http://schemas.microsoft.com/office/drawing/2014/main" id="{ABD1E830-BDE6-4678-B746-13C0D9DEACFE}"/>
-              </a:ext>
-            </a:extLst>
-          </p:cNvPr>
-          <p:cNvPicPr>
-            <a:picLocks noChangeAspect="1"/>
-          </p:cNvPicPr>
+        <p:txBody>
+          <a:bodyPr wrap="square" rtlCol="0">
+            <a:spAutoFit/>
+          </a:bodyPr>
+          <a:lstStyle/>
+          <a:p>
+            <a:pPr algn="just"/>
+            <a:r>
+              <a:rPr lang="es-ES" sz="2000" dirty="0">
+                <a:solidFill>
+                  <a:srgbClr val="FFC000"/>
+                </a:solidFill>
+                <a:effectLst/>
+                <a:latin typeface="Cambria" panose="02040503050406030204" pitchFamily="18" charset="0"/>
+                <a:ea typeface="Cambria" panose="02040503050406030204" pitchFamily="18" charset="0"/>
+              </a:rPr>
+              <a:t>• X: iniciar y reiniciar el juego.</a:t>
+            </a:r>
+          </a:p>
+          <a:p>
+            <a:pPr algn="just"/>
+            <a:endParaRPr lang="es-ES" sz="2000" dirty="0">
+              <a:solidFill>
+                <a:srgbClr val="FFC000"/>
+              </a:solidFill>
+              <a:effectLst/>
+              <a:latin typeface="Cambria" panose="02040503050406030204" pitchFamily="18" charset="0"/>
+              <a:ea typeface="Cambria" panose="02040503050406030204" pitchFamily="18" charset="0"/>
+            </a:endParaRPr>
+          </a:p>
+          <a:p>
+            <a:pPr algn="just"/>
+            <a:r>
+              <a:rPr lang="es-ES" sz="2000" dirty="0">
+                <a:solidFill>
+                  <a:srgbClr val="FFC000"/>
+                </a:solidFill>
+                <a:effectLst/>
+                <a:latin typeface="Cambria" panose="02040503050406030204" pitchFamily="18" charset="0"/>
+                <a:ea typeface="Cambria" panose="02040503050406030204" pitchFamily="18" charset="0"/>
+              </a:rPr>
+              <a:t>• Barra espaciadora: control para dirigir el salto del personaje.</a:t>
+            </a:r>
+          </a:p>
+          <a:p>
+            <a:pPr algn="just"/>
+            <a:endParaRPr lang="es-ES" sz="2000" dirty="0">
+              <a:solidFill>
+                <a:srgbClr val="FFC000"/>
+              </a:solidFill>
+              <a:effectLst/>
+              <a:latin typeface="Cambria" panose="02040503050406030204" pitchFamily="18" charset="0"/>
+              <a:ea typeface="Cambria" panose="02040503050406030204" pitchFamily="18" charset="0"/>
+            </a:endParaRPr>
+          </a:p>
+          <a:p>
+            <a:pPr algn="just"/>
+            <a:r>
+              <a:rPr lang="es-ES" sz="2000" dirty="0">
+                <a:solidFill>
+                  <a:srgbClr val="FFC000"/>
+                </a:solidFill>
+                <a:effectLst/>
+                <a:latin typeface="Cambria" panose="02040503050406030204" pitchFamily="18" charset="0"/>
+                <a:ea typeface="Cambria" panose="02040503050406030204" pitchFamily="18" charset="0"/>
+              </a:rPr>
+              <a:t>Nuestro personaje se desplazará a lo largo del camino, saltando obstáculos y recolectando monedas en el transcurso.</a:t>
+            </a:r>
+          </a:p>
+        </p:txBody>
+      </p:sp>
+      <p:sp>
+        <p:nvSpPr>
+          <p:cNvPr id="2" name="TextBox 1">
+            <a:extLst>
+              <a:ext uri="{FF2B5EF4-FFF2-40B4-BE49-F238E27FC236}">
+                <a16:creationId xmlns:a16="http://schemas.microsoft.com/office/drawing/2014/main" id="{90270B3F-634F-4261-9F04-94CB8DB80FD4}"/>
+              </a:ext>
+            </a:extLst>
+          </p:cNvPr>
+          <p:cNvSpPr txBox="1"/>
           <p:nvPr/>
-        </p:nvPicPr>
-        <p:blipFill>
-          <a:blip r:embed="rId5">
-            <a:extLst>
-              <a:ext uri="{28A0092B-C50C-407E-A947-70E740481C1C}">
-                <a14:useLocalDpi xmlns:a14="http://schemas.microsoft.com/office/drawing/2010/main" val="0"/>
-              </a:ext>
-            </a:extLst>
-          </a:blip>
-          <a:srcRect/>
-          <a:stretch>
-            <a:fillRect/>
-          </a:stretch>
-        </p:blipFill>
-        <p:spPr bwMode="auto">
+        </p:nvSpPr>
+        <p:spPr>
           <a:xfrm>
-            <a:off x="4131213" y="-297386"/>
-            <a:ext cx="3751238" cy="2928043"/>
+            <a:off x="5888856" y="2551836"/>
+            <a:ext cx="5985091" cy="1754326"/>
           </a:xfrm>
           <a:prstGeom prst="rect">
             <a:avLst/>
           </a:prstGeom>
           <a:noFill/>
-          <a:ln>
-            <a:noFill/>
-          </a:ln>
         </p:spPr>
-      </p:pic>
-      <p:pic>
-        <p:nvPicPr>
-          <p:cNvPr id="5" name="Picture 4">
-            <a:extLst>
-              <a:ext uri="{FF2B5EF4-FFF2-40B4-BE49-F238E27FC236}">
-                <a16:creationId xmlns:a16="http://schemas.microsoft.com/office/drawing/2014/main" id="{6E89FA1B-E2EA-42AF-B30F-4BF077FFC21A}"/>
-              </a:ext>
-            </a:extLst>
-          </p:cNvPr>
-          <p:cNvPicPr>
-            <a:picLocks noChangeAspect="1"/>
-          </p:cNvPicPr>
-          <p:nvPr/>
-        </p:nvPicPr>
-        <p:blipFill>
-          <a:blip r:embed="rId6">
-            <a:extLst>
-              <a:ext uri="{28A0092B-C50C-407E-A947-70E740481C1C}">
-                <a14:useLocalDpi xmlns:a14="http://schemas.microsoft.com/office/drawing/2010/main" val="0"/>
-              </a:ext>
-            </a:extLst>
-          </a:blip>
-          <a:srcRect/>
-          <a:stretch>
-            <a:fillRect/>
-          </a:stretch>
-        </p:blipFill>
-        <p:spPr bwMode="auto">
-          <a:xfrm>
-            <a:off x="8064340" y="-297386"/>
-            <a:ext cx="3959982" cy="2925897"/>
-          </a:xfrm>
-          <a:prstGeom prst="rect">
-            <a:avLst/>
-          </a:prstGeom>
-          <a:noFill/>
-          <a:ln>
-            <a:noFill/>
-          </a:ln>
-        </p:spPr>
-      </p:pic>
-      <p:pic>
-        <p:nvPicPr>
-          <p:cNvPr id="6" name="Picture 5">
-            <a:extLst>
-              <a:ext uri="{FF2B5EF4-FFF2-40B4-BE49-F238E27FC236}">
-                <a16:creationId xmlns:a16="http://schemas.microsoft.com/office/drawing/2014/main" id="{ED05E33B-64DE-4D21-87FB-1EB3146AE7A4}"/>
-              </a:ext>
-            </a:extLst>
-          </p:cNvPr>
-          <p:cNvPicPr>
-            <a:picLocks noChangeAspect="1"/>
-          </p:cNvPicPr>
-          <p:nvPr/>
-        </p:nvPicPr>
-        <p:blipFill>
-          <a:blip r:embed="rId7">
-            <a:extLst>
-              <a:ext uri="{28A0092B-C50C-407E-A947-70E740481C1C}">
-                <a14:useLocalDpi xmlns:a14="http://schemas.microsoft.com/office/drawing/2010/main" val="0"/>
-              </a:ext>
-            </a:extLst>
-          </a:blip>
-          <a:srcRect/>
-          <a:stretch>
-            <a:fillRect/>
-          </a:stretch>
-        </p:blipFill>
-        <p:spPr bwMode="auto">
-          <a:xfrm>
-            <a:off x="515814" y="2879764"/>
-            <a:ext cx="5381112" cy="2548397"/>
-          </a:xfrm>
-          <a:prstGeom prst="rect">
-            <a:avLst/>
-          </a:prstGeom>
-          <a:noFill/>
-          <a:ln>
-            <a:noFill/>
-          </a:ln>
-        </p:spPr>
-      </p:pic>
-      <p:pic>
-        <p:nvPicPr>
-          <p:cNvPr id="7" name="Picture 6">
-            <a:extLst>
-              <a:ext uri="{FF2B5EF4-FFF2-40B4-BE49-F238E27FC236}">
-                <a16:creationId xmlns:a16="http://schemas.microsoft.com/office/drawing/2014/main" id="{7CC6F8FF-CC4B-42AE-8042-310F5555B02C}"/>
-              </a:ext>
-            </a:extLst>
-          </p:cNvPr>
-          <p:cNvPicPr>
-            <a:picLocks noChangeAspect="1"/>
-          </p:cNvPicPr>
-          <p:nvPr/>
-        </p:nvPicPr>
-        <p:blipFill>
-          <a:blip r:embed="rId8">
-            <a:extLst>
-              <a:ext uri="{28A0092B-C50C-407E-A947-70E740481C1C}">
-                <a14:useLocalDpi xmlns:a14="http://schemas.microsoft.com/office/drawing/2010/main" val="0"/>
-              </a:ext>
-            </a:extLst>
-          </a:blip>
-          <a:srcRect/>
-          <a:stretch>
-            <a:fillRect/>
-          </a:stretch>
-        </p:blipFill>
-        <p:spPr bwMode="auto">
-          <a:xfrm>
-            <a:off x="6295076" y="2879764"/>
-            <a:ext cx="5200650" cy="2548397"/>
-          </a:xfrm>
-          <a:prstGeom prst="rect">
-            <a:avLst/>
-          </a:prstGeom>
-          <a:noFill/>
-          <a:ln>
-            <a:noFill/>
-          </a:ln>
-        </p:spPr>
-      </p:pic>
-      <p:sp>
-        <p:nvSpPr>
-          <p:cNvPr id="8" name="Text Placeholder 6">
-            <a:extLst>
-              <a:ext uri="{FF2B5EF4-FFF2-40B4-BE49-F238E27FC236}">
-                <a16:creationId xmlns:a16="http://schemas.microsoft.com/office/drawing/2014/main" id="{88F1207C-F36B-45FC-AE31-ED6AE842586A}"/>
-              </a:ext>
-            </a:extLst>
-          </p:cNvPr>
-          <p:cNvSpPr txBox="1">
-            <a:spLocks/>
-          </p:cNvSpPr>
-          <p:nvPr/>
-        </p:nvSpPr>
-        <p:spPr>
-          <a:xfrm>
-            <a:off x="-1" y="5683350"/>
-            <a:ext cx="12192000" cy="1153550"/>
-          </a:xfrm>
-          <a:prstGeom prst="rect">
-            <a:avLst/>
-          </a:prstGeom>
-          <a:solidFill>
-            <a:srgbClr val="1D537F"/>
-          </a:solidFill>
-        </p:spPr>
-        <p:txBody>
-          <a:bodyPr vert="horz" lIns="91440" tIns="45720" rIns="91440" bIns="45720" rtlCol="0">
-            <a:normAutofit lnSpcReduction="10000"/>
+        <p:txBody>
+          <a:bodyPr wrap="square" rtlCol="0">
+            <a:spAutoFit/>
           </a:bodyPr>
-          <a:lstStyle>
-            <a:lvl1pPr marL="0" indent="0" algn="l" defTabSz="914400" rtl="0" eaLnBrk="1" latinLnBrk="0" hangingPunct="1">
-              <a:lnSpc>
-                <a:spcPct val="90000"/>
-              </a:lnSpc>
-              <a:spcBef>
-                <a:spcPts val="1000"/>
-              </a:spcBef>
-              <a:buFont typeface="Arial" panose="020B0604020202020204" pitchFamily="34" charset="0"/>
-              <a:buNone/>
-              <a:defRPr sz="2400" kern="1200">
+          <a:lstStyle/>
+          <a:p>
+            <a:pPr algn="ctr"/>
+            <a:r>
+              <a:rPr lang="es-419" sz="5400" b="1" dirty="0">
                 <a:solidFill>
-                  <a:schemeClr val="tx1">
-                    <a:tint val="75000"/>
-                  </a:schemeClr>
-                </a:solidFill>
-                <a:latin typeface="+mn-lt"/>
-                <a:ea typeface="+mn-ea"/>
-                <a:cs typeface="+mn-cs"/>
-              </a:defRPr>
-            </a:lvl1pPr>
-            <a:lvl2pPr marL="457200" indent="0" algn="l" defTabSz="914400" rtl="0" eaLnBrk="1" latinLnBrk="0" hangingPunct="1">
-              <a:lnSpc>
-                <a:spcPct val="90000"/>
-              </a:lnSpc>
-              <a:spcBef>
-                <a:spcPts val="500"/>
-              </a:spcBef>
-              <a:buFont typeface="Arial" panose="020B0604020202020204" pitchFamily="34" charset="0"/>
-              <a:buNone/>
-              <a:defRPr sz="2000" kern="1200">
-                <a:solidFill>
-                  <a:schemeClr val="tx1">
-                    <a:tint val="75000"/>
-                  </a:schemeClr>
-                </a:solidFill>
-                <a:latin typeface="+mn-lt"/>
-                <a:ea typeface="+mn-ea"/>
-                <a:cs typeface="+mn-cs"/>
-              </a:defRPr>
-            </a:lvl2pPr>
-            <a:lvl3pPr marL="914400" indent="0" algn="l" defTabSz="914400" rtl="0" eaLnBrk="1" latinLnBrk="0" hangingPunct="1">
-              <a:lnSpc>
-                <a:spcPct val="90000"/>
-              </a:lnSpc>
-              <a:spcBef>
-                <a:spcPts val="500"/>
-              </a:spcBef>
-              <a:buFont typeface="Arial" panose="020B0604020202020204" pitchFamily="34" charset="0"/>
-              <a:buNone/>
-              <a:defRPr sz="1800" kern="1200">
-                <a:solidFill>
-                  <a:schemeClr val="tx1">
-                    <a:tint val="75000"/>
-                  </a:schemeClr>
-                </a:solidFill>
-                <a:latin typeface="+mn-lt"/>
-                <a:ea typeface="+mn-ea"/>
-                <a:cs typeface="+mn-cs"/>
-              </a:defRPr>
-            </a:lvl3pPr>
-            <a:lvl4pPr marL="1371600" indent="0" algn="l" defTabSz="914400" rtl="0" eaLnBrk="1" latinLnBrk="0" hangingPunct="1">
-              <a:lnSpc>
-                <a:spcPct val="90000"/>
-              </a:lnSpc>
-              <a:spcBef>
-                <a:spcPts val="500"/>
-              </a:spcBef>
-              <a:buFont typeface="Arial" panose="020B0604020202020204" pitchFamily="34" charset="0"/>
-              <a:buNone/>
-              <a:defRPr sz="1600" kern="1200">
-                <a:solidFill>
-                  <a:schemeClr val="tx1">
-                    <a:tint val="75000"/>
-                  </a:schemeClr>
-                </a:solidFill>
-                <a:latin typeface="+mn-lt"/>
-                <a:ea typeface="+mn-ea"/>
-                <a:cs typeface="+mn-cs"/>
-              </a:defRPr>
-            </a:lvl4pPr>
-            <a:lvl5pPr marL="1828800" indent="0" algn="l" defTabSz="914400" rtl="0" eaLnBrk="1" latinLnBrk="0" hangingPunct="1">
-              <a:lnSpc>
-                <a:spcPct val="90000"/>
-              </a:lnSpc>
-              <a:spcBef>
-                <a:spcPts val="500"/>
-              </a:spcBef>
-              <a:buFont typeface="Arial" panose="020B0604020202020204" pitchFamily="34" charset="0"/>
-              <a:buNone/>
-              <a:defRPr sz="1600" kern="1200">
-                <a:solidFill>
-                  <a:schemeClr val="tx1">
-                    <a:tint val="75000"/>
-                  </a:schemeClr>
-                </a:solidFill>
-                <a:latin typeface="+mn-lt"/>
-                <a:ea typeface="+mn-ea"/>
-                <a:cs typeface="+mn-cs"/>
-              </a:defRPr>
-            </a:lvl5pPr>
-            <a:lvl6pPr marL="2286000" indent="0" algn="l" defTabSz="914400" rtl="0" eaLnBrk="1" latinLnBrk="0" hangingPunct="1">
-              <a:lnSpc>
-                <a:spcPct val="90000"/>
-              </a:lnSpc>
-              <a:spcBef>
-                <a:spcPts val="500"/>
-              </a:spcBef>
-              <a:buFont typeface="Arial" panose="020B0604020202020204" pitchFamily="34" charset="0"/>
-              <a:buNone/>
-              <a:defRPr sz="1600" kern="1200">
-                <a:solidFill>
-                  <a:schemeClr val="tx1">
-                    <a:tint val="75000"/>
-                  </a:schemeClr>
-                </a:solidFill>
-                <a:latin typeface="+mn-lt"/>
-                <a:ea typeface="+mn-ea"/>
-                <a:cs typeface="+mn-cs"/>
-              </a:defRPr>
-            </a:lvl6pPr>
-            <a:lvl7pPr marL="2743200" indent="0" algn="l" defTabSz="914400" rtl="0" eaLnBrk="1" latinLnBrk="0" hangingPunct="1">
-              <a:lnSpc>
-                <a:spcPct val="90000"/>
-              </a:lnSpc>
-              <a:spcBef>
-                <a:spcPts val="500"/>
-              </a:spcBef>
-              <a:buFont typeface="Arial" panose="020B0604020202020204" pitchFamily="34" charset="0"/>
-              <a:buNone/>
-              <a:defRPr sz="1600" kern="1200">
-                <a:solidFill>
-                  <a:schemeClr val="tx1">
-                    <a:tint val="75000"/>
-                  </a:schemeClr>
-                </a:solidFill>
-                <a:latin typeface="+mn-lt"/>
-                <a:ea typeface="+mn-ea"/>
-                <a:cs typeface="+mn-cs"/>
-              </a:defRPr>
-            </a:lvl7pPr>
-            <a:lvl8pPr marL="3200400" indent="0" algn="l" defTabSz="914400" rtl="0" eaLnBrk="1" latinLnBrk="0" hangingPunct="1">
-              <a:lnSpc>
-                <a:spcPct val="90000"/>
-              </a:lnSpc>
-              <a:spcBef>
-                <a:spcPts val="500"/>
-              </a:spcBef>
-              <a:buFont typeface="Arial" panose="020B0604020202020204" pitchFamily="34" charset="0"/>
-              <a:buNone/>
-              <a:defRPr sz="1600" kern="1200">
-                <a:solidFill>
-                  <a:schemeClr val="tx1">
-                    <a:tint val="75000"/>
-                  </a:schemeClr>
-                </a:solidFill>
-                <a:latin typeface="+mn-lt"/>
-                <a:ea typeface="+mn-ea"/>
-                <a:cs typeface="+mn-cs"/>
-              </a:defRPr>
-            </a:lvl8pPr>
-            <a:lvl9pPr marL="3657600" indent="0" algn="l" defTabSz="914400" rtl="0" eaLnBrk="1" latinLnBrk="0" hangingPunct="1">
-              <a:lnSpc>
-                <a:spcPct val="90000"/>
-              </a:lnSpc>
-              <a:spcBef>
-                <a:spcPts val="500"/>
-              </a:spcBef>
-              <a:buFont typeface="Arial" panose="020B0604020202020204" pitchFamily="34" charset="0"/>
-              <a:buNone/>
-              <a:defRPr sz="1600" kern="1200">
-                <a:solidFill>
-                  <a:schemeClr val="tx1">
-                    <a:tint val="75000"/>
-                  </a:schemeClr>
-                </a:solidFill>
-                <a:latin typeface="+mn-lt"/>
-                <a:ea typeface="+mn-ea"/>
-                <a:cs typeface="+mn-cs"/>
-              </a:defRPr>
-            </a:lvl9pPr>
-          </a:lstStyle>
-          <a:p>
-            <a:pPr algn="ctr"/>
-            <a:r>
-              <a:rPr lang="es-ES" sz="8000" dirty="0">
-                <a:solidFill>
-                  <a:srgbClr val="FFC000"/>
+                  <a:schemeClr val="bg1"/>
                 </a:solidFill>
                 <a:latin typeface="Algerian" panose="04020705040A02060702" pitchFamily="82" charset="0"/>
               </a:rPr>
-              <a:t>STORYBOARD</a:t>
-            </a:r>
+              <a:t>INSTRUCCIONES DE USO</a:t>
+            </a:r>
+            <a:endParaRPr lang="es-ES" sz="5400" b="1" dirty="0">
+              <a:solidFill>
+                <a:schemeClr val="bg1"/>
+              </a:solidFill>
+              <a:latin typeface="Algerian" panose="04020705040A02060702" pitchFamily="82" charset="0"/>
+            </a:endParaRPr>
           </a:p>
         </p:txBody>
       </p:sp>
     </p:spTree>
     <p:extLst>
       <p:ext uri="{BB962C8B-B14F-4D97-AF65-F5344CB8AC3E}">
-        <p14:creationId xmlns:p14="http://schemas.microsoft.com/office/powerpoint/2010/main" val="2266959172"/>
+        <p14:creationId xmlns:p14="http://schemas.microsoft.com/office/powerpoint/2010/main" val="489733731"/>
       </p:ext>
     </p:extLst>
   </p:cSld>
@@ -5881,56 +5586,12 @@
           <a:chExt cx="0" cy="0"/>
         </a:xfrm>
       </p:grpSpPr>
-      <p:sp>
-        <p:nvSpPr>
-          <p:cNvPr id="7" name="Text Placeholder 6">
-            <a:extLst>
-              <a:ext uri="{FF2B5EF4-FFF2-40B4-BE49-F238E27FC236}">
-                <a16:creationId xmlns:a16="http://schemas.microsoft.com/office/drawing/2014/main" id="{F4AAFD9B-7E1F-482E-9BDA-5061E7323F42}"/>
-              </a:ext>
-            </a:extLst>
-          </p:cNvPr>
-          <p:cNvSpPr>
-            <a:spLocks noGrp="1"/>
-          </p:cNvSpPr>
-          <p:nvPr>
-            <p:ph type="body" idx="1"/>
-          </p:nvPr>
-        </p:nvSpPr>
-        <p:spPr>
-          <a:xfrm>
-            <a:off x="0" y="4867423"/>
-            <a:ext cx="12192000" cy="1990578"/>
-          </a:xfrm>
-          <a:solidFill>
-            <a:srgbClr val="1D537F"/>
-          </a:solidFill>
-        </p:spPr>
-        <p:txBody>
-          <a:bodyPr>
-            <a:normAutofit/>
-          </a:bodyPr>
-          <a:lstStyle/>
-          <a:p>
-            <a:pPr algn="ctr"/>
-            <a:r>
-              <a:rPr lang="es-ES" sz="8000" dirty="0">
-                <a:solidFill>
-                  <a:srgbClr val="FFC000"/>
-                </a:solidFill>
-                <a:latin typeface="Algerian" panose="04020705040A02060702" pitchFamily="82" charset="0"/>
-              </a:rPr>
-              <a:t>escenarios</a:t>
-            </a:r>
-          </a:p>
-        </p:txBody>
-      </p:sp>
       <p:pic>
         <p:nvPicPr>
-          <p:cNvPr id="2052" name="Picture 4" descr="Pared De Ladrillo Con Rayas De Rayas De Color Rojo Y Cemento Para El Fondo  Y El Telón De Fondo Abstracto O Fondo De Pantalla Ilustraciones  Vectoriales, Clip Art Vectorizado Libre De">
-            <a:extLst>
-              <a:ext uri="{FF2B5EF4-FFF2-40B4-BE49-F238E27FC236}">
-                <a16:creationId xmlns:a16="http://schemas.microsoft.com/office/drawing/2014/main" id="{6604216F-E8C2-41D0-B332-CB038A0CFEB1}"/>
+          <p:cNvPr id="5" name="Picture 4" descr="Pared De Ladrillo Con Rayas De Rayas De Color Rojo Y Cemento Para El Fondo  Y El Telón De Fondo Abstracto O Fondo De Pantalla Ilustraciones  Vectoriales, Clip Art Vectorizado Libre De">
+            <a:extLst>
+              <a:ext uri="{FF2B5EF4-FFF2-40B4-BE49-F238E27FC236}">
+                <a16:creationId xmlns:a16="http://schemas.microsoft.com/office/drawing/2014/main" id="{BFEFB3C3-BC4B-4452-A90F-FF6592C68E08}"/>
               </a:ext>
             </a:extLst>
           </p:cNvPr>
@@ -5963,8 +5624,8 @@
         </p:blipFill>
         <p:spPr bwMode="auto">
           <a:xfrm>
-            <a:off x="0" y="-541609"/>
-            <a:ext cx="12192000" cy="5310557"/>
+            <a:off x="5570805" y="0"/>
+            <a:ext cx="6621195" cy="6858000"/>
           </a:xfrm>
           <a:prstGeom prst="rect">
             <a:avLst/>
@@ -5981,104 +5642,147 @@
           </a:extLst>
         </p:spPr>
       </p:pic>
-      <p:pic>
-        <p:nvPicPr>
-          <p:cNvPr id="4" name="Picture 3">
-            <a:extLst>
-              <a:ext uri="{FF2B5EF4-FFF2-40B4-BE49-F238E27FC236}">
-                <a16:creationId xmlns:a16="http://schemas.microsoft.com/office/drawing/2014/main" id="{A0F2DB99-18F7-4871-9749-6C8104ECB1CB}"/>
-              </a:ext>
-            </a:extLst>
-          </p:cNvPr>
-          <p:cNvPicPr>
-            <a:picLocks noChangeAspect="1"/>
-          </p:cNvPicPr>
+      <p:sp>
+        <p:nvSpPr>
+          <p:cNvPr id="3" name="TextBox 2">
+            <a:extLst>
+              <a:ext uri="{FF2B5EF4-FFF2-40B4-BE49-F238E27FC236}">
+                <a16:creationId xmlns:a16="http://schemas.microsoft.com/office/drawing/2014/main" id="{1BD07579-92AC-4D2B-AD40-3DC1D4E4B226}"/>
+              </a:ext>
+            </a:extLst>
+          </p:cNvPr>
+          <p:cNvSpPr txBox="1"/>
           <p:nvPr/>
-        </p:nvPicPr>
-        <p:blipFill>
-          <a:blip r:embed="rId4">
-            <a:extLst>
-              <a:ext uri="{28A0092B-C50C-407E-A947-70E740481C1C}">
-                <a14:useLocalDpi xmlns:a14="http://schemas.microsoft.com/office/drawing/2010/main" val="0"/>
-              </a:ext>
-            </a:extLst>
-          </a:blip>
-          <a:srcRect/>
-          <a:stretch>
-            <a:fillRect/>
-          </a:stretch>
-        </p:blipFill>
-        <p:spPr bwMode="auto">
+        </p:nvSpPr>
+        <p:spPr>
           <a:xfrm>
-            <a:off x="459032" y="598609"/>
-            <a:ext cx="5233695" cy="2285267"/>
+            <a:off x="277070" y="1536173"/>
+            <a:ext cx="5134709" cy="3785652"/>
           </a:xfrm>
           <a:prstGeom prst="rect">
             <a:avLst/>
           </a:prstGeom>
-          <a:ln>
-            <a:noFill/>
-          </a:ln>
-          <a:effectLst>
-            <a:outerShdw blurRad="292100" dist="139700" dir="2700000" algn="tl" rotWithShape="0">
-              <a:srgbClr val="333333">
-                <a:alpha val="65000"/>
-              </a:srgbClr>
-            </a:outerShdw>
-          </a:effectLst>
+          <a:noFill/>
         </p:spPr>
-      </p:pic>
-      <p:pic>
-        <p:nvPicPr>
-          <p:cNvPr id="5" name="Picture 4">
-            <a:extLst>
-              <a:ext uri="{FF2B5EF4-FFF2-40B4-BE49-F238E27FC236}">
-                <a16:creationId xmlns:a16="http://schemas.microsoft.com/office/drawing/2014/main" id="{17DBAC7E-85AE-49AD-A058-A233F6F1C0C1}"/>
-              </a:ext>
-            </a:extLst>
-          </p:cNvPr>
-          <p:cNvPicPr>
-            <a:picLocks noChangeAspect="1"/>
-          </p:cNvPicPr>
+        <p:txBody>
+          <a:bodyPr wrap="square" rtlCol="0">
+            <a:spAutoFit/>
+          </a:bodyPr>
+          <a:lstStyle/>
+          <a:p>
+            <a:pPr algn="just"/>
+            <a:r>
+              <a:rPr lang="es-ES" sz="2000" dirty="0">
+                <a:solidFill>
+                  <a:srgbClr val="FFC000"/>
+                </a:solidFill>
+                <a:effectLst/>
+                <a:latin typeface="Cambria" panose="02040503050406030204" pitchFamily="18" charset="0"/>
+                <a:ea typeface="Cambria" panose="02040503050406030204" pitchFamily="18" charset="0"/>
+              </a:rPr>
+              <a:t>En el futuro este videojuego, se pretende aplicar un cargo muy mínimo en la plataforma en la cual está colgado actualmente (</a:t>
+            </a:r>
+            <a:r>
+              <a:rPr lang="es-ES" sz="2000" dirty="0" err="1">
+                <a:solidFill>
+                  <a:srgbClr val="FFC000"/>
+                </a:solidFill>
+                <a:effectLst/>
+                <a:latin typeface="Cambria" panose="02040503050406030204" pitchFamily="18" charset="0"/>
+                <a:ea typeface="Cambria" panose="02040503050406030204" pitchFamily="18" charset="0"/>
+              </a:rPr>
+              <a:t>Itch</a:t>
+            </a:r>
+            <a:r>
+              <a:rPr lang="es-ES" sz="2000" dirty="0">
+                <a:solidFill>
+                  <a:srgbClr val="FFC000"/>
+                </a:solidFill>
+                <a:effectLst/>
+                <a:latin typeface="Cambria" panose="02040503050406030204" pitchFamily="18" charset="0"/>
+                <a:ea typeface="Cambria" panose="02040503050406030204" pitchFamily="18" charset="0"/>
+              </a:rPr>
+              <a:t>), de la misma manera, la versión oficial será colgado en las tiendas oficiales de los diferentes sistemas operativos principales. </a:t>
+            </a:r>
+          </a:p>
+          <a:p>
+            <a:pPr algn="just"/>
+            <a:endParaRPr lang="es-ES" sz="2000" dirty="0">
+              <a:solidFill>
+                <a:srgbClr val="FFC000"/>
+              </a:solidFill>
+              <a:effectLst/>
+              <a:latin typeface="Cambria" panose="02040503050406030204" pitchFamily="18" charset="0"/>
+              <a:ea typeface="Cambria" panose="02040503050406030204" pitchFamily="18" charset="0"/>
+            </a:endParaRPr>
+          </a:p>
+          <a:p>
+            <a:pPr algn="just"/>
+            <a:r>
+              <a:rPr lang="es-ES" sz="2000" dirty="0">
+                <a:solidFill>
+                  <a:srgbClr val="FFC000"/>
+                </a:solidFill>
+                <a:effectLst/>
+                <a:latin typeface="Cambria" panose="02040503050406030204" pitchFamily="18" charset="0"/>
+                <a:ea typeface="Cambria" panose="02040503050406030204" pitchFamily="18" charset="0"/>
+              </a:rPr>
+              <a:t>Teniendo en cuenta los cambios a realizar, se pretende poner a disposición este videojuego para diferentes plataformas, además de móviles.</a:t>
+            </a:r>
+          </a:p>
+        </p:txBody>
+      </p:sp>
+      <p:sp>
+        <p:nvSpPr>
+          <p:cNvPr id="2" name="TextBox 1">
+            <a:extLst>
+              <a:ext uri="{FF2B5EF4-FFF2-40B4-BE49-F238E27FC236}">
+                <a16:creationId xmlns:a16="http://schemas.microsoft.com/office/drawing/2014/main" id="{90270B3F-634F-4261-9F04-94CB8DB80FD4}"/>
+              </a:ext>
+            </a:extLst>
+          </p:cNvPr>
+          <p:cNvSpPr txBox="1"/>
           <p:nvPr/>
-        </p:nvPicPr>
-        <p:blipFill>
-          <a:blip r:embed="rId5">
-            <a:extLst>
-              <a:ext uri="{28A0092B-C50C-407E-A947-70E740481C1C}">
-                <a14:useLocalDpi xmlns:a14="http://schemas.microsoft.com/office/drawing/2010/main" val="0"/>
-              </a:ext>
-            </a:extLst>
-          </a:blip>
-          <a:srcRect/>
-          <a:stretch>
-            <a:fillRect/>
-          </a:stretch>
-        </p:blipFill>
-        <p:spPr bwMode="auto">
+        </p:nvSpPr>
+        <p:spPr>
           <a:xfrm>
-            <a:off x="6499274" y="1686242"/>
-            <a:ext cx="5233695" cy="2388235"/>
+            <a:off x="5888856" y="2551836"/>
+            <a:ext cx="5985091" cy="1754326"/>
           </a:xfrm>
           <a:prstGeom prst="rect">
             <a:avLst/>
           </a:prstGeom>
-          <a:ln>
-            <a:noFill/>
-          </a:ln>
-          <a:effectLst>
-            <a:outerShdw blurRad="292100" dist="139700" dir="2700000" algn="tl" rotWithShape="0">
-              <a:srgbClr val="333333">
-                <a:alpha val="65000"/>
-              </a:srgbClr>
-            </a:outerShdw>
-          </a:effectLst>
+          <a:noFill/>
         </p:spPr>
-      </p:pic>
+        <p:txBody>
+          <a:bodyPr wrap="square" rtlCol="0">
+            <a:spAutoFit/>
+          </a:bodyPr>
+          <a:lstStyle/>
+          <a:p>
+            <a:pPr algn="ctr"/>
+            <a:r>
+              <a:rPr lang="es-419" sz="5400" b="1" dirty="0">
+                <a:solidFill>
+                  <a:schemeClr val="bg1"/>
+                </a:solidFill>
+                <a:latin typeface="Algerian" panose="04020705040A02060702" pitchFamily="82" charset="0"/>
+              </a:rPr>
+              <a:t>PROYECCIONES A FUTURO</a:t>
+            </a:r>
+            <a:endParaRPr lang="es-ES" sz="5400" b="1" dirty="0">
+              <a:solidFill>
+                <a:schemeClr val="bg1"/>
+              </a:solidFill>
+              <a:latin typeface="Algerian" panose="04020705040A02060702" pitchFamily="82" charset="0"/>
+            </a:endParaRPr>
+          </a:p>
+        </p:txBody>
+      </p:sp>
     </p:spTree>
     <p:extLst>
       <p:ext uri="{BB962C8B-B14F-4D97-AF65-F5344CB8AC3E}">
-        <p14:creationId xmlns:p14="http://schemas.microsoft.com/office/powerpoint/2010/main" val="1140081395"/>
+        <p14:creationId xmlns:p14="http://schemas.microsoft.com/office/powerpoint/2010/main" val="39493706"/>
       </p:ext>
     </p:extLst>
   </p:cSld>
@@ -6105,56 +5809,12 @@
           <a:chExt cx="0" cy="0"/>
         </a:xfrm>
       </p:grpSpPr>
-      <p:sp>
-        <p:nvSpPr>
-          <p:cNvPr id="7" name="Text Placeholder 6">
-            <a:extLst>
-              <a:ext uri="{FF2B5EF4-FFF2-40B4-BE49-F238E27FC236}">
-                <a16:creationId xmlns:a16="http://schemas.microsoft.com/office/drawing/2014/main" id="{F4AAFD9B-7E1F-482E-9BDA-5061E7323F42}"/>
-              </a:ext>
-            </a:extLst>
-          </p:cNvPr>
-          <p:cNvSpPr>
-            <a:spLocks noGrp="1"/>
-          </p:cNvSpPr>
-          <p:nvPr>
-            <p:ph type="body" idx="1"/>
-          </p:nvPr>
-        </p:nvSpPr>
-        <p:spPr>
-          <a:xfrm>
-            <a:off x="0" y="4867423"/>
-            <a:ext cx="12192000" cy="1990578"/>
-          </a:xfrm>
-          <a:solidFill>
-            <a:srgbClr val="1D537F"/>
-          </a:solidFill>
-        </p:spPr>
-        <p:txBody>
-          <a:bodyPr>
-            <a:normAutofit/>
-          </a:bodyPr>
-          <a:lstStyle/>
-          <a:p>
-            <a:pPr algn="ctr"/>
-            <a:r>
-              <a:rPr lang="es-ES" sz="8000" dirty="0">
-                <a:solidFill>
-                  <a:srgbClr val="FFC000"/>
-                </a:solidFill>
-                <a:latin typeface="Algerian" panose="04020705040A02060702" pitchFamily="82" charset="0"/>
-              </a:rPr>
-              <a:t>PERSONAJE</a:t>
-            </a:r>
-          </a:p>
-        </p:txBody>
-      </p:sp>
       <p:pic>
         <p:nvPicPr>
-          <p:cNvPr id="2052" name="Picture 4" descr="Pared De Ladrillo Con Rayas De Rayas De Color Rojo Y Cemento Para El Fondo  Y El Telón De Fondo Abstracto O Fondo De Pantalla Ilustraciones  Vectoriales, Clip Art Vectorizado Libre De">
-            <a:extLst>
-              <a:ext uri="{FF2B5EF4-FFF2-40B4-BE49-F238E27FC236}">
-                <a16:creationId xmlns:a16="http://schemas.microsoft.com/office/drawing/2014/main" id="{6604216F-E8C2-41D0-B332-CB038A0CFEB1}"/>
+          <p:cNvPr id="5" name="Picture 4" descr="Pared De Ladrillo Con Rayas De Rayas De Color Rojo Y Cemento Para El Fondo  Y El Telón De Fondo Abstracto O Fondo De Pantalla Ilustraciones  Vectoriales, Clip Art Vectorizado Libre De">
+            <a:extLst>
+              <a:ext uri="{FF2B5EF4-FFF2-40B4-BE49-F238E27FC236}">
+                <a16:creationId xmlns:a16="http://schemas.microsoft.com/office/drawing/2014/main" id="{BFEFB3C3-BC4B-4452-A90F-FF6592C68E08}"/>
               </a:ext>
             </a:extLst>
           </p:cNvPr>
@@ -6187,8 +5847,8 @@
         </p:blipFill>
         <p:spPr bwMode="auto">
           <a:xfrm>
-            <a:off x="1" y="0"/>
-            <a:ext cx="12192000" cy="4867422"/>
+            <a:off x="5570805" y="0"/>
+            <a:ext cx="6621195" cy="6858000"/>
           </a:xfrm>
           <a:prstGeom prst="rect">
             <a:avLst/>
@@ -6205,48 +5865,936 @@
           </a:extLst>
         </p:spPr>
       </p:pic>
-      <p:pic>
-        <p:nvPicPr>
-          <p:cNvPr id="4" name="Picture 3">
-            <a:extLst>
-              <a:ext uri="{FF2B5EF4-FFF2-40B4-BE49-F238E27FC236}">
-                <a16:creationId xmlns:a16="http://schemas.microsoft.com/office/drawing/2014/main" id="{B92E3092-28B5-4AAF-A680-BB11AD94A62A}"/>
-              </a:ext>
-            </a:extLst>
-          </p:cNvPr>
-          <p:cNvPicPr/>
+      <p:sp>
+        <p:nvSpPr>
+          <p:cNvPr id="3" name="TextBox 2">
+            <a:extLst>
+              <a:ext uri="{FF2B5EF4-FFF2-40B4-BE49-F238E27FC236}">
+                <a16:creationId xmlns:a16="http://schemas.microsoft.com/office/drawing/2014/main" id="{1BD07579-92AC-4D2B-AD40-3DC1D4E4B226}"/>
+              </a:ext>
+            </a:extLst>
+          </p:cNvPr>
+          <p:cNvSpPr txBox="1"/>
           <p:nvPr/>
-        </p:nvPicPr>
-        <p:blipFill>
-          <a:blip r:embed="rId4"/>
-          <a:stretch>
-            <a:fillRect/>
-          </a:stretch>
-        </p:blipFill>
+        </p:nvSpPr>
         <p:spPr>
           <a:xfrm>
-            <a:off x="1964568" y="609014"/>
-            <a:ext cx="8262864" cy="3649394"/>
+            <a:off x="277070" y="2305614"/>
+            <a:ext cx="5134709" cy="2246769"/>
           </a:xfrm>
           <a:prstGeom prst="rect">
             <a:avLst/>
           </a:prstGeom>
-          <a:ln>
-            <a:noFill/>
-          </a:ln>
-          <a:effectLst>
-            <a:outerShdw blurRad="292100" dist="139700" dir="2700000" algn="tl" rotWithShape="0">
-              <a:srgbClr val="333333">
-                <a:alpha val="65000"/>
-              </a:srgbClr>
-            </a:outerShdw>
-          </a:effectLst>
+          <a:noFill/>
         </p:spPr>
-      </p:pic>
+        <p:txBody>
+          <a:bodyPr wrap="square" rtlCol="0">
+            <a:spAutoFit/>
+          </a:bodyPr>
+          <a:lstStyle/>
+          <a:p>
+            <a:pPr algn="just"/>
+            <a:r>
+              <a:rPr lang="es-ES" sz="2000" dirty="0">
+                <a:solidFill>
+                  <a:srgbClr val="FFC000"/>
+                </a:solidFill>
+                <a:effectLst/>
+                <a:latin typeface="Cambria" panose="02040503050406030204" pitchFamily="18" charset="0"/>
+                <a:ea typeface="Cambria" panose="02040503050406030204" pitchFamily="18" charset="0"/>
+              </a:rPr>
+              <a:t>Perfiles de los profesionales:</a:t>
+            </a:r>
+          </a:p>
+          <a:p>
+            <a:pPr marL="342900" indent="-342900" algn="just">
+              <a:buFont typeface="Courier New" panose="02070309020205020404" pitchFamily="49" charset="0"/>
+              <a:buChar char="o"/>
+            </a:pPr>
+            <a:r>
+              <a:rPr lang="es-ES" sz="2000" dirty="0">
+                <a:solidFill>
+                  <a:srgbClr val="FFC000"/>
+                </a:solidFill>
+                <a:effectLst/>
+                <a:latin typeface="Cambria" panose="02040503050406030204" pitchFamily="18" charset="0"/>
+                <a:ea typeface="Cambria" panose="02040503050406030204" pitchFamily="18" charset="0"/>
+              </a:rPr>
+              <a:t>DC: Diseñador Creativo</a:t>
+            </a:r>
+          </a:p>
+          <a:p>
+            <a:pPr marL="342900" indent="-342900" algn="just">
+              <a:buFont typeface="Courier New" panose="02070309020205020404" pitchFamily="49" charset="0"/>
+              <a:buChar char="o"/>
+            </a:pPr>
+            <a:r>
+              <a:rPr lang="es-ES" sz="2000" dirty="0">
+                <a:solidFill>
+                  <a:srgbClr val="FFC000"/>
+                </a:solidFill>
+                <a:effectLst/>
+                <a:latin typeface="Cambria" panose="02040503050406030204" pitchFamily="18" charset="0"/>
+                <a:ea typeface="Cambria" panose="02040503050406030204" pitchFamily="18" charset="0"/>
+              </a:rPr>
+              <a:t>IL: Ilustrador</a:t>
+            </a:r>
+          </a:p>
+          <a:p>
+            <a:pPr marL="342900" indent="-342900" algn="just">
+              <a:buFont typeface="Courier New" panose="02070309020205020404" pitchFamily="49" charset="0"/>
+              <a:buChar char="o"/>
+            </a:pPr>
+            <a:r>
+              <a:rPr lang="es-ES" sz="2000" dirty="0">
+                <a:solidFill>
+                  <a:srgbClr val="FFC000"/>
+                </a:solidFill>
+                <a:effectLst/>
+                <a:latin typeface="Cambria" panose="02040503050406030204" pitchFamily="18" charset="0"/>
+                <a:ea typeface="Cambria" panose="02040503050406030204" pitchFamily="18" charset="0"/>
+              </a:rPr>
+              <a:t>AN: Animador</a:t>
+            </a:r>
+          </a:p>
+          <a:p>
+            <a:pPr marL="342900" indent="-342900" algn="just">
+              <a:buFont typeface="Courier New" panose="02070309020205020404" pitchFamily="49" charset="0"/>
+              <a:buChar char="o"/>
+            </a:pPr>
+            <a:r>
+              <a:rPr lang="es-ES" sz="2000" dirty="0">
+                <a:solidFill>
+                  <a:srgbClr val="FFC000"/>
+                </a:solidFill>
+                <a:effectLst/>
+                <a:latin typeface="Cambria" panose="02040503050406030204" pitchFamily="18" charset="0"/>
+                <a:ea typeface="Cambria" panose="02040503050406030204" pitchFamily="18" charset="0"/>
+              </a:rPr>
+              <a:t>P: Programador</a:t>
+            </a:r>
+          </a:p>
+          <a:p>
+            <a:pPr marL="342900" indent="-342900" algn="just">
+              <a:buFont typeface="Courier New" panose="02070309020205020404" pitchFamily="49" charset="0"/>
+              <a:buChar char="o"/>
+            </a:pPr>
+            <a:r>
+              <a:rPr lang="es-ES" sz="2000" dirty="0">
+                <a:solidFill>
+                  <a:srgbClr val="FFC000"/>
+                </a:solidFill>
+                <a:effectLst/>
+                <a:latin typeface="Cambria" panose="02040503050406030204" pitchFamily="18" charset="0"/>
+                <a:ea typeface="Cambria" panose="02040503050406030204" pitchFamily="18" charset="0"/>
+              </a:rPr>
+              <a:t>UT: Usuario </a:t>
+            </a:r>
+            <a:r>
+              <a:rPr lang="es-ES" sz="2000" dirty="0" err="1">
+                <a:solidFill>
+                  <a:srgbClr val="FFC000"/>
+                </a:solidFill>
+                <a:effectLst/>
+                <a:latin typeface="Cambria" panose="02040503050406030204" pitchFamily="18" charset="0"/>
+                <a:ea typeface="Cambria" panose="02040503050406030204" pitchFamily="18" charset="0"/>
+              </a:rPr>
+              <a:t>Tester</a:t>
+            </a:r>
+            <a:endParaRPr lang="es-ES" sz="2000" dirty="0">
+              <a:solidFill>
+                <a:srgbClr val="FFC000"/>
+              </a:solidFill>
+              <a:effectLst/>
+              <a:latin typeface="Cambria" panose="02040503050406030204" pitchFamily="18" charset="0"/>
+              <a:ea typeface="Cambria" panose="02040503050406030204" pitchFamily="18" charset="0"/>
+            </a:endParaRPr>
+          </a:p>
+          <a:p>
+            <a:pPr marL="342900" indent="-342900" algn="just">
+              <a:buFont typeface="Courier New" panose="02070309020205020404" pitchFamily="49" charset="0"/>
+              <a:buChar char="o"/>
+            </a:pPr>
+            <a:r>
+              <a:rPr lang="es-ES" sz="2000" dirty="0">
+                <a:solidFill>
+                  <a:srgbClr val="FFC000"/>
+                </a:solidFill>
+                <a:effectLst/>
+                <a:latin typeface="Cambria" panose="02040503050406030204" pitchFamily="18" charset="0"/>
+                <a:ea typeface="Cambria" panose="02040503050406030204" pitchFamily="18" charset="0"/>
+              </a:rPr>
+              <a:t>TS: Técnico de Sonido</a:t>
+            </a:r>
+          </a:p>
+        </p:txBody>
+      </p:sp>
+      <p:sp>
+        <p:nvSpPr>
+          <p:cNvPr id="2" name="TextBox 1">
+            <a:extLst>
+              <a:ext uri="{FF2B5EF4-FFF2-40B4-BE49-F238E27FC236}">
+                <a16:creationId xmlns:a16="http://schemas.microsoft.com/office/drawing/2014/main" id="{90270B3F-634F-4261-9F04-94CB8DB80FD4}"/>
+              </a:ext>
+            </a:extLst>
+          </p:cNvPr>
+          <p:cNvSpPr txBox="1"/>
+          <p:nvPr/>
+        </p:nvSpPr>
+        <p:spPr>
+          <a:xfrm>
+            <a:off x="5888856" y="590514"/>
+            <a:ext cx="5985091" cy="923330"/>
+          </a:xfrm>
+          <a:prstGeom prst="rect">
+            <a:avLst/>
+          </a:prstGeom>
+          <a:noFill/>
+        </p:spPr>
+        <p:txBody>
+          <a:bodyPr wrap="square" rtlCol="0">
+            <a:spAutoFit/>
+          </a:bodyPr>
+          <a:lstStyle/>
+          <a:p>
+            <a:pPr algn="ctr"/>
+            <a:r>
+              <a:rPr lang="es-419" sz="5400" b="1" dirty="0">
+                <a:solidFill>
+                  <a:schemeClr val="bg1"/>
+                </a:solidFill>
+                <a:latin typeface="Algerian" panose="04020705040A02060702" pitchFamily="82" charset="0"/>
+              </a:rPr>
+              <a:t>PRESUPUESTO</a:t>
+            </a:r>
+            <a:endParaRPr lang="es-ES" sz="5400" b="1" dirty="0">
+              <a:solidFill>
+                <a:schemeClr val="bg1"/>
+              </a:solidFill>
+              <a:latin typeface="Algerian" panose="04020705040A02060702" pitchFamily="82" charset="0"/>
+            </a:endParaRPr>
+          </a:p>
+        </p:txBody>
+      </p:sp>
+      <p:graphicFrame>
+        <p:nvGraphicFramePr>
+          <p:cNvPr id="4" name="Table 3">
+            <a:extLst>
+              <a:ext uri="{FF2B5EF4-FFF2-40B4-BE49-F238E27FC236}">
+                <a16:creationId xmlns:a16="http://schemas.microsoft.com/office/drawing/2014/main" id="{ADC836A9-DDFB-4419-B106-BB9902598438}"/>
+              </a:ext>
+            </a:extLst>
+          </p:cNvPr>
+          <p:cNvGraphicFramePr>
+            <a:graphicFrameLocks noGrp="1"/>
+          </p:cNvGraphicFramePr>
+          <p:nvPr>
+            <p:extLst>
+              <p:ext uri="{D42A27DB-BD31-4B8C-83A1-F6EECF244321}">
+                <p14:modId xmlns:p14="http://schemas.microsoft.com/office/powerpoint/2010/main" val="2224153171"/>
+              </p:ext>
+            </p:extLst>
+          </p:nvPr>
+        </p:nvGraphicFramePr>
+        <p:xfrm>
+          <a:off x="6311347" y="1934002"/>
+          <a:ext cx="5403575" cy="3247594"/>
+        </p:xfrm>
+        <a:graphic>
+          <a:graphicData uri="http://schemas.openxmlformats.org/drawingml/2006/table">
+            <a:tbl>
+              <a:tblPr firstRow="1" firstCol="1" bandRow="1">
+                <a:tableStyleId>{5C22544A-7EE6-4342-B048-85BDC9FD1C3A}</a:tableStyleId>
+              </a:tblPr>
+              <a:tblGrid>
+                <a:gridCol w="2395310">
+                  <a:extLst>
+                    <a:ext uri="{9D8B030D-6E8A-4147-A177-3AD203B41FA5}">
+                      <a16:colId xmlns:a16="http://schemas.microsoft.com/office/drawing/2014/main" val="436742446"/>
+                    </a:ext>
+                  </a:extLst>
+                </a:gridCol>
+                <a:gridCol w="1425883">
+                  <a:extLst>
+                    <a:ext uri="{9D8B030D-6E8A-4147-A177-3AD203B41FA5}">
+                      <a16:colId xmlns:a16="http://schemas.microsoft.com/office/drawing/2014/main" val="2793785696"/>
+                    </a:ext>
+                  </a:extLst>
+                </a:gridCol>
+                <a:gridCol w="1582382">
+                  <a:extLst>
+                    <a:ext uri="{9D8B030D-6E8A-4147-A177-3AD203B41FA5}">
+                      <a16:colId xmlns:a16="http://schemas.microsoft.com/office/drawing/2014/main" val="724063716"/>
+                    </a:ext>
+                  </a:extLst>
+                </a:gridCol>
+              </a:tblGrid>
+              <a:tr h="463942">
+                <a:tc>
+                  <a:txBody>
+                    <a:bodyPr/>
+                    <a:lstStyle/>
+                    <a:p>
+                      <a:pPr algn="just">
+                        <a:lnSpc>
+                          <a:spcPct val="107000"/>
+                        </a:lnSpc>
+                        <a:spcAft>
+                          <a:spcPts val="800"/>
+                        </a:spcAft>
+                      </a:pPr>
+                      <a:r>
+                        <a:rPr lang="es-ES" sz="1100">
+                          <a:effectLst/>
+                        </a:rPr>
+                        <a:t>Rol</a:t>
+                      </a:r>
+                      <a:endParaRPr lang="es-ES" sz="1100">
+                        <a:effectLst/>
+                        <a:latin typeface="Calibri" panose="020F0502020204030204" pitchFamily="34" charset="0"/>
+                        <a:ea typeface="Calibri" panose="020F0502020204030204" pitchFamily="34" charset="0"/>
+                        <a:cs typeface="Times New Roman" panose="02020603050405020304" pitchFamily="18" charset="0"/>
+                      </a:endParaRPr>
+                    </a:p>
+                  </a:txBody>
+                  <a:tcPr marL="68580" marR="68580" marT="0" marB="0"/>
+                </a:tc>
+                <a:tc>
+                  <a:txBody>
+                    <a:bodyPr/>
+                    <a:lstStyle/>
+                    <a:p>
+                      <a:pPr algn="just">
+                        <a:lnSpc>
+                          <a:spcPct val="107000"/>
+                        </a:lnSpc>
+                        <a:spcAft>
+                          <a:spcPts val="800"/>
+                        </a:spcAft>
+                      </a:pPr>
+                      <a:r>
+                        <a:rPr lang="es-ES" sz="1100">
+                          <a:effectLst/>
+                        </a:rPr>
+                        <a:t>Tiempo</a:t>
+                      </a:r>
+                      <a:endParaRPr lang="es-ES" sz="1100">
+                        <a:effectLst/>
+                        <a:latin typeface="Calibri" panose="020F0502020204030204" pitchFamily="34" charset="0"/>
+                        <a:ea typeface="Calibri" panose="020F0502020204030204" pitchFamily="34" charset="0"/>
+                        <a:cs typeface="Times New Roman" panose="02020603050405020304" pitchFamily="18" charset="0"/>
+                      </a:endParaRPr>
+                    </a:p>
+                  </a:txBody>
+                  <a:tcPr marL="68580" marR="68580" marT="0" marB="0"/>
+                </a:tc>
+                <a:tc>
+                  <a:txBody>
+                    <a:bodyPr/>
+                    <a:lstStyle/>
+                    <a:p>
+                      <a:pPr algn="just">
+                        <a:lnSpc>
+                          <a:spcPct val="107000"/>
+                        </a:lnSpc>
+                        <a:spcAft>
+                          <a:spcPts val="800"/>
+                        </a:spcAft>
+                      </a:pPr>
+                      <a:r>
+                        <a:rPr lang="es-ES" sz="1100">
+                          <a:effectLst/>
+                        </a:rPr>
+                        <a:t>Costo</a:t>
+                      </a:r>
+                      <a:endParaRPr lang="es-ES" sz="1100">
+                        <a:effectLst/>
+                        <a:latin typeface="Calibri" panose="020F0502020204030204" pitchFamily="34" charset="0"/>
+                        <a:ea typeface="Calibri" panose="020F0502020204030204" pitchFamily="34" charset="0"/>
+                        <a:cs typeface="Times New Roman" panose="02020603050405020304" pitchFamily="18" charset="0"/>
+                      </a:endParaRPr>
+                    </a:p>
+                  </a:txBody>
+                  <a:tcPr marL="68580" marR="68580" marT="0" marB="0"/>
+                </a:tc>
+                <a:extLst>
+                  <a:ext uri="{0D108BD9-81ED-4DB2-BD59-A6C34878D82A}">
+                    <a16:rowId xmlns:a16="http://schemas.microsoft.com/office/drawing/2014/main" val="357328594"/>
+                  </a:ext>
+                </a:extLst>
+              </a:tr>
+              <a:tr h="463942">
+                <a:tc>
+                  <a:txBody>
+                    <a:bodyPr/>
+                    <a:lstStyle/>
+                    <a:p>
+                      <a:pPr algn="just">
+                        <a:lnSpc>
+                          <a:spcPct val="107000"/>
+                        </a:lnSpc>
+                        <a:spcAft>
+                          <a:spcPts val="800"/>
+                        </a:spcAft>
+                      </a:pPr>
+                      <a:r>
+                        <a:rPr lang="es-ES" sz="1100">
+                          <a:effectLst/>
+                        </a:rPr>
+                        <a:t>Diseñador Creativo</a:t>
+                      </a:r>
+                      <a:endParaRPr lang="es-ES" sz="1100">
+                        <a:effectLst/>
+                        <a:latin typeface="Calibri" panose="020F0502020204030204" pitchFamily="34" charset="0"/>
+                        <a:ea typeface="Calibri" panose="020F0502020204030204" pitchFamily="34" charset="0"/>
+                        <a:cs typeface="Times New Roman" panose="02020603050405020304" pitchFamily="18" charset="0"/>
+                      </a:endParaRPr>
+                    </a:p>
+                  </a:txBody>
+                  <a:tcPr marL="68580" marR="68580" marT="0" marB="0"/>
+                </a:tc>
+                <a:tc>
+                  <a:txBody>
+                    <a:bodyPr/>
+                    <a:lstStyle/>
+                    <a:p>
+                      <a:pPr algn="just">
+                        <a:lnSpc>
+                          <a:spcPct val="107000"/>
+                        </a:lnSpc>
+                        <a:spcAft>
+                          <a:spcPts val="800"/>
+                        </a:spcAft>
+                      </a:pPr>
+                      <a:r>
+                        <a:rPr lang="es-ES" sz="1100">
+                          <a:effectLst/>
+                        </a:rPr>
+                        <a:t>1 mes</a:t>
+                      </a:r>
+                      <a:endParaRPr lang="es-ES" sz="1100">
+                        <a:effectLst/>
+                        <a:latin typeface="Calibri" panose="020F0502020204030204" pitchFamily="34" charset="0"/>
+                        <a:ea typeface="Calibri" panose="020F0502020204030204" pitchFamily="34" charset="0"/>
+                        <a:cs typeface="Times New Roman" panose="02020603050405020304" pitchFamily="18" charset="0"/>
+                      </a:endParaRPr>
+                    </a:p>
+                  </a:txBody>
+                  <a:tcPr marL="68580" marR="68580" marT="0" marB="0"/>
+                </a:tc>
+                <a:tc>
+                  <a:txBody>
+                    <a:bodyPr/>
+                    <a:lstStyle/>
+                    <a:p>
+                      <a:pPr algn="just">
+                        <a:lnSpc>
+                          <a:spcPct val="107000"/>
+                        </a:lnSpc>
+                        <a:spcAft>
+                          <a:spcPts val="800"/>
+                        </a:spcAft>
+                      </a:pPr>
+                      <a:r>
+                        <a:rPr lang="es-ES" sz="1100">
+                          <a:effectLst/>
+                        </a:rPr>
+                        <a:t>500 USD</a:t>
+                      </a:r>
+                      <a:endParaRPr lang="es-ES" sz="1100">
+                        <a:effectLst/>
+                        <a:latin typeface="Calibri" panose="020F0502020204030204" pitchFamily="34" charset="0"/>
+                        <a:ea typeface="Calibri" panose="020F0502020204030204" pitchFamily="34" charset="0"/>
+                        <a:cs typeface="Times New Roman" panose="02020603050405020304" pitchFamily="18" charset="0"/>
+                      </a:endParaRPr>
+                    </a:p>
+                  </a:txBody>
+                  <a:tcPr marL="68580" marR="68580" marT="0" marB="0"/>
+                </a:tc>
+                <a:extLst>
+                  <a:ext uri="{0D108BD9-81ED-4DB2-BD59-A6C34878D82A}">
+                    <a16:rowId xmlns:a16="http://schemas.microsoft.com/office/drawing/2014/main" val="553538945"/>
+                  </a:ext>
+                </a:extLst>
+              </a:tr>
+              <a:tr h="463942">
+                <a:tc>
+                  <a:txBody>
+                    <a:bodyPr/>
+                    <a:lstStyle/>
+                    <a:p>
+                      <a:pPr algn="just">
+                        <a:lnSpc>
+                          <a:spcPct val="107000"/>
+                        </a:lnSpc>
+                        <a:spcAft>
+                          <a:spcPts val="800"/>
+                        </a:spcAft>
+                      </a:pPr>
+                      <a:r>
+                        <a:rPr lang="es-ES" sz="1100">
+                          <a:effectLst/>
+                        </a:rPr>
+                        <a:t>Ilustrador</a:t>
+                      </a:r>
+                      <a:endParaRPr lang="es-ES" sz="1100">
+                        <a:effectLst/>
+                        <a:latin typeface="Calibri" panose="020F0502020204030204" pitchFamily="34" charset="0"/>
+                        <a:ea typeface="Calibri" panose="020F0502020204030204" pitchFamily="34" charset="0"/>
+                        <a:cs typeface="Times New Roman" panose="02020603050405020304" pitchFamily="18" charset="0"/>
+                      </a:endParaRPr>
+                    </a:p>
+                  </a:txBody>
+                  <a:tcPr marL="68580" marR="68580" marT="0" marB="0"/>
+                </a:tc>
+                <a:tc>
+                  <a:txBody>
+                    <a:bodyPr/>
+                    <a:lstStyle/>
+                    <a:p>
+                      <a:pPr algn="just">
+                        <a:lnSpc>
+                          <a:spcPct val="107000"/>
+                        </a:lnSpc>
+                        <a:spcAft>
+                          <a:spcPts val="800"/>
+                        </a:spcAft>
+                      </a:pPr>
+                      <a:r>
+                        <a:rPr lang="es-ES" sz="1100">
+                          <a:effectLst/>
+                        </a:rPr>
+                        <a:t>1 mes </a:t>
+                      </a:r>
+                      <a:endParaRPr lang="es-ES" sz="1100">
+                        <a:effectLst/>
+                        <a:latin typeface="Calibri" panose="020F0502020204030204" pitchFamily="34" charset="0"/>
+                        <a:ea typeface="Calibri" panose="020F0502020204030204" pitchFamily="34" charset="0"/>
+                        <a:cs typeface="Times New Roman" panose="02020603050405020304" pitchFamily="18" charset="0"/>
+                      </a:endParaRPr>
+                    </a:p>
+                  </a:txBody>
+                  <a:tcPr marL="68580" marR="68580" marT="0" marB="0"/>
+                </a:tc>
+                <a:tc>
+                  <a:txBody>
+                    <a:bodyPr/>
+                    <a:lstStyle/>
+                    <a:p>
+                      <a:pPr algn="just">
+                        <a:lnSpc>
+                          <a:spcPct val="107000"/>
+                        </a:lnSpc>
+                        <a:spcAft>
+                          <a:spcPts val="800"/>
+                        </a:spcAft>
+                      </a:pPr>
+                      <a:r>
+                        <a:rPr lang="es-ES" sz="1100">
+                          <a:effectLst/>
+                        </a:rPr>
+                        <a:t>500 USD</a:t>
+                      </a:r>
+                      <a:endParaRPr lang="es-ES" sz="1100">
+                        <a:effectLst/>
+                        <a:latin typeface="Calibri" panose="020F0502020204030204" pitchFamily="34" charset="0"/>
+                        <a:ea typeface="Calibri" panose="020F0502020204030204" pitchFamily="34" charset="0"/>
+                        <a:cs typeface="Times New Roman" panose="02020603050405020304" pitchFamily="18" charset="0"/>
+                      </a:endParaRPr>
+                    </a:p>
+                  </a:txBody>
+                  <a:tcPr marL="68580" marR="68580" marT="0" marB="0"/>
+                </a:tc>
+                <a:extLst>
+                  <a:ext uri="{0D108BD9-81ED-4DB2-BD59-A6C34878D82A}">
+                    <a16:rowId xmlns:a16="http://schemas.microsoft.com/office/drawing/2014/main" val="1293077168"/>
+                  </a:ext>
+                </a:extLst>
+              </a:tr>
+              <a:tr h="463942">
+                <a:tc>
+                  <a:txBody>
+                    <a:bodyPr/>
+                    <a:lstStyle/>
+                    <a:p>
+                      <a:pPr algn="just">
+                        <a:lnSpc>
+                          <a:spcPct val="107000"/>
+                        </a:lnSpc>
+                        <a:spcAft>
+                          <a:spcPts val="800"/>
+                        </a:spcAft>
+                      </a:pPr>
+                      <a:r>
+                        <a:rPr lang="es-ES" sz="1100">
+                          <a:effectLst/>
+                        </a:rPr>
+                        <a:t>Animador</a:t>
+                      </a:r>
+                      <a:endParaRPr lang="es-ES" sz="1100">
+                        <a:effectLst/>
+                        <a:latin typeface="Calibri" panose="020F0502020204030204" pitchFamily="34" charset="0"/>
+                        <a:ea typeface="Calibri" panose="020F0502020204030204" pitchFamily="34" charset="0"/>
+                        <a:cs typeface="Times New Roman" panose="02020603050405020304" pitchFamily="18" charset="0"/>
+                      </a:endParaRPr>
+                    </a:p>
+                  </a:txBody>
+                  <a:tcPr marL="68580" marR="68580" marT="0" marB="0"/>
+                </a:tc>
+                <a:tc>
+                  <a:txBody>
+                    <a:bodyPr/>
+                    <a:lstStyle/>
+                    <a:p>
+                      <a:pPr algn="just">
+                        <a:lnSpc>
+                          <a:spcPct val="107000"/>
+                        </a:lnSpc>
+                        <a:spcAft>
+                          <a:spcPts val="800"/>
+                        </a:spcAft>
+                      </a:pPr>
+                      <a:r>
+                        <a:rPr lang="es-ES" sz="1100">
+                          <a:effectLst/>
+                        </a:rPr>
+                        <a:t>2 meses</a:t>
+                      </a:r>
+                      <a:endParaRPr lang="es-ES" sz="1100">
+                        <a:effectLst/>
+                        <a:latin typeface="Calibri" panose="020F0502020204030204" pitchFamily="34" charset="0"/>
+                        <a:ea typeface="Calibri" panose="020F0502020204030204" pitchFamily="34" charset="0"/>
+                        <a:cs typeface="Times New Roman" panose="02020603050405020304" pitchFamily="18" charset="0"/>
+                      </a:endParaRPr>
+                    </a:p>
+                  </a:txBody>
+                  <a:tcPr marL="68580" marR="68580" marT="0" marB="0"/>
+                </a:tc>
+                <a:tc>
+                  <a:txBody>
+                    <a:bodyPr/>
+                    <a:lstStyle/>
+                    <a:p>
+                      <a:pPr algn="just">
+                        <a:lnSpc>
+                          <a:spcPct val="107000"/>
+                        </a:lnSpc>
+                        <a:spcAft>
+                          <a:spcPts val="800"/>
+                        </a:spcAft>
+                      </a:pPr>
+                      <a:r>
+                        <a:rPr lang="es-ES" sz="1100">
+                          <a:effectLst/>
+                        </a:rPr>
+                        <a:t>1,600 USD</a:t>
+                      </a:r>
+                      <a:endParaRPr lang="es-ES" sz="1100">
+                        <a:effectLst/>
+                        <a:latin typeface="Calibri" panose="020F0502020204030204" pitchFamily="34" charset="0"/>
+                        <a:ea typeface="Calibri" panose="020F0502020204030204" pitchFamily="34" charset="0"/>
+                        <a:cs typeface="Times New Roman" panose="02020603050405020304" pitchFamily="18" charset="0"/>
+                      </a:endParaRPr>
+                    </a:p>
+                  </a:txBody>
+                  <a:tcPr marL="68580" marR="68580" marT="0" marB="0"/>
+                </a:tc>
+                <a:extLst>
+                  <a:ext uri="{0D108BD9-81ED-4DB2-BD59-A6C34878D82A}">
+                    <a16:rowId xmlns:a16="http://schemas.microsoft.com/office/drawing/2014/main" val="3164785205"/>
+                  </a:ext>
+                </a:extLst>
+              </a:tr>
+              <a:tr h="463942">
+                <a:tc>
+                  <a:txBody>
+                    <a:bodyPr/>
+                    <a:lstStyle/>
+                    <a:p>
+                      <a:pPr algn="just">
+                        <a:lnSpc>
+                          <a:spcPct val="107000"/>
+                        </a:lnSpc>
+                        <a:spcAft>
+                          <a:spcPts val="800"/>
+                        </a:spcAft>
+                      </a:pPr>
+                      <a:r>
+                        <a:rPr lang="es-ES" sz="1100">
+                          <a:effectLst/>
+                        </a:rPr>
+                        <a:t>Técnico de Sonido</a:t>
+                      </a:r>
+                      <a:endParaRPr lang="es-ES" sz="1100">
+                        <a:effectLst/>
+                        <a:latin typeface="Calibri" panose="020F0502020204030204" pitchFamily="34" charset="0"/>
+                        <a:ea typeface="Calibri" panose="020F0502020204030204" pitchFamily="34" charset="0"/>
+                        <a:cs typeface="Times New Roman" panose="02020603050405020304" pitchFamily="18" charset="0"/>
+                      </a:endParaRPr>
+                    </a:p>
+                  </a:txBody>
+                  <a:tcPr marL="68580" marR="68580" marT="0" marB="0"/>
+                </a:tc>
+                <a:tc>
+                  <a:txBody>
+                    <a:bodyPr/>
+                    <a:lstStyle/>
+                    <a:p>
+                      <a:pPr algn="just">
+                        <a:lnSpc>
+                          <a:spcPct val="107000"/>
+                        </a:lnSpc>
+                        <a:spcAft>
+                          <a:spcPts val="800"/>
+                        </a:spcAft>
+                      </a:pPr>
+                      <a:r>
+                        <a:rPr lang="es-ES" sz="1100">
+                          <a:effectLst/>
+                        </a:rPr>
+                        <a:t>45 días </a:t>
+                      </a:r>
+                      <a:endParaRPr lang="es-ES" sz="1100">
+                        <a:effectLst/>
+                        <a:latin typeface="Calibri" panose="020F0502020204030204" pitchFamily="34" charset="0"/>
+                        <a:ea typeface="Calibri" panose="020F0502020204030204" pitchFamily="34" charset="0"/>
+                        <a:cs typeface="Times New Roman" panose="02020603050405020304" pitchFamily="18" charset="0"/>
+                      </a:endParaRPr>
+                    </a:p>
+                  </a:txBody>
+                  <a:tcPr marL="68580" marR="68580" marT="0" marB="0"/>
+                </a:tc>
+                <a:tc>
+                  <a:txBody>
+                    <a:bodyPr/>
+                    <a:lstStyle/>
+                    <a:p>
+                      <a:pPr algn="just">
+                        <a:lnSpc>
+                          <a:spcPct val="107000"/>
+                        </a:lnSpc>
+                        <a:spcAft>
+                          <a:spcPts val="800"/>
+                        </a:spcAft>
+                      </a:pPr>
+                      <a:r>
+                        <a:rPr lang="es-ES" sz="1100">
+                          <a:effectLst/>
+                        </a:rPr>
+                        <a:t>600 USD</a:t>
+                      </a:r>
+                      <a:endParaRPr lang="es-ES" sz="1100">
+                        <a:effectLst/>
+                        <a:latin typeface="Calibri" panose="020F0502020204030204" pitchFamily="34" charset="0"/>
+                        <a:ea typeface="Calibri" panose="020F0502020204030204" pitchFamily="34" charset="0"/>
+                        <a:cs typeface="Times New Roman" panose="02020603050405020304" pitchFamily="18" charset="0"/>
+                      </a:endParaRPr>
+                    </a:p>
+                  </a:txBody>
+                  <a:tcPr marL="68580" marR="68580" marT="0" marB="0"/>
+                </a:tc>
+                <a:extLst>
+                  <a:ext uri="{0D108BD9-81ED-4DB2-BD59-A6C34878D82A}">
+                    <a16:rowId xmlns:a16="http://schemas.microsoft.com/office/drawing/2014/main" val="702569482"/>
+                  </a:ext>
+                </a:extLst>
+              </a:tr>
+              <a:tr h="463942">
+                <a:tc>
+                  <a:txBody>
+                    <a:bodyPr/>
+                    <a:lstStyle/>
+                    <a:p>
+                      <a:pPr algn="just">
+                        <a:lnSpc>
+                          <a:spcPct val="107000"/>
+                        </a:lnSpc>
+                        <a:spcAft>
+                          <a:spcPts val="800"/>
+                        </a:spcAft>
+                      </a:pPr>
+                      <a:r>
+                        <a:rPr lang="es-ES" sz="1100">
+                          <a:effectLst/>
+                        </a:rPr>
+                        <a:t>Programador</a:t>
+                      </a:r>
+                      <a:endParaRPr lang="es-ES" sz="1100">
+                        <a:effectLst/>
+                        <a:latin typeface="Calibri" panose="020F0502020204030204" pitchFamily="34" charset="0"/>
+                        <a:ea typeface="Calibri" panose="020F0502020204030204" pitchFamily="34" charset="0"/>
+                        <a:cs typeface="Times New Roman" panose="02020603050405020304" pitchFamily="18" charset="0"/>
+                      </a:endParaRPr>
+                    </a:p>
+                  </a:txBody>
+                  <a:tcPr marL="68580" marR="68580" marT="0" marB="0"/>
+                </a:tc>
+                <a:tc>
+                  <a:txBody>
+                    <a:bodyPr/>
+                    <a:lstStyle/>
+                    <a:p>
+                      <a:pPr algn="just">
+                        <a:lnSpc>
+                          <a:spcPct val="107000"/>
+                        </a:lnSpc>
+                        <a:spcAft>
+                          <a:spcPts val="800"/>
+                        </a:spcAft>
+                      </a:pPr>
+                      <a:r>
+                        <a:rPr lang="es-ES" sz="1100">
+                          <a:effectLst/>
+                        </a:rPr>
+                        <a:t>3 meses</a:t>
+                      </a:r>
+                      <a:endParaRPr lang="es-ES" sz="1100">
+                        <a:effectLst/>
+                        <a:latin typeface="Calibri" panose="020F0502020204030204" pitchFamily="34" charset="0"/>
+                        <a:ea typeface="Calibri" panose="020F0502020204030204" pitchFamily="34" charset="0"/>
+                        <a:cs typeface="Times New Roman" panose="02020603050405020304" pitchFamily="18" charset="0"/>
+                      </a:endParaRPr>
+                    </a:p>
+                  </a:txBody>
+                  <a:tcPr marL="68580" marR="68580" marT="0" marB="0"/>
+                </a:tc>
+                <a:tc>
+                  <a:txBody>
+                    <a:bodyPr/>
+                    <a:lstStyle/>
+                    <a:p>
+                      <a:pPr algn="just">
+                        <a:lnSpc>
+                          <a:spcPct val="107000"/>
+                        </a:lnSpc>
+                        <a:spcAft>
+                          <a:spcPts val="800"/>
+                        </a:spcAft>
+                      </a:pPr>
+                      <a:r>
+                        <a:rPr lang="es-ES" sz="1100">
+                          <a:effectLst/>
+                        </a:rPr>
+                        <a:t>3,000 USD</a:t>
+                      </a:r>
+                      <a:endParaRPr lang="es-ES" sz="1100">
+                        <a:effectLst/>
+                        <a:latin typeface="Calibri" panose="020F0502020204030204" pitchFamily="34" charset="0"/>
+                        <a:ea typeface="Calibri" panose="020F0502020204030204" pitchFamily="34" charset="0"/>
+                        <a:cs typeface="Times New Roman" panose="02020603050405020304" pitchFamily="18" charset="0"/>
+                      </a:endParaRPr>
+                    </a:p>
+                  </a:txBody>
+                  <a:tcPr marL="68580" marR="68580" marT="0" marB="0"/>
+                </a:tc>
+                <a:extLst>
+                  <a:ext uri="{0D108BD9-81ED-4DB2-BD59-A6C34878D82A}">
+                    <a16:rowId xmlns:a16="http://schemas.microsoft.com/office/drawing/2014/main" val="3069626551"/>
+                  </a:ext>
+                </a:extLst>
+              </a:tr>
+              <a:tr h="463942">
+                <a:tc>
+                  <a:txBody>
+                    <a:bodyPr/>
+                    <a:lstStyle/>
+                    <a:p>
+                      <a:pPr algn="just">
+                        <a:lnSpc>
+                          <a:spcPct val="107000"/>
+                        </a:lnSpc>
+                        <a:spcAft>
+                          <a:spcPts val="800"/>
+                        </a:spcAft>
+                      </a:pPr>
+                      <a:r>
+                        <a:rPr lang="es-ES" sz="1100">
+                          <a:effectLst/>
+                        </a:rPr>
+                        <a:t>Usuario Tester</a:t>
+                      </a:r>
+                      <a:endParaRPr lang="es-ES" sz="1100">
+                        <a:effectLst/>
+                        <a:latin typeface="Calibri" panose="020F0502020204030204" pitchFamily="34" charset="0"/>
+                        <a:ea typeface="Calibri" panose="020F0502020204030204" pitchFamily="34" charset="0"/>
+                        <a:cs typeface="Times New Roman" panose="02020603050405020304" pitchFamily="18" charset="0"/>
+                      </a:endParaRPr>
+                    </a:p>
+                  </a:txBody>
+                  <a:tcPr marL="68580" marR="68580" marT="0" marB="0"/>
+                </a:tc>
+                <a:tc>
+                  <a:txBody>
+                    <a:bodyPr/>
+                    <a:lstStyle/>
+                    <a:p>
+                      <a:pPr algn="just">
+                        <a:lnSpc>
+                          <a:spcPct val="107000"/>
+                        </a:lnSpc>
+                        <a:spcAft>
+                          <a:spcPts val="800"/>
+                        </a:spcAft>
+                      </a:pPr>
+                      <a:r>
+                        <a:rPr lang="es-ES" sz="1100">
+                          <a:effectLst/>
+                        </a:rPr>
+                        <a:t>1 mes </a:t>
+                      </a:r>
+                      <a:endParaRPr lang="es-ES" sz="1100">
+                        <a:effectLst/>
+                        <a:latin typeface="Calibri" panose="020F0502020204030204" pitchFamily="34" charset="0"/>
+                        <a:ea typeface="Calibri" panose="020F0502020204030204" pitchFamily="34" charset="0"/>
+                        <a:cs typeface="Times New Roman" panose="02020603050405020304" pitchFamily="18" charset="0"/>
+                      </a:endParaRPr>
+                    </a:p>
+                  </a:txBody>
+                  <a:tcPr marL="68580" marR="68580" marT="0" marB="0"/>
+                </a:tc>
+                <a:tc>
+                  <a:txBody>
+                    <a:bodyPr/>
+                    <a:lstStyle/>
+                    <a:p>
+                      <a:pPr algn="just">
+                        <a:lnSpc>
+                          <a:spcPct val="107000"/>
+                        </a:lnSpc>
+                        <a:spcAft>
+                          <a:spcPts val="800"/>
+                        </a:spcAft>
+                      </a:pPr>
+                      <a:r>
+                        <a:rPr lang="es-ES" sz="1100" dirty="0">
+                          <a:effectLst/>
+                        </a:rPr>
+                        <a:t>400 USD</a:t>
+                      </a:r>
+                      <a:endParaRPr lang="es-ES" sz="1100" dirty="0">
+                        <a:effectLst/>
+                        <a:latin typeface="Calibri" panose="020F0502020204030204" pitchFamily="34" charset="0"/>
+                        <a:ea typeface="Calibri" panose="020F0502020204030204" pitchFamily="34" charset="0"/>
+                        <a:cs typeface="Times New Roman" panose="02020603050405020304" pitchFamily="18" charset="0"/>
+                      </a:endParaRPr>
+                    </a:p>
+                  </a:txBody>
+                  <a:tcPr marL="68580" marR="68580" marT="0" marB="0"/>
+                </a:tc>
+                <a:extLst>
+                  <a:ext uri="{0D108BD9-81ED-4DB2-BD59-A6C34878D82A}">
+                    <a16:rowId xmlns:a16="http://schemas.microsoft.com/office/drawing/2014/main" val="1591176510"/>
+                  </a:ext>
+                </a:extLst>
+              </a:tr>
+            </a:tbl>
+          </a:graphicData>
+        </a:graphic>
+      </p:graphicFrame>
     </p:spTree>
     <p:extLst>
       <p:ext uri="{BB962C8B-B14F-4D97-AF65-F5344CB8AC3E}">
-        <p14:creationId xmlns:p14="http://schemas.microsoft.com/office/powerpoint/2010/main" val="3224655148"/>
+        <p14:creationId xmlns:p14="http://schemas.microsoft.com/office/powerpoint/2010/main" val="3795466986"/>
       </p:ext>
     </p:extLst>
   </p:cSld>
@@ -6331,10 +6879,10 @@
       </p:pic>
       <p:sp>
         <p:nvSpPr>
-          <p:cNvPr id="2" name="TextBox 1">
-            <a:extLst>
-              <a:ext uri="{FF2B5EF4-FFF2-40B4-BE49-F238E27FC236}">
-                <a16:creationId xmlns:a16="http://schemas.microsoft.com/office/drawing/2014/main" id="{8350D050-0547-4E0E-83E1-5DD903771DAA}"/>
+          <p:cNvPr id="3" name="TextBox 2">
+            <a:extLst>
+              <a:ext uri="{FF2B5EF4-FFF2-40B4-BE49-F238E27FC236}">
+                <a16:creationId xmlns:a16="http://schemas.microsoft.com/office/drawing/2014/main" id="{1BD07579-92AC-4D2B-AD40-3DC1D4E4B226}"/>
               </a:ext>
             </a:extLst>
           </p:cNvPr>
@@ -6343,8 +6891,8 @@
         </p:nvSpPr>
         <p:spPr>
           <a:xfrm>
-            <a:off x="6264811" y="2367170"/>
-            <a:ext cx="5233182" cy="1569660"/>
+            <a:off x="256578" y="1311701"/>
+            <a:ext cx="5134709" cy="4708981"/>
           </a:xfrm>
           <a:prstGeom prst="rect">
             <a:avLst/>
@@ -6357,59 +6905,97 @@
           </a:bodyPr>
           <a:lstStyle/>
           <a:p>
+            <a:pPr algn="just"/>
+            <a:r>
+              <a:rPr lang="es-ES" sz="2000" dirty="0">
+                <a:solidFill>
+                  <a:srgbClr val="FFC000"/>
+                </a:solidFill>
+                <a:effectLst/>
+                <a:latin typeface="Cambria" panose="02040503050406030204" pitchFamily="18" charset="0"/>
+                <a:ea typeface="Cambria" panose="02040503050406030204" pitchFamily="18" charset="0"/>
+              </a:rPr>
+              <a:t>Esta industria, como ya hemos comentado, ha experimentado grandes cambios en los últimos años y es que, los videojuegos han aumentado aceptación y se ha adentrado en criterios de suma importancia y que han impulsado la industria.</a:t>
+            </a:r>
+          </a:p>
+          <a:p>
+            <a:pPr algn="just"/>
+            <a:endParaRPr lang="es-ES" sz="2000" dirty="0">
+              <a:solidFill>
+                <a:srgbClr val="FFC000"/>
+              </a:solidFill>
+              <a:effectLst/>
+              <a:latin typeface="Cambria" panose="02040503050406030204" pitchFamily="18" charset="0"/>
+              <a:ea typeface="Cambria" panose="02040503050406030204" pitchFamily="18" charset="0"/>
+            </a:endParaRPr>
+          </a:p>
+          <a:p>
+            <a:pPr algn="just"/>
+            <a:r>
+              <a:rPr lang="es-ES" sz="2000" dirty="0">
+                <a:solidFill>
+                  <a:srgbClr val="FFC000"/>
+                </a:solidFill>
+                <a:effectLst/>
+                <a:latin typeface="Cambria" panose="02040503050406030204" pitchFamily="18" charset="0"/>
+                <a:ea typeface="Cambria" panose="02040503050406030204" pitchFamily="18" charset="0"/>
+              </a:rPr>
+              <a:t>Los consumidores se han adentrado más en la industria y esto impulsa la permanencia del crecimiento. Cabe mencionar que la industria ha generado un total de recaudación de 57,600 millones de euros para el 2009 y para el 2016 recaudo un total de 91,000 millones de dólares, teniendo un notorio crecimiento y éxito entre estos años.</a:t>
+            </a:r>
+          </a:p>
+        </p:txBody>
+      </p:sp>
+      <p:sp>
+        <p:nvSpPr>
+          <p:cNvPr id="2" name="TextBox 1">
+            <a:extLst>
+              <a:ext uri="{FF2B5EF4-FFF2-40B4-BE49-F238E27FC236}">
+                <a16:creationId xmlns:a16="http://schemas.microsoft.com/office/drawing/2014/main" id="{90270B3F-634F-4261-9F04-94CB8DB80FD4}"/>
+              </a:ext>
+            </a:extLst>
+          </p:cNvPr>
+          <p:cNvSpPr txBox="1"/>
+          <p:nvPr/>
+        </p:nvSpPr>
+        <p:spPr>
+          <a:xfrm>
+            <a:off x="5929840" y="2551837"/>
+            <a:ext cx="5985091" cy="1754326"/>
+          </a:xfrm>
+          <a:prstGeom prst="rect">
+            <a:avLst/>
+          </a:prstGeom>
+          <a:noFill/>
+        </p:spPr>
+        <p:txBody>
+          <a:bodyPr wrap="square" rtlCol="0">
+            <a:spAutoFit/>
+          </a:bodyPr>
+          <a:lstStyle/>
+          <a:p>
             <a:pPr algn="ctr"/>
             <a:r>
-              <a:rPr lang="es-ES" sz="4800" dirty="0">
+              <a:rPr lang="es-419" sz="5400" b="1" dirty="0">
                 <a:solidFill>
                   <a:schemeClr val="bg1"/>
                 </a:solidFill>
                 <a:latin typeface="Algerian" panose="04020705040A02060702" pitchFamily="82" charset="0"/>
               </a:rPr>
-              <a:t>DIAGRAMA Y CASOS DE USO</a:t>
-            </a:r>
-          </a:p>
-        </p:txBody>
-      </p:sp>
-      <p:pic>
-        <p:nvPicPr>
-          <p:cNvPr id="6" name="Picture 5">
-            <a:extLst>
-              <a:ext uri="{FF2B5EF4-FFF2-40B4-BE49-F238E27FC236}">
-                <a16:creationId xmlns:a16="http://schemas.microsoft.com/office/drawing/2014/main" id="{851583BE-EF6F-41B0-8547-D16C9F9D3C0C}"/>
-              </a:ext>
-            </a:extLst>
-          </p:cNvPr>
-          <p:cNvPicPr>
-            <a:picLocks noChangeAspect="1"/>
-          </p:cNvPicPr>
-          <p:nvPr/>
-        </p:nvPicPr>
-        <p:blipFill>
-          <a:blip r:embed="rId4">
-            <a:extLst>
-              <a:ext uri="{28A0092B-C50C-407E-A947-70E740481C1C}">
-                <a14:useLocalDpi xmlns:a14="http://schemas.microsoft.com/office/drawing/2010/main" val="0"/>
-              </a:ext>
-            </a:extLst>
-          </a:blip>
-          <a:stretch>
-            <a:fillRect/>
-          </a:stretch>
-        </p:blipFill>
-        <p:spPr>
-          <a:xfrm>
-            <a:off x="295188" y="568036"/>
-            <a:ext cx="4840605" cy="5597237"/>
-          </a:xfrm>
-          <a:prstGeom prst="rect">
-            <a:avLst/>
-          </a:prstGeom>
-        </p:spPr>
-      </p:pic>
+              <a:t>ANÁLISIS DE MERCADO</a:t>
+            </a:r>
+            <a:endParaRPr lang="es-ES" sz="5400" b="1" dirty="0">
+              <a:solidFill>
+                <a:schemeClr val="bg1"/>
+              </a:solidFill>
+              <a:latin typeface="Algerian" panose="04020705040A02060702" pitchFamily="82" charset="0"/>
+            </a:endParaRPr>
+          </a:p>
+        </p:txBody>
+      </p:sp>
     </p:spTree>
     <p:extLst>
       <p:ext uri="{BB962C8B-B14F-4D97-AF65-F5344CB8AC3E}">
-        <p14:creationId xmlns:p14="http://schemas.microsoft.com/office/powerpoint/2010/main" val="2045513595"/>
+        <p14:creationId xmlns:p14="http://schemas.microsoft.com/office/powerpoint/2010/main" val="1598775388"/>
       </p:ext>
     </p:extLst>
   </p:cSld>
@@ -6438,10 +7024,10 @@
       </p:grpSpPr>
       <p:pic>
         <p:nvPicPr>
-          <p:cNvPr id="7" name="Picture 4" descr="Pared De Ladrillo Con Rayas De Rayas De Color Rojo Y Cemento Para El Fondo  Y El Telón De Fondo Abstracto O Fondo De Pantalla Ilustraciones  Vectoriales, Clip Art Vectorizado Libre De">
-            <a:extLst>
-              <a:ext uri="{FF2B5EF4-FFF2-40B4-BE49-F238E27FC236}">
-                <a16:creationId xmlns:a16="http://schemas.microsoft.com/office/drawing/2014/main" id="{C46E0A6C-4502-4226-B6E3-120D1230E1A2}"/>
+          <p:cNvPr id="5" name="Picture 4" descr="Pared De Ladrillo Con Rayas De Rayas De Color Rojo Y Cemento Para El Fondo  Y El Telón De Fondo Abstracto O Fondo De Pantalla Ilustraciones  Vectoriales, Clip Art Vectorizado Libre De">
+            <a:extLst>
+              <a:ext uri="{FF2B5EF4-FFF2-40B4-BE49-F238E27FC236}">
+                <a16:creationId xmlns:a16="http://schemas.microsoft.com/office/drawing/2014/main" id="{BFEFB3C3-BC4B-4452-A90F-FF6592C68E08}"/>
               </a:ext>
             </a:extLst>
           </p:cNvPr>
@@ -6474,8 +7060,8 @@
         </p:blipFill>
         <p:spPr bwMode="auto">
           <a:xfrm>
-            <a:off x="1" y="0"/>
-            <a:ext cx="6654017" cy="6858000"/>
+            <a:off x="5570805" y="0"/>
+            <a:ext cx="6621195" cy="6858000"/>
           </a:xfrm>
           <a:prstGeom prst="rect">
             <a:avLst/>
@@ -6494,10 +7080,10 @@
       </p:pic>
       <p:sp>
         <p:nvSpPr>
-          <p:cNvPr id="2" name="TextBox 1">
-            <a:extLst>
-              <a:ext uri="{FF2B5EF4-FFF2-40B4-BE49-F238E27FC236}">
-                <a16:creationId xmlns:a16="http://schemas.microsoft.com/office/drawing/2014/main" id="{8C8CEDA3-1DB2-4C33-A187-79D6823C8462}"/>
+          <p:cNvPr id="3" name="TextBox 2">
+            <a:extLst>
+              <a:ext uri="{FF2B5EF4-FFF2-40B4-BE49-F238E27FC236}">
+                <a16:creationId xmlns:a16="http://schemas.microsoft.com/office/drawing/2014/main" id="{1BD07579-92AC-4D2B-AD40-3DC1D4E4B226}"/>
               </a:ext>
             </a:extLst>
           </p:cNvPr>
@@ -6506,8 +7092,8 @@
         </p:nvSpPr>
         <p:spPr>
           <a:xfrm>
-            <a:off x="811135" y="1720840"/>
-            <a:ext cx="5031747" cy="3416320"/>
+            <a:off x="159027" y="2305615"/>
+            <a:ext cx="5134709" cy="2246769"/>
           </a:xfrm>
           <a:prstGeom prst="rect">
             <a:avLst/>
@@ -6520,50 +7106,9 @@
           </a:bodyPr>
           <a:lstStyle/>
           <a:p>
-            <a:pPr algn="ctr"/>
-            <a:r>
-              <a:rPr lang="es-ES" sz="7200" dirty="0">
-                <a:solidFill>
-                  <a:schemeClr val="bg1"/>
-                </a:solidFill>
-                <a:latin typeface="Algerian" panose="04020705040A02060702" pitchFamily="82" charset="0"/>
-              </a:rPr>
-              <a:t>NIVELES Y MECÁNICA DEL JUEGO</a:t>
-            </a:r>
-          </a:p>
-        </p:txBody>
-      </p:sp>
-      <p:sp>
-        <p:nvSpPr>
-          <p:cNvPr id="3" name="TextBox 2">
-            <a:extLst>
-              <a:ext uri="{FF2B5EF4-FFF2-40B4-BE49-F238E27FC236}">
-                <a16:creationId xmlns:a16="http://schemas.microsoft.com/office/drawing/2014/main" id="{D46DEA6E-4492-49A8-A2BC-BE4F9547D9D8}"/>
-              </a:ext>
-            </a:extLst>
-          </p:cNvPr>
-          <p:cNvSpPr txBox="1"/>
-          <p:nvPr/>
-        </p:nvSpPr>
-        <p:spPr>
-          <a:xfrm>
-            <a:off x="7019779" y="1124562"/>
-            <a:ext cx="4811150" cy="5016758"/>
-          </a:xfrm>
-          <a:prstGeom prst="rect">
-            <a:avLst/>
-          </a:prstGeom>
-          <a:noFill/>
-        </p:spPr>
-        <p:txBody>
-          <a:bodyPr wrap="square" rtlCol="0">
-            <a:spAutoFit/>
-          </a:bodyPr>
-          <a:lstStyle/>
-          <a:p>
             <a:pPr algn="just"/>
             <a:r>
-              <a:rPr lang="es-ES" sz="3200" dirty="0">
+              <a:rPr lang="es-ES" sz="2000" dirty="0">
                 <a:solidFill>
                   <a:srgbClr val="FFC000"/>
                 </a:solidFill>
@@ -6571,51 +7116,62 @@
                 <a:latin typeface="Cambria" panose="02040503050406030204" pitchFamily="18" charset="0"/>
                 <a:ea typeface="Cambria" panose="02040503050406030204" pitchFamily="18" charset="0"/>
               </a:rPr>
-              <a:t>Niveles: El videojuego solo tiene un solo nivel.</a:t>
-            </a:r>
-          </a:p>
-          <a:p>
-            <a:pPr algn="just"/>
-            <a:endParaRPr lang="es-ES" sz="3200" dirty="0">
+              <a:t>Por el momento el videojuego puede ser jugado en la web y solo en Pc, por cuestiones de controles y por el momento será de forma gratuita la versión Beta, mientras que en lo adelante se realizará el lanzamiento de la versión oficial con un costo muy mínimo y con disponibilidad en otros dispositivos.</a:t>
+            </a:r>
+          </a:p>
+        </p:txBody>
+      </p:sp>
+      <p:sp>
+        <p:nvSpPr>
+          <p:cNvPr id="2" name="TextBox 1">
+            <a:extLst>
+              <a:ext uri="{FF2B5EF4-FFF2-40B4-BE49-F238E27FC236}">
+                <a16:creationId xmlns:a16="http://schemas.microsoft.com/office/drawing/2014/main" id="{90270B3F-634F-4261-9F04-94CB8DB80FD4}"/>
+              </a:ext>
+            </a:extLst>
+          </p:cNvPr>
+          <p:cNvSpPr txBox="1"/>
+          <p:nvPr/>
+        </p:nvSpPr>
+        <p:spPr>
+          <a:xfrm>
+            <a:off x="5888856" y="2967334"/>
+            <a:ext cx="5985091" cy="923330"/>
+          </a:xfrm>
+          <a:prstGeom prst="rect">
+            <a:avLst/>
+          </a:prstGeom>
+          <a:noFill/>
+        </p:spPr>
+        <p:txBody>
+          <a:bodyPr wrap="square" rtlCol="0">
+            <a:spAutoFit/>
+          </a:bodyPr>
+          <a:lstStyle/>
+          <a:p>
+            <a:pPr algn="ctr"/>
+            <a:r>
+              <a:rPr lang="es-419" sz="5400" b="1" dirty="0">
+                <a:solidFill>
+                  <a:schemeClr val="bg1"/>
+                </a:solidFill>
+                <a:latin typeface="Algerian" panose="04020705040A02060702" pitchFamily="82" charset="0"/>
+              </a:rPr>
+              <a:t>VIABILIDAD</a:t>
+            </a:r>
+            <a:endParaRPr lang="es-ES" sz="5400" b="1" dirty="0">
               <a:solidFill>
-                <a:srgbClr val="FFC000"/>
+                <a:schemeClr val="bg1"/>
               </a:solidFill>
-              <a:effectLst/>
-              <a:latin typeface="Cambria" panose="02040503050406030204" pitchFamily="18" charset="0"/>
-              <a:ea typeface="Cambria" panose="02040503050406030204" pitchFamily="18" charset="0"/>
+              <a:latin typeface="Algerian" panose="04020705040A02060702" pitchFamily="82" charset="0"/>
             </a:endParaRPr>
-          </a:p>
-          <a:p>
-            <a:pPr algn="just"/>
-            <a:endParaRPr lang="es-ES" sz="3200" dirty="0">
-              <a:solidFill>
-                <a:srgbClr val="FFC000"/>
-              </a:solidFill>
-              <a:effectLst/>
-              <a:latin typeface="Cambria" panose="02040503050406030204" pitchFamily="18" charset="0"/>
-              <a:ea typeface="Cambria" panose="02040503050406030204" pitchFamily="18" charset="0"/>
-            </a:endParaRPr>
-          </a:p>
-          <a:p>
-            <a:pPr algn="just"/>
-            <a:r>
-              <a:rPr lang="es-ES" sz="3200" dirty="0">
-                <a:solidFill>
-                  <a:srgbClr val="FFC000"/>
-                </a:solidFill>
-                <a:effectLst/>
-                <a:latin typeface="Cambria" panose="02040503050406030204" pitchFamily="18" charset="0"/>
-                <a:ea typeface="Cambria" panose="02040503050406030204" pitchFamily="18" charset="0"/>
-              </a:rPr>
-              <a:t>Mecánica del Juego: Superar los obstáculos para llegar más lejos y conseguir el mayor número de monedas posibles.</a:t>
-            </a:r>
           </a:p>
         </p:txBody>
       </p:sp>
     </p:spTree>
     <p:extLst>
       <p:ext uri="{BB962C8B-B14F-4D97-AF65-F5344CB8AC3E}">
-        <p14:creationId xmlns:p14="http://schemas.microsoft.com/office/powerpoint/2010/main" val="1519764949"/>
+        <p14:creationId xmlns:p14="http://schemas.microsoft.com/office/powerpoint/2010/main" val="3324835961"/>
       </p:ext>
     </p:extLst>
   </p:cSld>
@@ -6644,10 +7200,10 @@
       </p:grpSpPr>
       <p:pic>
         <p:nvPicPr>
-          <p:cNvPr id="8" name="Picture 4" descr="Pared De Ladrillo Con Rayas De Rayas De Color Rojo Y Cemento Para El Fondo  Y El Telón De Fondo Abstracto O Fondo De Pantalla Ilustraciones  Vectoriales, Clip Art Vectorizado Libre De">
-            <a:extLst>
-              <a:ext uri="{FF2B5EF4-FFF2-40B4-BE49-F238E27FC236}">
-                <a16:creationId xmlns:a16="http://schemas.microsoft.com/office/drawing/2014/main" id="{7A06012E-B2F4-4918-887E-F8765E2E80E4}"/>
+          <p:cNvPr id="2" name="Picture 1" descr="Pared De Ladrillo Con Rayas De Rayas De Color Rojo Y Cemento Para El Fondo  Y El Telón De Fondo Abstracto O Fondo De Pantalla Ilustraciones  Vectoriales, Clip Art Vectorizado Libre De">
+            <a:extLst>
+              <a:ext uri="{FF2B5EF4-FFF2-40B4-BE49-F238E27FC236}">
+                <a16:creationId xmlns:a16="http://schemas.microsoft.com/office/drawing/2014/main" id="{C5573579-AF84-4C71-AE4F-7AC32163755F}"/>
               </a:ext>
             </a:extLst>
           </p:cNvPr>
@@ -6680,8 +7236,8 @@
         </p:blipFill>
         <p:spPr bwMode="auto">
           <a:xfrm>
-            <a:off x="4994031" y="0"/>
-            <a:ext cx="7197969" cy="6858000"/>
+            <a:off x="1" y="0"/>
+            <a:ext cx="12192000" cy="5459896"/>
           </a:xfrm>
           <a:prstGeom prst="rect">
             <a:avLst/>
@@ -6700,10 +7256,10 @@
       </p:pic>
       <p:sp>
         <p:nvSpPr>
-          <p:cNvPr id="2" name="TextBox 1">
-            <a:extLst>
-              <a:ext uri="{FF2B5EF4-FFF2-40B4-BE49-F238E27FC236}">
-                <a16:creationId xmlns:a16="http://schemas.microsoft.com/office/drawing/2014/main" id="{ABB06EC8-B465-4934-BA3D-6BE4B842D861}"/>
+          <p:cNvPr id="3" name="TextBox 2">
+            <a:extLst>
+              <a:ext uri="{FF2B5EF4-FFF2-40B4-BE49-F238E27FC236}">
+                <a16:creationId xmlns:a16="http://schemas.microsoft.com/office/drawing/2014/main" id="{8B1244EE-167F-4EEC-A4FF-58D9B7CF44D1}"/>
               </a:ext>
             </a:extLst>
           </p:cNvPr>
@@ -6712,8 +7268,8 @@
         </p:nvSpPr>
         <p:spPr>
           <a:xfrm>
-            <a:off x="6215574" y="2644170"/>
-            <a:ext cx="5010443" cy="1569660"/>
+            <a:off x="2719141" y="1021788"/>
+            <a:ext cx="6753718" cy="3416320"/>
           </a:xfrm>
           <a:prstGeom prst="rect">
             <a:avLst/>
@@ -6726,16 +7282,29 @@
           </a:bodyPr>
           <a:lstStyle/>
           <a:p>
-            <a:r>
-              <a:rPr lang="es-ES" sz="9600" dirty="0" err="1">
+            <a:pPr algn="ctr"/>
+            <a:r>
+              <a:rPr lang="es-419" sz="7200" b="1" dirty="0">
                 <a:solidFill>
                   <a:schemeClr val="bg1"/>
                 </a:solidFill>
                 <a:latin typeface="Algerian" panose="04020705040A02060702" pitchFamily="82" charset="0"/>
               </a:rPr>
-              <a:t>SONIDOs</a:t>
-            </a:r>
-            <a:endParaRPr lang="es-ES" sz="9600" dirty="0">
+              <a:t>PRESENTACIÓN DEL </a:t>
+            </a:r>
+          </a:p>
+          <a:p>
+            <a:pPr algn="ctr"/>
+            <a:r>
+              <a:rPr lang="es-419" sz="7200" b="1" dirty="0">
+                <a:solidFill>
+                  <a:schemeClr val="bg1"/>
+                </a:solidFill>
+                <a:latin typeface="Algerian" panose="04020705040A02060702" pitchFamily="82" charset="0"/>
+              </a:rPr>
+              <a:t>VIDEOJUEGO</a:t>
+            </a:r>
+            <a:endParaRPr lang="es-ES" sz="7200" b="1" dirty="0">
               <a:solidFill>
                 <a:schemeClr val="bg1"/>
               </a:solidFill>
@@ -6744,190 +7313,10 @@
           </a:p>
         </p:txBody>
       </p:sp>
-      <p:pic>
-        <p:nvPicPr>
-          <p:cNvPr id="7" name="Picture 6">
-            <a:hlinkClick r:id="" action="ppaction://noaction">
-              <a:snd r:embed="rId4" name="Nicio.wav"/>
-            </a:hlinkClick>
-            <a:extLst>
-              <a:ext uri="{FF2B5EF4-FFF2-40B4-BE49-F238E27FC236}">
-                <a16:creationId xmlns:a16="http://schemas.microsoft.com/office/drawing/2014/main" id="{965E047E-58BC-4DB0-8060-DEEAB2CE6039}"/>
-              </a:ext>
-            </a:extLst>
-          </p:cNvPr>
-          <p:cNvPicPr>
-            <a:picLocks noChangeAspect="1"/>
-          </p:cNvPicPr>
-          <p:nvPr/>
-        </p:nvPicPr>
-        <p:blipFill>
-          <a:blip r:embed="rId5">
-            <a:extLst>
-              <a:ext uri="{28A0092B-C50C-407E-A947-70E740481C1C}">
-                <a14:useLocalDpi xmlns:a14="http://schemas.microsoft.com/office/drawing/2010/main" val="0"/>
-              </a:ext>
-            </a:extLst>
-          </a:blip>
-          <a:stretch>
-            <a:fillRect/>
-          </a:stretch>
-        </p:blipFill>
-        <p:spPr>
-          <a:xfrm>
-            <a:off x="1631916" y="813709"/>
-            <a:ext cx="1078396" cy="1078396"/>
-          </a:xfrm>
-          <a:prstGeom prst="ellipse">
-            <a:avLst/>
-          </a:prstGeom>
-          <a:ln>
-            <a:noFill/>
-          </a:ln>
-          <a:effectLst>
-            <a:softEdge rad="112500"/>
-          </a:effectLst>
-        </p:spPr>
-      </p:pic>
-      <p:pic>
-        <p:nvPicPr>
-          <p:cNvPr id="9" name="Picture 8">
-            <a:hlinkClick r:id="" action="ppaction://noaction">
-              <a:snd r:embed="rId6" name="gravity-falls-ending.wav"/>
-            </a:hlinkClick>
-            <a:extLst>
-              <a:ext uri="{FF2B5EF4-FFF2-40B4-BE49-F238E27FC236}">
-                <a16:creationId xmlns:a16="http://schemas.microsoft.com/office/drawing/2014/main" id="{4D2B49FA-67A4-4DEC-A75A-BA4FABDCAB28}"/>
-              </a:ext>
-            </a:extLst>
-          </p:cNvPr>
-          <p:cNvPicPr>
-            <a:picLocks noChangeAspect="1"/>
-          </p:cNvPicPr>
-          <p:nvPr/>
-        </p:nvPicPr>
-        <p:blipFill>
-          <a:blip r:embed="rId5">
-            <a:extLst>
-              <a:ext uri="{28A0092B-C50C-407E-A947-70E740481C1C}">
-                <a14:useLocalDpi xmlns:a14="http://schemas.microsoft.com/office/drawing/2010/main" val="0"/>
-              </a:ext>
-            </a:extLst>
-          </a:blip>
-          <a:stretch>
-            <a:fillRect/>
-          </a:stretch>
-        </p:blipFill>
-        <p:spPr>
-          <a:xfrm>
-            <a:off x="1631916" y="4965896"/>
-            <a:ext cx="1078396" cy="1078396"/>
-          </a:xfrm>
-          <a:prstGeom prst="ellipse">
-            <a:avLst/>
-          </a:prstGeom>
-          <a:ln>
-            <a:noFill/>
-          </a:ln>
-          <a:effectLst>
-            <a:softEdge rad="112500"/>
-          </a:effectLst>
-        </p:spPr>
-      </p:pic>
-      <p:pic>
-        <p:nvPicPr>
-          <p:cNvPr id="10" name="Picture 9">
-            <a:hlinkClick r:id="" action="ppaction://noaction">
-              <a:snd r:embed="rId7" name="X2Download.com - Coin!!!Mondeda SFX #43 _ Super Mario Al Tomar Moneda Efecto De Sonido (128 kbps).wav"/>
-            </a:hlinkClick>
-            <a:extLst>
-              <a:ext uri="{FF2B5EF4-FFF2-40B4-BE49-F238E27FC236}">
-                <a16:creationId xmlns:a16="http://schemas.microsoft.com/office/drawing/2014/main" id="{2E74E8F1-F851-44F7-A212-A2213C0429D6}"/>
-              </a:ext>
-            </a:extLst>
-          </p:cNvPr>
-          <p:cNvPicPr>
-            <a:picLocks noChangeAspect="1"/>
-          </p:cNvPicPr>
-          <p:nvPr/>
-        </p:nvPicPr>
-        <p:blipFill>
-          <a:blip r:embed="rId8">
-            <a:extLst>
-              <a:ext uri="{28A0092B-C50C-407E-A947-70E740481C1C}">
-                <a14:useLocalDpi xmlns:a14="http://schemas.microsoft.com/office/drawing/2010/main" val="0"/>
-              </a:ext>
-            </a:extLst>
-          </a:blip>
-          <a:stretch>
-            <a:fillRect/>
-          </a:stretch>
-        </p:blipFill>
-        <p:spPr>
-          <a:xfrm>
-            <a:off x="1777414" y="3775680"/>
-            <a:ext cx="787400" cy="876300"/>
-          </a:xfrm>
-          <a:prstGeom prst="ellipse">
-            <a:avLst/>
-          </a:prstGeom>
-          <a:ln>
-            <a:noFill/>
-          </a:ln>
-          <a:effectLst>
-            <a:softEdge rad="112500"/>
-          </a:effectLst>
-        </p:spPr>
-      </p:pic>
-      <p:pic>
-        <p:nvPicPr>
-          <p:cNvPr id="12" name="Picture 11">
-            <a:hlinkClick r:id="" action="ppaction://noaction">
-              <a:snd r:embed="rId9" name="mario-bros-jump.wav"/>
-            </a:hlinkClick>
-            <a:extLst>
-              <a:ext uri="{FF2B5EF4-FFF2-40B4-BE49-F238E27FC236}">
-                <a16:creationId xmlns:a16="http://schemas.microsoft.com/office/drawing/2014/main" id="{916CC37D-6D67-4B6F-A18D-AD32D846172D}"/>
-              </a:ext>
-            </a:extLst>
-          </p:cNvPr>
-          <p:cNvPicPr>
-            <a:picLocks noChangeAspect="1"/>
-          </p:cNvPicPr>
-          <p:nvPr/>
-        </p:nvPicPr>
-        <p:blipFill>
-          <a:blip r:embed="rId10">
-            <a:extLst>
-              <a:ext uri="{28A0092B-C50C-407E-A947-70E740481C1C}">
-                <a14:useLocalDpi xmlns:a14="http://schemas.microsoft.com/office/drawing/2010/main" val="0"/>
-              </a:ext>
-            </a:extLst>
-          </a:blip>
-          <a:stretch>
-            <a:fillRect/>
-          </a:stretch>
-        </p:blipFill>
-        <p:spPr>
-          <a:xfrm>
-            <a:off x="1855340" y="2424982"/>
-            <a:ext cx="787400" cy="876300"/>
-          </a:xfrm>
-          <a:prstGeom prst="ellipse">
-            <a:avLst/>
-          </a:prstGeom>
-          <a:ln>
-            <a:noFill/>
-          </a:ln>
-          <a:effectLst>
-            <a:softEdge rad="112500"/>
-          </a:effectLst>
-        </p:spPr>
-      </p:pic>
     </p:spTree>
     <p:extLst>
       <p:ext uri="{BB962C8B-B14F-4D97-AF65-F5344CB8AC3E}">
-        <p14:creationId xmlns:p14="http://schemas.microsoft.com/office/powerpoint/2010/main" val="2269940459"/>
+        <p14:creationId xmlns:p14="http://schemas.microsoft.com/office/powerpoint/2010/main" val="902009946"/>
       </p:ext>
     </p:extLst>
   </p:cSld>
@@ -6937,7 +7326,1904 @@
 </p:sld>
 </file>
 
-<file path=ppt/slides/slide17.xml><?xml version="1.0" encoding="utf-8"?>
+<file path=ppt/slides/slide2.xml><?xml version="1.0" encoding="utf-8"?>
+<p:sld xmlns:a="http://schemas.openxmlformats.org/drawingml/2006/main" xmlns:r="http://schemas.openxmlformats.org/officeDocument/2006/relationships" xmlns:p="http://schemas.openxmlformats.org/presentationml/2006/main">
+  <p:cSld>
+    <p:spTree>
+      <p:nvGrpSpPr>
+        <p:cNvPr id="1" name=""/>
+        <p:cNvGrpSpPr/>
+        <p:nvPr/>
+      </p:nvGrpSpPr>
+      <p:grpSpPr>
+        <a:xfrm>
+          <a:off x="0" y="0"/>
+          <a:ext cx="0" cy="0"/>
+          <a:chOff x="0" y="0"/>
+          <a:chExt cx="0" cy="0"/>
+        </a:xfrm>
+      </p:grpSpPr>
+      <p:pic>
+        <p:nvPicPr>
+          <p:cNvPr id="6" name="Picture 5" descr="Pared De Ladrillo Con Rayas De Rayas De Color Rojo Y Cemento Para El Fondo  Y El Telón De Fondo Abstracto O Fondo De Pantalla Ilustraciones  Vectoriales, Clip Art Vectorizado Libre De">
+            <a:extLst>
+              <a:ext uri="{FF2B5EF4-FFF2-40B4-BE49-F238E27FC236}">
+                <a16:creationId xmlns:a16="http://schemas.microsoft.com/office/drawing/2014/main" id="{986CC06C-EAD1-4D20-96F1-859953395575}"/>
+              </a:ext>
+            </a:extLst>
+          </p:cNvPr>
+          <p:cNvPicPr>
+            <a:picLocks noChangeAspect="1" noChangeArrowheads="1"/>
+          </p:cNvPicPr>
+          <p:nvPr/>
+        </p:nvPicPr>
+        <p:blipFill>
+          <a:blip r:embed="rId2">
+            <a:extLst>
+              <a:ext uri="{BEBA8EAE-BF5A-486C-A8C5-ECC9F3942E4B}">
+                <a14:imgProps xmlns:a14="http://schemas.microsoft.com/office/drawing/2010/main">
+                  <a14:imgLayer r:embed="rId3">
+                    <a14:imgEffect>
+                      <a14:sharpenSoften amount="-50000"/>
+                    </a14:imgEffect>
+                  </a14:imgLayer>
+                </a14:imgProps>
+              </a:ext>
+              <a:ext uri="{28A0092B-C50C-407E-A947-70E740481C1C}">
+                <a14:useLocalDpi xmlns:a14="http://schemas.microsoft.com/office/drawing/2010/main" val="0"/>
+              </a:ext>
+            </a:extLst>
+          </a:blip>
+          <a:srcRect/>
+          <a:stretch>
+            <a:fillRect/>
+          </a:stretch>
+        </p:blipFill>
+        <p:spPr bwMode="auto">
+          <a:xfrm>
+            <a:off x="1" y="-14065"/>
+            <a:ext cx="12192000" cy="6858000"/>
+          </a:xfrm>
+          <a:prstGeom prst="rect">
+            <a:avLst/>
+          </a:prstGeom>
+          <a:noFill/>
+          <a:extLst>
+            <a:ext uri="{909E8E84-426E-40DD-AFC4-6F175D3DCCD1}">
+              <a14:hiddenFill xmlns:a14="http://schemas.microsoft.com/office/drawing/2010/main">
+                <a:solidFill>
+                  <a:srgbClr val="FFFFFF"/>
+                </a:solidFill>
+              </a14:hiddenFill>
+            </a:ext>
+          </a:extLst>
+        </p:spPr>
+      </p:pic>
+      <p:sp>
+        <p:nvSpPr>
+          <p:cNvPr id="2" name="Oval 1">
+            <a:extLst>
+              <a:ext uri="{FF2B5EF4-FFF2-40B4-BE49-F238E27FC236}">
+                <a16:creationId xmlns:a16="http://schemas.microsoft.com/office/drawing/2014/main" id="{54791473-78FF-4451-AE20-DEA14E846046}"/>
+              </a:ext>
+            </a:extLst>
+          </p:cNvPr>
+          <p:cNvSpPr/>
+          <p:nvPr/>
+        </p:nvSpPr>
+        <p:spPr>
+          <a:xfrm>
+            <a:off x="211015" y="207496"/>
+            <a:ext cx="3643531" cy="3690673"/>
+          </a:xfrm>
+          <a:prstGeom prst="ellipse">
+            <a:avLst/>
+          </a:prstGeom>
+          <a:solidFill>
+            <a:srgbClr val="1D537F"/>
+          </a:solidFill>
+        </p:spPr>
+        <p:style>
+          <a:lnRef idx="2">
+            <a:schemeClr val="accent1">
+              <a:shade val="50000"/>
+            </a:schemeClr>
+          </a:lnRef>
+          <a:fillRef idx="1">
+            <a:schemeClr val="accent1"/>
+          </a:fillRef>
+          <a:effectRef idx="0">
+            <a:schemeClr val="accent1"/>
+          </a:effectRef>
+          <a:fontRef idx="minor">
+            <a:schemeClr val="lt1"/>
+          </a:fontRef>
+        </p:style>
+        <p:txBody>
+          <a:bodyPr rtlCol="0" anchor="ctr"/>
+          <a:lstStyle/>
+          <a:p>
+            <a:pPr algn="ctr"/>
+            <a:endParaRPr lang="es-ES"/>
+          </a:p>
+        </p:txBody>
+      </p:sp>
+      <p:pic>
+        <p:nvPicPr>
+          <p:cNvPr id="4" name="Picture 3">
+            <a:extLst>
+              <a:ext uri="{FF2B5EF4-FFF2-40B4-BE49-F238E27FC236}">
+                <a16:creationId xmlns:a16="http://schemas.microsoft.com/office/drawing/2014/main" id="{C52D5831-8468-4C80-96C6-C6F9B5EE9C11}"/>
+              </a:ext>
+            </a:extLst>
+          </p:cNvPr>
+          <p:cNvPicPr>
+            <a:picLocks noChangeAspect="1"/>
+          </p:cNvPicPr>
+          <p:nvPr/>
+        </p:nvPicPr>
+        <p:blipFill>
+          <a:blip r:embed="rId4">
+            <a:extLst>
+              <a:ext uri="{28A0092B-C50C-407E-A947-70E740481C1C}">
+                <a14:useLocalDpi xmlns:a14="http://schemas.microsoft.com/office/drawing/2010/main" val="0"/>
+              </a:ext>
+            </a:extLst>
+          </a:blip>
+          <a:stretch>
+            <a:fillRect/>
+          </a:stretch>
+        </p:blipFill>
+        <p:spPr>
+          <a:xfrm>
+            <a:off x="535581" y="307395"/>
+            <a:ext cx="2994398" cy="2994398"/>
+          </a:xfrm>
+          <a:prstGeom prst="rect">
+            <a:avLst/>
+          </a:prstGeom>
+        </p:spPr>
+      </p:pic>
+      <p:sp>
+        <p:nvSpPr>
+          <p:cNvPr id="5" name="TextBox 4">
+            <a:extLst>
+              <a:ext uri="{FF2B5EF4-FFF2-40B4-BE49-F238E27FC236}">
+                <a16:creationId xmlns:a16="http://schemas.microsoft.com/office/drawing/2014/main" id="{AD884BCE-66F1-4D0F-996D-D61BEFEF4554}"/>
+              </a:ext>
+            </a:extLst>
+          </p:cNvPr>
+          <p:cNvSpPr txBox="1"/>
+          <p:nvPr/>
+        </p:nvSpPr>
+        <p:spPr>
+          <a:xfrm>
+            <a:off x="372792" y="4105665"/>
+            <a:ext cx="3319976" cy="1077218"/>
+          </a:xfrm>
+          <a:prstGeom prst="rect">
+            <a:avLst/>
+          </a:prstGeom>
+          <a:noFill/>
+        </p:spPr>
+        <p:txBody>
+          <a:bodyPr wrap="square" rtlCol="0">
+            <a:spAutoFit/>
+          </a:bodyPr>
+          <a:lstStyle/>
+          <a:p>
+            <a:pPr algn="ctr"/>
+            <a:r>
+              <a:rPr lang="es-ES" sz="3200" dirty="0">
+                <a:solidFill>
+                  <a:schemeClr val="bg1"/>
+                </a:solidFill>
+                <a:latin typeface="Algerian" panose="04020705040A02060702" pitchFamily="82" charset="0"/>
+              </a:rPr>
+              <a:t>YUNISSE PEÑA</a:t>
+            </a:r>
+          </a:p>
+          <a:p>
+            <a:pPr algn="ctr"/>
+            <a:r>
+              <a:rPr lang="es-ES" sz="3200" dirty="0">
+                <a:solidFill>
+                  <a:schemeClr val="bg1"/>
+                </a:solidFill>
+                <a:latin typeface="Algerian" panose="04020705040A02060702" pitchFamily="82" charset="0"/>
+              </a:rPr>
+              <a:t>1-18-2568</a:t>
+            </a:r>
+          </a:p>
+        </p:txBody>
+      </p:sp>
+      <p:sp>
+        <p:nvSpPr>
+          <p:cNvPr id="7" name="Oval 6">
+            <a:extLst>
+              <a:ext uri="{FF2B5EF4-FFF2-40B4-BE49-F238E27FC236}">
+                <a16:creationId xmlns:a16="http://schemas.microsoft.com/office/drawing/2014/main" id="{2A177321-2612-4CA1-A9E7-593B460CD957}"/>
+              </a:ext>
+            </a:extLst>
+          </p:cNvPr>
+          <p:cNvSpPr/>
+          <p:nvPr/>
+        </p:nvSpPr>
+        <p:spPr>
+          <a:xfrm>
+            <a:off x="4362156" y="207496"/>
+            <a:ext cx="3643531" cy="3690673"/>
+          </a:xfrm>
+          <a:prstGeom prst="ellipse">
+            <a:avLst/>
+          </a:prstGeom>
+          <a:solidFill>
+            <a:srgbClr val="1D537F"/>
+          </a:solidFill>
+        </p:spPr>
+        <p:style>
+          <a:lnRef idx="2">
+            <a:schemeClr val="accent1">
+              <a:shade val="50000"/>
+            </a:schemeClr>
+          </a:lnRef>
+          <a:fillRef idx="1">
+            <a:schemeClr val="accent1"/>
+          </a:fillRef>
+          <a:effectRef idx="0">
+            <a:schemeClr val="accent1"/>
+          </a:effectRef>
+          <a:fontRef idx="minor">
+            <a:schemeClr val="lt1"/>
+          </a:fontRef>
+        </p:style>
+        <p:txBody>
+          <a:bodyPr rtlCol="0" anchor="ctr"/>
+          <a:lstStyle/>
+          <a:p>
+            <a:pPr algn="ctr"/>
+            <a:endParaRPr lang="es-ES"/>
+          </a:p>
+        </p:txBody>
+      </p:sp>
+      <p:sp>
+        <p:nvSpPr>
+          <p:cNvPr id="8" name="TextBox 7">
+            <a:extLst>
+              <a:ext uri="{FF2B5EF4-FFF2-40B4-BE49-F238E27FC236}">
+                <a16:creationId xmlns:a16="http://schemas.microsoft.com/office/drawing/2014/main" id="{828BCB66-DA9F-49D9-BA99-BF98AC30019B}"/>
+              </a:ext>
+            </a:extLst>
+          </p:cNvPr>
+          <p:cNvSpPr txBox="1"/>
+          <p:nvPr/>
+        </p:nvSpPr>
+        <p:spPr>
+          <a:xfrm>
+            <a:off x="4523933" y="4105665"/>
+            <a:ext cx="3319976" cy="1077218"/>
+          </a:xfrm>
+          <a:prstGeom prst="rect">
+            <a:avLst/>
+          </a:prstGeom>
+          <a:noFill/>
+        </p:spPr>
+        <p:txBody>
+          <a:bodyPr wrap="square" rtlCol="0">
+            <a:spAutoFit/>
+          </a:bodyPr>
+          <a:lstStyle/>
+          <a:p>
+            <a:pPr algn="ctr"/>
+            <a:r>
+              <a:rPr lang="es-ES" sz="3200" dirty="0">
+                <a:solidFill>
+                  <a:schemeClr val="bg1"/>
+                </a:solidFill>
+                <a:latin typeface="Algerian" panose="04020705040A02060702" pitchFamily="82" charset="0"/>
+              </a:rPr>
+              <a:t>Félix </a:t>
+            </a:r>
+            <a:r>
+              <a:rPr lang="es-ES" sz="3200" dirty="0" err="1">
+                <a:solidFill>
+                  <a:schemeClr val="bg1"/>
+                </a:solidFill>
+                <a:latin typeface="Algerian" panose="04020705040A02060702" pitchFamily="82" charset="0"/>
+              </a:rPr>
+              <a:t>tavárez</a:t>
+            </a:r>
+            <a:endParaRPr lang="es-ES" sz="3200" dirty="0">
+              <a:solidFill>
+                <a:schemeClr val="bg1"/>
+              </a:solidFill>
+              <a:latin typeface="Algerian" panose="04020705040A02060702" pitchFamily="82" charset="0"/>
+            </a:endParaRPr>
+          </a:p>
+          <a:p>
+            <a:pPr algn="ctr"/>
+            <a:r>
+              <a:rPr lang="es-ES" sz="3200" dirty="0">
+                <a:solidFill>
+                  <a:schemeClr val="bg1"/>
+                </a:solidFill>
+                <a:latin typeface="Algerian" panose="04020705040A02060702" pitchFamily="82" charset="0"/>
+              </a:rPr>
+              <a:t>1-16-0293</a:t>
+            </a:r>
+          </a:p>
+        </p:txBody>
+      </p:sp>
+      <p:sp>
+        <p:nvSpPr>
+          <p:cNvPr id="9" name="Oval 8">
+            <a:extLst>
+              <a:ext uri="{FF2B5EF4-FFF2-40B4-BE49-F238E27FC236}">
+                <a16:creationId xmlns:a16="http://schemas.microsoft.com/office/drawing/2014/main" id="{AEE68490-48B3-42BB-9E66-BF0B076A3C6E}"/>
+              </a:ext>
+            </a:extLst>
+          </p:cNvPr>
+          <p:cNvSpPr/>
+          <p:nvPr/>
+        </p:nvSpPr>
+        <p:spPr>
+          <a:xfrm>
+            <a:off x="8421273" y="207496"/>
+            <a:ext cx="3643531" cy="3690673"/>
+          </a:xfrm>
+          <a:prstGeom prst="ellipse">
+            <a:avLst/>
+          </a:prstGeom>
+          <a:solidFill>
+            <a:srgbClr val="1D537F"/>
+          </a:solidFill>
+        </p:spPr>
+        <p:style>
+          <a:lnRef idx="2">
+            <a:schemeClr val="accent1">
+              <a:shade val="50000"/>
+            </a:schemeClr>
+          </a:lnRef>
+          <a:fillRef idx="1">
+            <a:schemeClr val="accent1"/>
+          </a:fillRef>
+          <a:effectRef idx="0">
+            <a:schemeClr val="accent1"/>
+          </a:effectRef>
+          <a:fontRef idx="minor">
+            <a:schemeClr val="lt1"/>
+          </a:fontRef>
+        </p:style>
+        <p:txBody>
+          <a:bodyPr rtlCol="0" anchor="ctr"/>
+          <a:lstStyle/>
+          <a:p>
+            <a:pPr algn="ctr"/>
+            <a:endParaRPr lang="es-ES"/>
+          </a:p>
+        </p:txBody>
+      </p:sp>
+      <p:sp>
+        <p:nvSpPr>
+          <p:cNvPr id="10" name="TextBox 9">
+            <a:extLst>
+              <a:ext uri="{FF2B5EF4-FFF2-40B4-BE49-F238E27FC236}">
+                <a16:creationId xmlns:a16="http://schemas.microsoft.com/office/drawing/2014/main" id="{ECA31044-16F6-406B-8030-CEB5D3C33BFB}"/>
+              </a:ext>
+            </a:extLst>
+          </p:cNvPr>
+          <p:cNvSpPr txBox="1"/>
+          <p:nvPr/>
+        </p:nvSpPr>
+        <p:spPr>
+          <a:xfrm>
+            <a:off x="8132882" y="4105665"/>
+            <a:ext cx="4059117" cy="1077218"/>
+          </a:xfrm>
+          <a:prstGeom prst="rect">
+            <a:avLst/>
+          </a:prstGeom>
+          <a:noFill/>
+        </p:spPr>
+        <p:txBody>
+          <a:bodyPr wrap="square" rtlCol="0">
+            <a:spAutoFit/>
+          </a:bodyPr>
+          <a:lstStyle/>
+          <a:p>
+            <a:pPr algn="ctr"/>
+            <a:r>
+              <a:rPr lang="es-ES" sz="3200" dirty="0">
+                <a:solidFill>
+                  <a:schemeClr val="bg1"/>
+                </a:solidFill>
+                <a:latin typeface="Algerian" panose="04020705040A02060702" pitchFamily="82" charset="0"/>
+              </a:rPr>
+              <a:t>ESMIRNA ESTRELLA</a:t>
+            </a:r>
+          </a:p>
+          <a:p>
+            <a:pPr algn="ctr"/>
+            <a:r>
+              <a:rPr lang="es-ES" sz="3200" dirty="0">
+                <a:solidFill>
+                  <a:schemeClr val="bg1"/>
+                </a:solidFill>
+                <a:latin typeface="Algerian" panose="04020705040A02060702" pitchFamily="82" charset="0"/>
+              </a:rPr>
+              <a:t>1-17-1556</a:t>
+            </a:r>
+          </a:p>
+        </p:txBody>
+      </p:sp>
+      <p:pic>
+        <p:nvPicPr>
+          <p:cNvPr id="11" name="Picture 10">
+            <a:extLst>
+              <a:ext uri="{FF2B5EF4-FFF2-40B4-BE49-F238E27FC236}">
+                <a16:creationId xmlns:a16="http://schemas.microsoft.com/office/drawing/2014/main" id="{3D4BE659-CC3E-4F76-B2C8-229470F821AB}"/>
+              </a:ext>
+            </a:extLst>
+          </p:cNvPr>
+          <p:cNvPicPr>
+            <a:picLocks noChangeAspect="1"/>
+          </p:cNvPicPr>
+          <p:nvPr/>
+        </p:nvPicPr>
+        <p:blipFill>
+          <a:blip r:embed="rId4">
+            <a:extLst>
+              <a:ext uri="{28A0092B-C50C-407E-A947-70E740481C1C}">
+                <a14:useLocalDpi xmlns:a14="http://schemas.microsoft.com/office/drawing/2010/main" val="0"/>
+              </a:ext>
+            </a:extLst>
+          </a:blip>
+          <a:stretch>
+            <a:fillRect/>
+          </a:stretch>
+        </p:blipFill>
+        <p:spPr>
+          <a:xfrm>
+            <a:off x="4686722" y="265194"/>
+            <a:ext cx="2994398" cy="2994398"/>
+          </a:xfrm>
+          <a:prstGeom prst="rect">
+            <a:avLst/>
+          </a:prstGeom>
+        </p:spPr>
+      </p:pic>
+      <p:pic>
+        <p:nvPicPr>
+          <p:cNvPr id="12" name="Picture 11">
+            <a:extLst>
+              <a:ext uri="{FF2B5EF4-FFF2-40B4-BE49-F238E27FC236}">
+                <a16:creationId xmlns:a16="http://schemas.microsoft.com/office/drawing/2014/main" id="{0AACB119-399C-43CE-B1BA-14F6DA390FD9}"/>
+              </a:ext>
+            </a:extLst>
+          </p:cNvPr>
+          <p:cNvPicPr>
+            <a:picLocks noChangeAspect="1"/>
+          </p:cNvPicPr>
+          <p:nvPr/>
+        </p:nvPicPr>
+        <p:blipFill>
+          <a:blip r:embed="rId4">
+            <a:extLst>
+              <a:ext uri="{28A0092B-C50C-407E-A947-70E740481C1C}">
+                <a14:useLocalDpi xmlns:a14="http://schemas.microsoft.com/office/drawing/2010/main" val="0"/>
+              </a:ext>
+            </a:extLst>
+          </a:blip>
+          <a:stretch>
+            <a:fillRect/>
+          </a:stretch>
+        </p:blipFill>
+        <p:spPr>
+          <a:xfrm>
+            <a:off x="8745839" y="246264"/>
+            <a:ext cx="2994398" cy="2994398"/>
+          </a:xfrm>
+          <a:prstGeom prst="rect">
+            <a:avLst/>
+          </a:prstGeom>
+        </p:spPr>
+      </p:pic>
+    </p:spTree>
+    <p:extLst>
+      <p:ext uri="{BB962C8B-B14F-4D97-AF65-F5344CB8AC3E}">
+        <p14:creationId xmlns:p14="http://schemas.microsoft.com/office/powerpoint/2010/main" val="935576052"/>
+      </p:ext>
+    </p:extLst>
+  </p:cSld>
+  <p:clrMapOvr>
+    <a:masterClrMapping/>
+  </p:clrMapOvr>
+</p:sld>
+</file>
+
+<file path=ppt/slides/slide3.xml><?xml version="1.0" encoding="utf-8"?>
+<p:sld xmlns:a="http://schemas.openxmlformats.org/drawingml/2006/main" xmlns:r="http://schemas.openxmlformats.org/officeDocument/2006/relationships" xmlns:p="http://schemas.openxmlformats.org/presentationml/2006/main">
+  <p:cSld>
+    <p:spTree>
+      <p:nvGrpSpPr>
+        <p:cNvPr id="1" name=""/>
+        <p:cNvGrpSpPr/>
+        <p:nvPr/>
+      </p:nvGrpSpPr>
+      <p:grpSpPr>
+        <a:xfrm>
+          <a:off x="0" y="0"/>
+          <a:ext cx="0" cy="0"/>
+          <a:chOff x="0" y="0"/>
+          <a:chExt cx="0" cy="0"/>
+        </a:xfrm>
+      </p:grpSpPr>
+      <p:pic>
+        <p:nvPicPr>
+          <p:cNvPr id="1026" name="Picture 2" descr="Pared De Ladrillo Con Rayas De Rayas De Color Rojo Y Cemento Para El Fondo  Y El Telón De Fondo Abstracto O Fondo De Pantalla Ilustraciones  Vectoriales, Clip Art Vectorizado Libre De">
+            <a:extLst>
+              <a:ext uri="{FF2B5EF4-FFF2-40B4-BE49-F238E27FC236}">
+                <a16:creationId xmlns:a16="http://schemas.microsoft.com/office/drawing/2014/main" id="{5AB1F342-1DCC-4AE7-89F4-EC4A9F847A4D}"/>
+              </a:ext>
+            </a:extLst>
+          </p:cNvPr>
+          <p:cNvPicPr>
+            <a:picLocks noChangeAspect="1" noChangeArrowheads="1"/>
+          </p:cNvPicPr>
+          <p:nvPr/>
+        </p:nvPicPr>
+        <p:blipFill>
+          <a:blip r:embed="rId2">
+            <a:extLst>
+              <a:ext uri="{BEBA8EAE-BF5A-486C-A8C5-ECC9F3942E4B}">
+                <a14:imgProps xmlns:a14="http://schemas.microsoft.com/office/drawing/2010/main">
+                  <a14:imgLayer r:embed="rId3">
+                    <a14:imgEffect>
+                      <a14:sharpenSoften amount="-50000"/>
+                    </a14:imgEffect>
+                  </a14:imgLayer>
+                </a14:imgProps>
+              </a:ext>
+              <a:ext uri="{28A0092B-C50C-407E-A947-70E740481C1C}">
+                <a14:useLocalDpi xmlns:a14="http://schemas.microsoft.com/office/drawing/2010/main" val="0"/>
+              </a:ext>
+            </a:extLst>
+          </a:blip>
+          <a:srcRect/>
+          <a:stretch>
+            <a:fillRect/>
+          </a:stretch>
+        </p:blipFill>
+        <p:spPr bwMode="auto">
+          <a:xfrm>
+            <a:off x="0" y="-31652"/>
+            <a:ext cx="7404019" cy="6889652"/>
+          </a:xfrm>
+          <a:prstGeom prst="rect">
+            <a:avLst/>
+          </a:prstGeom>
+          <a:noFill/>
+          <a:extLst>
+            <a:ext uri="{909E8E84-426E-40DD-AFC4-6F175D3DCCD1}">
+              <a14:hiddenFill xmlns:a14="http://schemas.microsoft.com/office/drawing/2010/main">
+                <a:solidFill>
+                  <a:srgbClr val="FFFFFF"/>
+                </a:solidFill>
+              </a14:hiddenFill>
+            </a:ext>
+          </a:extLst>
+        </p:spPr>
+      </p:pic>
+      <p:sp>
+        <p:nvSpPr>
+          <p:cNvPr id="6" name="TextBox 5">
+            <a:extLst>
+              <a:ext uri="{FF2B5EF4-FFF2-40B4-BE49-F238E27FC236}">
+                <a16:creationId xmlns:a16="http://schemas.microsoft.com/office/drawing/2014/main" id="{C3D56AFF-ABE8-4925-93A9-8729DEDF5380}"/>
+              </a:ext>
+            </a:extLst>
+          </p:cNvPr>
+          <p:cNvSpPr txBox="1"/>
+          <p:nvPr/>
+        </p:nvSpPr>
+        <p:spPr>
+          <a:xfrm>
+            <a:off x="8032652" y="3044279"/>
+            <a:ext cx="3610709" cy="769441"/>
+          </a:xfrm>
+          <a:prstGeom prst="rect">
+            <a:avLst/>
+          </a:prstGeom>
+          <a:noFill/>
+        </p:spPr>
+        <p:txBody>
+          <a:bodyPr wrap="square" rtlCol="0">
+            <a:spAutoFit/>
+          </a:bodyPr>
+          <a:lstStyle/>
+          <a:p>
+            <a:pPr algn="ctr"/>
+            <a:r>
+              <a:rPr lang="es-ES" sz="4400" dirty="0">
+                <a:solidFill>
+                  <a:srgbClr val="FFC000"/>
+                </a:solidFill>
+                <a:latin typeface="Algerian" panose="04020705040A02060702" pitchFamily="82" charset="0"/>
+              </a:rPr>
+              <a:t>Descripción </a:t>
+            </a:r>
+          </a:p>
+        </p:txBody>
+      </p:sp>
+      <p:sp>
+        <p:nvSpPr>
+          <p:cNvPr id="2" name="TextBox 1">
+            <a:extLst>
+              <a:ext uri="{FF2B5EF4-FFF2-40B4-BE49-F238E27FC236}">
+                <a16:creationId xmlns:a16="http://schemas.microsoft.com/office/drawing/2014/main" id="{673B9F91-B802-4780-8C7C-C788F2828C06}"/>
+              </a:ext>
+            </a:extLst>
+          </p:cNvPr>
+          <p:cNvSpPr txBox="1"/>
+          <p:nvPr/>
+        </p:nvSpPr>
+        <p:spPr>
+          <a:xfrm>
+            <a:off x="548639" y="2386867"/>
+            <a:ext cx="6622473" cy="2052613"/>
+          </a:xfrm>
+          <a:prstGeom prst="rect">
+            <a:avLst/>
+          </a:prstGeom>
+          <a:noFill/>
+        </p:spPr>
+        <p:txBody>
+          <a:bodyPr wrap="square" rtlCol="0">
+            <a:spAutoFit/>
+          </a:bodyPr>
+          <a:lstStyle/>
+          <a:p>
+            <a:pPr lvl="0" algn="just">
+              <a:lnSpc>
+                <a:spcPct val="107000"/>
+              </a:lnSpc>
+              <a:spcAft>
+                <a:spcPts val="800"/>
+              </a:spcAft>
+            </a:pPr>
+            <a:r>
+              <a:rPr lang="es-ES" sz="2400" b="1" dirty="0">
+                <a:solidFill>
+                  <a:schemeClr val="bg1"/>
+                </a:solidFill>
+                <a:effectLst/>
+                <a:latin typeface="Cambria" panose="02040503050406030204" pitchFamily="18" charset="0"/>
+                <a:ea typeface="Calibri" panose="020F0502020204030204" pitchFamily="34" charset="0"/>
+                <a:cs typeface="Times New Roman" panose="02020603050405020304" pitchFamily="18" charset="0"/>
+              </a:rPr>
+              <a:t>El juego a presentar llamado Jumping Guy es un juego de tipo arcade, el cual está basado en la superación de obstáculos y recolección de monedas.</a:t>
+            </a:r>
+            <a:r>
+              <a:rPr lang="es-ES" sz="1800" dirty="0">
+                <a:effectLst/>
+                <a:latin typeface="Cambria" panose="02040503050406030204" pitchFamily="18" charset="0"/>
+                <a:ea typeface="Calibri" panose="020F0502020204030204" pitchFamily="34" charset="0"/>
+                <a:cs typeface="Times New Roman" panose="02020603050405020304" pitchFamily="18" charset="0"/>
+              </a:rPr>
+              <a:t> </a:t>
+            </a:r>
+            <a:endParaRPr lang="es-ES" sz="1800" dirty="0">
+              <a:effectLst/>
+              <a:latin typeface="Calibri" panose="020F0502020204030204" pitchFamily="34" charset="0"/>
+              <a:ea typeface="Calibri" panose="020F0502020204030204" pitchFamily="34" charset="0"/>
+              <a:cs typeface="Times New Roman" panose="02020603050405020304" pitchFamily="18" charset="0"/>
+            </a:endParaRPr>
+          </a:p>
+          <a:p>
+            <a:endParaRPr lang="es-ES" dirty="0"/>
+          </a:p>
+        </p:txBody>
+      </p:sp>
+    </p:spTree>
+    <p:extLst>
+      <p:ext uri="{BB962C8B-B14F-4D97-AF65-F5344CB8AC3E}">
+        <p14:creationId xmlns:p14="http://schemas.microsoft.com/office/powerpoint/2010/main" val="2873890435"/>
+      </p:ext>
+    </p:extLst>
+  </p:cSld>
+  <p:clrMapOvr>
+    <a:masterClrMapping/>
+  </p:clrMapOvr>
+</p:sld>
+</file>
+
+<file path=ppt/slides/slide4.xml><?xml version="1.0" encoding="utf-8"?>
+<p:sld xmlns:a="http://schemas.openxmlformats.org/drawingml/2006/main" xmlns:r="http://schemas.openxmlformats.org/officeDocument/2006/relationships" xmlns:p="http://schemas.openxmlformats.org/presentationml/2006/main">
+  <p:cSld>
+    <p:spTree>
+      <p:nvGrpSpPr>
+        <p:cNvPr id="1" name=""/>
+        <p:cNvGrpSpPr/>
+        <p:nvPr/>
+      </p:nvGrpSpPr>
+      <p:grpSpPr>
+        <a:xfrm>
+          <a:off x="0" y="0"/>
+          <a:ext cx="0" cy="0"/>
+          <a:chOff x="0" y="0"/>
+          <a:chExt cx="0" cy="0"/>
+        </a:xfrm>
+      </p:grpSpPr>
+      <p:pic>
+        <p:nvPicPr>
+          <p:cNvPr id="1026" name="Picture 2" descr="Pared De Ladrillo Con Rayas De Rayas De Color Rojo Y Cemento Para El Fondo  Y El Telón De Fondo Abstracto O Fondo De Pantalla Ilustraciones  Vectoriales, Clip Art Vectorizado Libre De">
+            <a:extLst>
+              <a:ext uri="{FF2B5EF4-FFF2-40B4-BE49-F238E27FC236}">
+                <a16:creationId xmlns:a16="http://schemas.microsoft.com/office/drawing/2014/main" id="{5AB1F342-1DCC-4AE7-89F4-EC4A9F847A4D}"/>
+              </a:ext>
+            </a:extLst>
+          </p:cNvPr>
+          <p:cNvPicPr>
+            <a:picLocks noChangeAspect="1" noChangeArrowheads="1"/>
+          </p:cNvPicPr>
+          <p:nvPr/>
+        </p:nvPicPr>
+        <p:blipFill>
+          <a:blip r:embed="rId2">
+            <a:extLst>
+              <a:ext uri="{BEBA8EAE-BF5A-486C-A8C5-ECC9F3942E4B}">
+                <a14:imgProps xmlns:a14="http://schemas.microsoft.com/office/drawing/2010/main">
+                  <a14:imgLayer r:embed="rId3">
+                    <a14:imgEffect>
+                      <a14:sharpenSoften amount="-50000"/>
+                    </a14:imgEffect>
+                  </a14:imgLayer>
+                </a14:imgProps>
+              </a:ext>
+              <a:ext uri="{28A0092B-C50C-407E-A947-70E740481C1C}">
+                <a14:useLocalDpi xmlns:a14="http://schemas.microsoft.com/office/drawing/2010/main" val="0"/>
+              </a:ext>
+            </a:extLst>
+          </a:blip>
+          <a:srcRect/>
+          <a:stretch>
+            <a:fillRect/>
+          </a:stretch>
+        </p:blipFill>
+        <p:spPr bwMode="auto">
+          <a:xfrm>
+            <a:off x="0" y="-31652"/>
+            <a:ext cx="7404019" cy="6889652"/>
+          </a:xfrm>
+          <a:prstGeom prst="rect">
+            <a:avLst/>
+          </a:prstGeom>
+          <a:noFill/>
+          <a:extLst>
+            <a:ext uri="{909E8E84-426E-40DD-AFC4-6F175D3DCCD1}">
+              <a14:hiddenFill xmlns:a14="http://schemas.microsoft.com/office/drawing/2010/main">
+                <a:solidFill>
+                  <a:srgbClr val="FFFFFF"/>
+                </a:solidFill>
+              </a14:hiddenFill>
+            </a:ext>
+          </a:extLst>
+        </p:spPr>
+      </p:pic>
+      <p:sp>
+        <p:nvSpPr>
+          <p:cNvPr id="6" name="TextBox 5">
+            <a:extLst>
+              <a:ext uri="{FF2B5EF4-FFF2-40B4-BE49-F238E27FC236}">
+                <a16:creationId xmlns:a16="http://schemas.microsoft.com/office/drawing/2014/main" id="{C3D56AFF-ABE8-4925-93A9-8729DEDF5380}"/>
+              </a:ext>
+            </a:extLst>
+          </p:cNvPr>
+          <p:cNvSpPr txBox="1"/>
+          <p:nvPr/>
+        </p:nvSpPr>
+        <p:spPr>
+          <a:xfrm>
+            <a:off x="7582486" y="2921168"/>
+            <a:ext cx="4417255" cy="923330"/>
+          </a:xfrm>
+          <a:prstGeom prst="rect">
+            <a:avLst/>
+          </a:prstGeom>
+          <a:noFill/>
+        </p:spPr>
+        <p:txBody>
+          <a:bodyPr wrap="square" rtlCol="0">
+            <a:spAutoFit/>
+          </a:bodyPr>
+          <a:lstStyle/>
+          <a:p>
+            <a:pPr algn="ctr"/>
+            <a:r>
+              <a:rPr lang="es-ES" sz="5400" dirty="0">
+                <a:solidFill>
+                  <a:srgbClr val="FFC000"/>
+                </a:solidFill>
+                <a:latin typeface="Algerian" panose="04020705040A02060702" pitchFamily="82" charset="0"/>
+              </a:rPr>
+              <a:t>Motivación </a:t>
+            </a:r>
+          </a:p>
+        </p:txBody>
+      </p:sp>
+      <p:sp>
+        <p:nvSpPr>
+          <p:cNvPr id="2" name="TextBox 1">
+            <a:extLst>
+              <a:ext uri="{FF2B5EF4-FFF2-40B4-BE49-F238E27FC236}">
+                <a16:creationId xmlns:a16="http://schemas.microsoft.com/office/drawing/2014/main" id="{673B9F91-B802-4780-8C7C-C788F2828C06}"/>
+              </a:ext>
+            </a:extLst>
+          </p:cNvPr>
+          <p:cNvSpPr txBox="1"/>
+          <p:nvPr/>
+        </p:nvSpPr>
+        <p:spPr>
+          <a:xfrm>
+            <a:off x="390772" y="557114"/>
+            <a:ext cx="6622473" cy="6019533"/>
+          </a:xfrm>
+          <a:prstGeom prst="rect">
+            <a:avLst/>
+          </a:prstGeom>
+          <a:noFill/>
+        </p:spPr>
+        <p:txBody>
+          <a:bodyPr wrap="square" rtlCol="0">
+            <a:spAutoFit/>
+          </a:bodyPr>
+          <a:lstStyle/>
+          <a:p>
+            <a:pPr lvl="0" algn="just">
+              <a:lnSpc>
+                <a:spcPct val="107000"/>
+              </a:lnSpc>
+              <a:spcAft>
+                <a:spcPts val="800"/>
+              </a:spcAft>
+            </a:pPr>
+            <a:r>
+              <a:rPr lang="es-ES" sz="2400" b="1" dirty="0">
+                <a:solidFill>
+                  <a:schemeClr val="bg1"/>
+                </a:solidFill>
+                <a:effectLst/>
+                <a:latin typeface="Cambria" panose="02040503050406030204" pitchFamily="18" charset="0"/>
+                <a:ea typeface="Calibri" panose="020F0502020204030204" pitchFamily="34" charset="0"/>
+                <a:cs typeface="Times New Roman" panose="02020603050405020304" pitchFamily="18" charset="0"/>
+              </a:rPr>
+              <a:t>a.	Originalidad de la idea:</a:t>
+            </a:r>
+          </a:p>
+          <a:p>
+            <a:pPr lvl="0" algn="just">
+              <a:lnSpc>
+                <a:spcPct val="107000"/>
+              </a:lnSpc>
+              <a:spcAft>
+                <a:spcPts val="800"/>
+              </a:spcAft>
+            </a:pPr>
+            <a:r>
+              <a:rPr lang="es-ES" sz="2400" b="1" dirty="0">
+                <a:solidFill>
+                  <a:schemeClr val="bg1"/>
+                </a:solidFill>
+                <a:effectLst/>
+                <a:latin typeface="Cambria" panose="02040503050406030204" pitchFamily="18" charset="0"/>
+                <a:ea typeface="Calibri" panose="020F0502020204030204" pitchFamily="34" charset="0"/>
+                <a:cs typeface="Times New Roman" panose="02020603050405020304" pitchFamily="18" charset="0"/>
+              </a:rPr>
+              <a:t>La motivación para desarrollar este videojuego está dada por el videojuego Cromo Dino, con la intención de darle más vida y colores; de la misma manera integrando características, las cuales agregan diversión y de la misma manera generando buena experiencia al momento de jugarlo.</a:t>
+            </a:r>
+          </a:p>
+          <a:p>
+            <a:pPr lvl="0" algn="just">
+              <a:lnSpc>
+                <a:spcPct val="107000"/>
+              </a:lnSpc>
+              <a:spcAft>
+                <a:spcPts val="800"/>
+              </a:spcAft>
+            </a:pPr>
+            <a:endParaRPr lang="es-ES" sz="2400" b="1" dirty="0">
+              <a:solidFill>
+                <a:schemeClr val="bg1"/>
+              </a:solidFill>
+              <a:effectLst/>
+              <a:latin typeface="Cambria" panose="02040503050406030204" pitchFamily="18" charset="0"/>
+              <a:ea typeface="Calibri" panose="020F0502020204030204" pitchFamily="34" charset="0"/>
+              <a:cs typeface="Times New Roman" panose="02020603050405020304" pitchFamily="18" charset="0"/>
+            </a:endParaRPr>
+          </a:p>
+          <a:p>
+            <a:pPr lvl="0" algn="just">
+              <a:lnSpc>
+                <a:spcPct val="107000"/>
+              </a:lnSpc>
+              <a:spcAft>
+                <a:spcPts val="800"/>
+              </a:spcAft>
+            </a:pPr>
+            <a:r>
+              <a:rPr lang="es-ES" sz="2400" b="1" dirty="0">
+                <a:solidFill>
+                  <a:schemeClr val="bg1"/>
+                </a:solidFill>
+                <a:effectLst/>
+                <a:latin typeface="Cambria" panose="02040503050406030204" pitchFamily="18" charset="0"/>
+                <a:ea typeface="Calibri" panose="020F0502020204030204" pitchFamily="34" charset="0"/>
+                <a:cs typeface="Times New Roman" panose="02020603050405020304" pitchFamily="18" charset="0"/>
+              </a:rPr>
+              <a:t>b.	Estado del Arte</a:t>
+            </a:r>
+          </a:p>
+          <a:p>
+            <a:pPr lvl="0" algn="just">
+              <a:lnSpc>
+                <a:spcPct val="107000"/>
+              </a:lnSpc>
+              <a:spcAft>
+                <a:spcPts val="800"/>
+              </a:spcAft>
+            </a:pPr>
+            <a:r>
+              <a:rPr lang="es-ES" sz="2400" b="1" dirty="0">
+                <a:solidFill>
+                  <a:schemeClr val="bg1"/>
+                </a:solidFill>
+                <a:effectLst/>
+                <a:latin typeface="Cambria" panose="02040503050406030204" pitchFamily="18" charset="0"/>
+                <a:ea typeface="Calibri" panose="020F0502020204030204" pitchFamily="34" charset="0"/>
+                <a:cs typeface="Times New Roman" panose="02020603050405020304" pitchFamily="18" charset="0"/>
+              </a:rPr>
+              <a:t>Este estado de arte busca ver cuando aceptado a la relajación de los jugadores puede llegar a ser</a:t>
+            </a:r>
+          </a:p>
+          <a:p>
+            <a:endParaRPr lang="es-ES" dirty="0"/>
+          </a:p>
+        </p:txBody>
+      </p:sp>
+    </p:spTree>
+    <p:extLst>
+      <p:ext uri="{BB962C8B-B14F-4D97-AF65-F5344CB8AC3E}">
+        <p14:creationId xmlns:p14="http://schemas.microsoft.com/office/powerpoint/2010/main" val="72483946"/>
+      </p:ext>
+    </p:extLst>
+  </p:cSld>
+  <p:clrMapOvr>
+    <a:masterClrMapping/>
+  </p:clrMapOvr>
+</p:sld>
+</file>
+
+<file path=ppt/slides/slide5.xml><?xml version="1.0" encoding="utf-8"?>
+<p:sld xmlns:a="http://schemas.openxmlformats.org/drawingml/2006/main" xmlns:r="http://schemas.openxmlformats.org/officeDocument/2006/relationships" xmlns:p="http://schemas.openxmlformats.org/presentationml/2006/main">
+  <p:cSld>
+    <p:spTree>
+      <p:nvGrpSpPr>
+        <p:cNvPr id="1" name=""/>
+        <p:cNvGrpSpPr/>
+        <p:nvPr/>
+      </p:nvGrpSpPr>
+      <p:grpSpPr>
+        <a:xfrm>
+          <a:off x="0" y="0"/>
+          <a:ext cx="0" cy="0"/>
+          <a:chOff x="0" y="0"/>
+          <a:chExt cx="0" cy="0"/>
+        </a:xfrm>
+      </p:grpSpPr>
+      <p:pic>
+        <p:nvPicPr>
+          <p:cNvPr id="1026" name="Picture 2" descr="Pared De Ladrillo Con Rayas De Rayas De Color Rojo Y Cemento Para El Fondo  Y El Telón De Fondo Abstracto O Fondo De Pantalla Ilustraciones  Vectoriales, Clip Art Vectorizado Libre De">
+            <a:extLst>
+              <a:ext uri="{FF2B5EF4-FFF2-40B4-BE49-F238E27FC236}">
+                <a16:creationId xmlns:a16="http://schemas.microsoft.com/office/drawing/2014/main" id="{5AB1F342-1DCC-4AE7-89F4-EC4A9F847A4D}"/>
+              </a:ext>
+            </a:extLst>
+          </p:cNvPr>
+          <p:cNvPicPr>
+            <a:picLocks noChangeAspect="1" noChangeArrowheads="1"/>
+          </p:cNvPicPr>
+          <p:nvPr/>
+        </p:nvPicPr>
+        <p:blipFill>
+          <a:blip r:embed="rId2">
+            <a:extLst>
+              <a:ext uri="{BEBA8EAE-BF5A-486C-A8C5-ECC9F3942E4B}">
+                <a14:imgProps xmlns:a14="http://schemas.microsoft.com/office/drawing/2010/main">
+                  <a14:imgLayer r:embed="rId3">
+                    <a14:imgEffect>
+                      <a14:sharpenSoften amount="-50000"/>
+                    </a14:imgEffect>
+                  </a14:imgLayer>
+                </a14:imgProps>
+              </a:ext>
+              <a:ext uri="{28A0092B-C50C-407E-A947-70E740481C1C}">
+                <a14:useLocalDpi xmlns:a14="http://schemas.microsoft.com/office/drawing/2010/main" val="0"/>
+              </a:ext>
+            </a:extLst>
+          </a:blip>
+          <a:srcRect/>
+          <a:stretch>
+            <a:fillRect/>
+          </a:stretch>
+        </p:blipFill>
+        <p:spPr bwMode="auto">
+          <a:xfrm>
+            <a:off x="0" y="-31652"/>
+            <a:ext cx="7404019" cy="6889652"/>
+          </a:xfrm>
+          <a:prstGeom prst="rect">
+            <a:avLst/>
+          </a:prstGeom>
+          <a:noFill/>
+          <a:extLst>
+            <a:ext uri="{909E8E84-426E-40DD-AFC4-6F175D3DCCD1}">
+              <a14:hiddenFill xmlns:a14="http://schemas.microsoft.com/office/drawing/2010/main">
+                <a:solidFill>
+                  <a:srgbClr val="FFFFFF"/>
+                </a:solidFill>
+              </a14:hiddenFill>
+            </a:ext>
+          </a:extLst>
+        </p:spPr>
+      </p:pic>
+      <p:sp>
+        <p:nvSpPr>
+          <p:cNvPr id="6" name="TextBox 5">
+            <a:extLst>
+              <a:ext uri="{FF2B5EF4-FFF2-40B4-BE49-F238E27FC236}">
+                <a16:creationId xmlns:a16="http://schemas.microsoft.com/office/drawing/2014/main" id="{C3D56AFF-ABE8-4925-93A9-8729DEDF5380}"/>
+              </a:ext>
+            </a:extLst>
+          </p:cNvPr>
+          <p:cNvSpPr txBox="1"/>
+          <p:nvPr/>
+        </p:nvSpPr>
+        <p:spPr>
+          <a:xfrm>
+            <a:off x="7582486" y="2921168"/>
+            <a:ext cx="4417255" cy="923330"/>
+          </a:xfrm>
+          <a:prstGeom prst="rect">
+            <a:avLst/>
+          </a:prstGeom>
+          <a:noFill/>
+        </p:spPr>
+        <p:txBody>
+          <a:bodyPr wrap="square" rtlCol="0">
+            <a:spAutoFit/>
+          </a:bodyPr>
+          <a:lstStyle/>
+          <a:p>
+            <a:pPr algn="ctr"/>
+            <a:r>
+              <a:rPr lang="es-ES" sz="5400" dirty="0">
+                <a:solidFill>
+                  <a:srgbClr val="FFC000"/>
+                </a:solidFill>
+                <a:latin typeface="Algerian" panose="04020705040A02060702" pitchFamily="82" charset="0"/>
+              </a:rPr>
+              <a:t>OBJETIVOS </a:t>
+            </a:r>
+          </a:p>
+        </p:txBody>
+      </p:sp>
+      <p:sp>
+        <p:nvSpPr>
+          <p:cNvPr id="2" name="TextBox 1">
+            <a:extLst>
+              <a:ext uri="{FF2B5EF4-FFF2-40B4-BE49-F238E27FC236}">
+                <a16:creationId xmlns:a16="http://schemas.microsoft.com/office/drawing/2014/main" id="{673B9F91-B802-4780-8C7C-C788F2828C06}"/>
+              </a:ext>
+            </a:extLst>
+          </p:cNvPr>
+          <p:cNvSpPr txBox="1"/>
+          <p:nvPr/>
+        </p:nvSpPr>
+        <p:spPr>
+          <a:xfrm>
+            <a:off x="390772" y="557114"/>
+            <a:ext cx="6622473" cy="6019533"/>
+          </a:xfrm>
+          <a:prstGeom prst="rect">
+            <a:avLst/>
+          </a:prstGeom>
+          <a:noFill/>
+        </p:spPr>
+        <p:txBody>
+          <a:bodyPr wrap="square" rtlCol="0">
+            <a:spAutoFit/>
+          </a:bodyPr>
+          <a:lstStyle/>
+          <a:p>
+            <a:pPr lvl="0" algn="just">
+              <a:lnSpc>
+                <a:spcPct val="107000"/>
+              </a:lnSpc>
+              <a:spcAft>
+                <a:spcPts val="800"/>
+              </a:spcAft>
+            </a:pPr>
+            <a:r>
+              <a:rPr lang="es-ES" sz="2400" b="1" dirty="0">
+                <a:solidFill>
+                  <a:schemeClr val="bg1"/>
+                </a:solidFill>
+                <a:effectLst/>
+                <a:latin typeface="Cambria" panose="02040503050406030204" pitchFamily="18" charset="0"/>
+                <a:ea typeface="Calibri" panose="020F0502020204030204" pitchFamily="34" charset="0"/>
+                <a:cs typeface="Times New Roman" panose="02020603050405020304" pitchFamily="18" charset="0"/>
+              </a:rPr>
+              <a:t>Objetivo general:</a:t>
+            </a:r>
+          </a:p>
+          <a:p>
+            <a:pPr lvl="0" algn="just">
+              <a:lnSpc>
+                <a:spcPct val="107000"/>
+              </a:lnSpc>
+              <a:spcAft>
+                <a:spcPts val="800"/>
+              </a:spcAft>
+            </a:pPr>
+            <a:r>
+              <a:rPr lang="es-ES" sz="2400" b="1" dirty="0">
+                <a:solidFill>
+                  <a:schemeClr val="bg1"/>
+                </a:solidFill>
+                <a:effectLst/>
+                <a:latin typeface="Cambria" panose="02040503050406030204" pitchFamily="18" charset="0"/>
+                <a:ea typeface="Calibri" panose="020F0502020204030204" pitchFamily="34" charset="0"/>
+                <a:cs typeface="Times New Roman" panose="02020603050405020304" pitchFamily="18" charset="0"/>
+              </a:rPr>
+              <a:t>Ofrecer buena experiencia al usuario, ofreciendo características que generen sorpresa para que el jugador se divierta mientras juega.</a:t>
+            </a:r>
+          </a:p>
+          <a:p>
+            <a:pPr lvl="0" algn="just">
+              <a:lnSpc>
+                <a:spcPct val="107000"/>
+              </a:lnSpc>
+              <a:spcAft>
+                <a:spcPts val="800"/>
+              </a:spcAft>
+            </a:pPr>
+            <a:endParaRPr lang="es-ES" sz="2400" b="1" dirty="0">
+              <a:solidFill>
+                <a:schemeClr val="bg1"/>
+              </a:solidFill>
+              <a:effectLst/>
+              <a:latin typeface="Cambria" panose="02040503050406030204" pitchFamily="18" charset="0"/>
+              <a:ea typeface="Calibri" panose="020F0502020204030204" pitchFamily="34" charset="0"/>
+              <a:cs typeface="Times New Roman" panose="02020603050405020304" pitchFamily="18" charset="0"/>
+            </a:endParaRPr>
+          </a:p>
+          <a:p>
+            <a:pPr lvl="0" algn="just">
+              <a:lnSpc>
+                <a:spcPct val="107000"/>
+              </a:lnSpc>
+              <a:spcAft>
+                <a:spcPts val="800"/>
+              </a:spcAft>
+            </a:pPr>
+            <a:endParaRPr lang="es-ES" sz="2400" b="1" dirty="0">
+              <a:solidFill>
+                <a:schemeClr val="bg1"/>
+              </a:solidFill>
+              <a:effectLst/>
+              <a:latin typeface="Cambria" panose="02040503050406030204" pitchFamily="18" charset="0"/>
+              <a:ea typeface="Calibri" panose="020F0502020204030204" pitchFamily="34" charset="0"/>
+              <a:cs typeface="Times New Roman" panose="02020603050405020304" pitchFamily="18" charset="0"/>
+            </a:endParaRPr>
+          </a:p>
+          <a:p>
+            <a:pPr lvl="0" algn="just">
+              <a:lnSpc>
+                <a:spcPct val="107000"/>
+              </a:lnSpc>
+              <a:spcAft>
+                <a:spcPts val="800"/>
+              </a:spcAft>
+            </a:pPr>
+            <a:r>
+              <a:rPr lang="es-ES" sz="2400" b="1" dirty="0">
+                <a:solidFill>
+                  <a:schemeClr val="bg1"/>
+                </a:solidFill>
+                <a:effectLst/>
+                <a:latin typeface="Cambria" panose="02040503050406030204" pitchFamily="18" charset="0"/>
+                <a:ea typeface="Calibri" panose="020F0502020204030204" pitchFamily="34" charset="0"/>
+                <a:cs typeface="Times New Roman" panose="02020603050405020304" pitchFamily="18" charset="0"/>
+              </a:rPr>
+              <a:t>Objetivos específicos:</a:t>
+            </a:r>
+          </a:p>
+          <a:p>
+            <a:pPr lvl="0" algn="just">
+              <a:lnSpc>
+                <a:spcPct val="107000"/>
+              </a:lnSpc>
+              <a:spcAft>
+                <a:spcPts val="800"/>
+              </a:spcAft>
+            </a:pPr>
+            <a:r>
+              <a:rPr lang="es-ES" sz="2400" b="1" dirty="0">
+                <a:solidFill>
+                  <a:schemeClr val="bg1"/>
+                </a:solidFill>
+                <a:effectLst/>
+                <a:latin typeface="Cambria" panose="02040503050406030204" pitchFamily="18" charset="0"/>
+                <a:ea typeface="Calibri" panose="020F0502020204030204" pitchFamily="34" charset="0"/>
+                <a:cs typeface="Times New Roman" panose="02020603050405020304" pitchFamily="18" charset="0"/>
+              </a:rPr>
+              <a:t>• Divertir al usuario.</a:t>
+            </a:r>
+          </a:p>
+          <a:p>
+            <a:pPr lvl="0" algn="just">
+              <a:lnSpc>
+                <a:spcPct val="107000"/>
+              </a:lnSpc>
+              <a:spcAft>
+                <a:spcPts val="800"/>
+              </a:spcAft>
+            </a:pPr>
+            <a:r>
+              <a:rPr lang="es-ES" sz="2400" b="1" dirty="0">
+                <a:solidFill>
+                  <a:schemeClr val="bg1"/>
+                </a:solidFill>
+                <a:effectLst/>
+                <a:latin typeface="Cambria" panose="02040503050406030204" pitchFamily="18" charset="0"/>
+                <a:ea typeface="Calibri" panose="020F0502020204030204" pitchFamily="34" charset="0"/>
+                <a:cs typeface="Times New Roman" panose="02020603050405020304" pitchFamily="18" charset="0"/>
+              </a:rPr>
+              <a:t>• Distraer al jugador.</a:t>
+            </a:r>
+          </a:p>
+          <a:p>
+            <a:pPr lvl="0" algn="just">
+              <a:lnSpc>
+                <a:spcPct val="107000"/>
+              </a:lnSpc>
+              <a:spcAft>
+                <a:spcPts val="800"/>
+              </a:spcAft>
+            </a:pPr>
+            <a:r>
+              <a:rPr lang="es-ES" sz="2400" b="1" dirty="0">
+                <a:solidFill>
+                  <a:schemeClr val="bg1"/>
+                </a:solidFill>
+                <a:effectLst/>
+                <a:latin typeface="Cambria" panose="02040503050406030204" pitchFamily="18" charset="0"/>
+                <a:ea typeface="Calibri" panose="020F0502020204030204" pitchFamily="34" charset="0"/>
+                <a:cs typeface="Times New Roman" panose="02020603050405020304" pitchFamily="18" charset="0"/>
+              </a:rPr>
+              <a:t>• Intentar introducir al jugador en el videojuego y se relaje.</a:t>
+            </a:r>
+          </a:p>
+          <a:p>
+            <a:endParaRPr lang="es-ES" dirty="0"/>
+          </a:p>
+        </p:txBody>
+      </p:sp>
+    </p:spTree>
+    <p:extLst>
+      <p:ext uri="{BB962C8B-B14F-4D97-AF65-F5344CB8AC3E}">
+        <p14:creationId xmlns:p14="http://schemas.microsoft.com/office/powerpoint/2010/main" val="2343289172"/>
+      </p:ext>
+    </p:extLst>
+  </p:cSld>
+  <p:clrMapOvr>
+    <a:masterClrMapping/>
+  </p:clrMapOvr>
+</p:sld>
+</file>
+
+<file path=ppt/slides/slide6.xml><?xml version="1.0" encoding="utf-8"?>
+<p:sld xmlns:a="http://schemas.openxmlformats.org/drawingml/2006/main" xmlns:r="http://schemas.openxmlformats.org/officeDocument/2006/relationships" xmlns:p="http://schemas.openxmlformats.org/presentationml/2006/main">
+  <p:cSld>
+    <p:spTree>
+      <p:nvGrpSpPr>
+        <p:cNvPr id="1" name=""/>
+        <p:cNvGrpSpPr/>
+        <p:nvPr/>
+      </p:nvGrpSpPr>
+      <p:grpSpPr>
+        <a:xfrm>
+          <a:off x="0" y="0"/>
+          <a:ext cx="0" cy="0"/>
+          <a:chOff x="0" y="0"/>
+          <a:chExt cx="0" cy="0"/>
+        </a:xfrm>
+      </p:grpSpPr>
+      <p:pic>
+        <p:nvPicPr>
+          <p:cNvPr id="1026" name="Picture 2" descr="Pared De Ladrillo Con Rayas De Rayas De Color Rojo Y Cemento Para El Fondo  Y El Telón De Fondo Abstracto O Fondo De Pantalla Ilustraciones  Vectoriales, Clip Art Vectorizado Libre De">
+            <a:extLst>
+              <a:ext uri="{FF2B5EF4-FFF2-40B4-BE49-F238E27FC236}">
+                <a16:creationId xmlns:a16="http://schemas.microsoft.com/office/drawing/2014/main" id="{5AB1F342-1DCC-4AE7-89F4-EC4A9F847A4D}"/>
+              </a:ext>
+            </a:extLst>
+          </p:cNvPr>
+          <p:cNvPicPr>
+            <a:picLocks noChangeAspect="1" noChangeArrowheads="1"/>
+          </p:cNvPicPr>
+          <p:nvPr/>
+        </p:nvPicPr>
+        <p:blipFill>
+          <a:blip r:embed="rId2">
+            <a:extLst>
+              <a:ext uri="{BEBA8EAE-BF5A-486C-A8C5-ECC9F3942E4B}">
+                <a14:imgProps xmlns:a14="http://schemas.microsoft.com/office/drawing/2010/main">
+                  <a14:imgLayer r:embed="rId3">
+                    <a14:imgEffect>
+                      <a14:sharpenSoften amount="-50000"/>
+                    </a14:imgEffect>
+                  </a14:imgLayer>
+                </a14:imgProps>
+              </a:ext>
+              <a:ext uri="{28A0092B-C50C-407E-A947-70E740481C1C}">
+                <a14:useLocalDpi xmlns:a14="http://schemas.microsoft.com/office/drawing/2010/main" val="0"/>
+              </a:ext>
+            </a:extLst>
+          </a:blip>
+          <a:srcRect/>
+          <a:stretch>
+            <a:fillRect/>
+          </a:stretch>
+        </p:blipFill>
+        <p:spPr bwMode="auto">
+          <a:xfrm>
+            <a:off x="0" y="-31652"/>
+            <a:ext cx="7404019" cy="6889652"/>
+          </a:xfrm>
+          <a:prstGeom prst="rect">
+            <a:avLst/>
+          </a:prstGeom>
+          <a:noFill/>
+          <a:extLst>
+            <a:ext uri="{909E8E84-426E-40DD-AFC4-6F175D3DCCD1}">
+              <a14:hiddenFill xmlns:a14="http://schemas.microsoft.com/office/drawing/2010/main">
+                <a:solidFill>
+                  <a:srgbClr val="FFFFFF"/>
+                </a:solidFill>
+              </a14:hiddenFill>
+            </a:ext>
+          </a:extLst>
+        </p:spPr>
+      </p:pic>
+      <p:sp>
+        <p:nvSpPr>
+          <p:cNvPr id="6" name="TextBox 5">
+            <a:extLst>
+              <a:ext uri="{FF2B5EF4-FFF2-40B4-BE49-F238E27FC236}">
+                <a16:creationId xmlns:a16="http://schemas.microsoft.com/office/drawing/2014/main" id="{C3D56AFF-ABE8-4925-93A9-8729DEDF5380}"/>
+              </a:ext>
+            </a:extLst>
+          </p:cNvPr>
+          <p:cNvSpPr txBox="1"/>
+          <p:nvPr/>
+        </p:nvSpPr>
+        <p:spPr>
+          <a:xfrm>
+            <a:off x="8074856" y="2028616"/>
+            <a:ext cx="3455964" cy="2800767"/>
+          </a:xfrm>
+          <a:prstGeom prst="rect">
+            <a:avLst/>
+          </a:prstGeom>
+          <a:noFill/>
+        </p:spPr>
+        <p:txBody>
+          <a:bodyPr wrap="square" rtlCol="0">
+            <a:spAutoFit/>
+          </a:bodyPr>
+          <a:lstStyle/>
+          <a:p>
+            <a:pPr algn="ctr"/>
+            <a:r>
+              <a:rPr lang="es-ES" sz="4400" dirty="0">
+                <a:solidFill>
+                  <a:srgbClr val="FFC000"/>
+                </a:solidFill>
+                <a:latin typeface="Algerian" panose="04020705040A02060702" pitchFamily="82" charset="0"/>
+              </a:rPr>
+              <a:t>Datos básicos sobre el videojuego</a:t>
+            </a:r>
+          </a:p>
+        </p:txBody>
+      </p:sp>
+      <p:sp>
+        <p:nvSpPr>
+          <p:cNvPr id="2" name="TextBox 1">
+            <a:extLst>
+              <a:ext uri="{FF2B5EF4-FFF2-40B4-BE49-F238E27FC236}">
+                <a16:creationId xmlns:a16="http://schemas.microsoft.com/office/drawing/2014/main" id="{673B9F91-B802-4780-8C7C-C788F2828C06}"/>
+              </a:ext>
+            </a:extLst>
+          </p:cNvPr>
+          <p:cNvSpPr txBox="1"/>
+          <p:nvPr/>
+        </p:nvSpPr>
+        <p:spPr>
+          <a:xfrm>
+            <a:off x="781546" y="614303"/>
+            <a:ext cx="6622473" cy="6243697"/>
+          </a:xfrm>
+          <a:prstGeom prst="rect">
+            <a:avLst/>
+          </a:prstGeom>
+          <a:noFill/>
+        </p:spPr>
+        <p:txBody>
+          <a:bodyPr wrap="square" rtlCol="0">
+            <a:spAutoFit/>
+          </a:bodyPr>
+          <a:lstStyle/>
+          <a:p>
+            <a:pPr marL="342900" lvl="0" indent="-342900">
+              <a:lnSpc>
+                <a:spcPct val="107000"/>
+              </a:lnSpc>
+              <a:spcAft>
+                <a:spcPts val="800"/>
+              </a:spcAft>
+              <a:buFont typeface="+mj-lt"/>
+              <a:buAutoNum type="arabicPeriod"/>
+            </a:pPr>
+            <a:r>
+              <a:rPr lang="es-ES" sz="2400" b="1" dirty="0">
+                <a:solidFill>
+                  <a:schemeClr val="bg1"/>
+                </a:solidFill>
+                <a:effectLst/>
+                <a:latin typeface="Cambria" panose="02040503050406030204" pitchFamily="18" charset="0"/>
+                <a:ea typeface="Calibri" panose="020F0502020204030204" pitchFamily="34" charset="0"/>
+                <a:cs typeface="Times New Roman" panose="02020603050405020304" pitchFamily="18" charset="0"/>
+              </a:rPr>
+              <a:t>Plataforma:</a:t>
+            </a:r>
+            <a:r>
+              <a:rPr lang="es-ES" sz="2400" dirty="0">
+                <a:solidFill>
+                  <a:schemeClr val="bg1"/>
+                </a:solidFill>
+                <a:effectLst/>
+                <a:latin typeface="Cambria" panose="02040503050406030204" pitchFamily="18" charset="0"/>
+                <a:ea typeface="Calibri" panose="020F0502020204030204" pitchFamily="34" charset="0"/>
+                <a:cs typeface="Times New Roman" panose="02020603050405020304" pitchFamily="18" charset="0"/>
+              </a:rPr>
+              <a:t> en línea.</a:t>
+            </a:r>
+            <a:endParaRPr lang="es-ES" sz="2400" dirty="0">
+              <a:solidFill>
+                <a:schemeClr val="bg1"/>
+              </a:solidFill>
+              <a:effectLst/>
+              <a:latin typeface="Calibri" panose="020F0502020204030204" pitchFamily="34" charset="0"/>
+              <a:ea typeface="Calibri" panose="020F0502020204030204" pitchFamily="34" charset="0"/>
+              <a:cs typeface="Times New Roman" panose="02020603050405020304" pitchFamily="18" charset="0"/>
+            </a:endParaRPr>
+          </a:p>
+          <a:p>
+            <a:pPr marL="342900" lvl="0" indent="-342900">
+              <a:lnSpc>
+                <a:spcPct val="107000"/>
+              </a:lnSpc>
+              <a:spcAft>
+                <a:spcPts val="800"/>
+              </a:spcAft>
+              <a:buFont typeface="+mj-lt"/>
+              <a:buAutoNum type="arabicPeriod"/>
+            </a:pPr>
+            <a:r>
+              <a:rPr lang="es-ES" sz="2400" b="1" dirty="0">
+                <a:solidFill>
+                  <a:schemeClr val="bg1"/>
+                </a:solidFill>
+                <a:effectLst/>
+                <a:latin typeface="Cambria" panose="02040503050406030204" pitchFamily="18" charset="0"/>
+                <a:ea typeface="Calibri" panose="020F0502020204030204" pitchFamily="34" charset="0"/>
+                <a:cs typeface="Times New Roman" panose="02020603050405020304" pitchFamily="18" charset="0"/>
+              </a:rPr>
+              <a:t>Género:</a:t>
+            </a:r>
+            <a:r>
+              <a:rPr lang="es-ES" sz="2400" dirty="0">
+                <a:solidFill>
+                  <a:schemeClr val="bg1"/>
+                </a:solidFill>
+                <a:effectLst/>
+                <a:latin typeface="Cambria" panose="02040503050406030204" pitchFamily="18" charset="0"/>
+                <a:ea typeface="Calibri" panose="020F0502020204030204" pitchFamily="34" charset="0"/>
+                <a:cs typeface="Times New Roman" panose="02020603050405020304" pitchFamily="18" charset="0"/>
+              </a:rPr>
+              <a:t> Arcade. </a:t>
+            </a:r>
+            <a:endParaRPr lang="es-ES" sz="2400" dirty="0">
+              <a:solidFill>
+                <a:schemeClr val="bg1"/>
+              </a:solidFill>
+              <a:effectLst/>
+              <a:latin typeface="Calibri" panose="020F0502020204030204" pitchFamily="34" charset="0"/>
+              <a:ea typeface="Calibri" panose="020F0502020204030204" pitchFamily="34" charset="0"/>
+              <a:cs typeface="Times New Roman" panose="02020603050405020304" pitchFamily="18" charset="0"/>
+            </a:endParaRPr>
+          </a:p>
+          <a:p>
+            <a:pPr marL="342900" lvl="0" indent="-342900">
+              <a:lnSpc>
+                <a:spcPct val="107000"/>
+              </a:lnSpc>
+              <a:spcAft>
+                <a:spcPts val="800"/>
+              </a:spcAft>
+              <a:buFont typeface="+mj-lt"/>
+              <a:buAutoNum type="arabicPeriod"/>
+            </a:pPr>
+            <a:r>
+              <a:rPr lang="es-ES" sz="2400" b="1" dirty="0">
+                <a:solidFill>
+                  <a:schemeClr val="bg1"/>
+                </a:solidFill>
+                <a:effectLst/>
+                <a:latin typeface="Cambria" panose="02040503050406030204" pitchFamily="18" charset="0"/>
+                <a:ea typeface="Calibri" panose="020F0502020204030204" pitchFamily="34" charset="0"/>
+                <a:cs typeface="Times New Roman" panose="02020603050405020304" pitchFamily="18" charset="0"/>
+              </a:rPr>
+              <a:t>Clasificación: </a:t>
+            </a:r>
+            <a:r>
+              <a:rPr lang="es-ES" sz="2400" dirty="0">
+                <a:solidFill>
+                  <a:schemeClr val="bg1"/>
+                </a:solidFill>
+                <a:effectLst/>
+                <a:latin typeface="Cambria" panose="02040503050406030204" pitchFamily="18" charset="0"/>
+                <a:ea typeface="Calibri" panose="020F0502020204030204" pitchFamily="34" charset="0"/>
+                <a:cs typeface="Times New Roman" panose="02020603050405020304" pitchFamily="18" charset="0"/>
+              </a:rPr>
+              <a:t>para todo público (T).</a:t>
+            </a:r>
+            <a:endParaRPr lang="es-ES" sz="2400" dirty="0">
+              <a:solidFill>
+                <a:schemeClr val="bg1"/>
+              </a:solidFill>
+              <a:effectLst/>
+              <a:latin typeface="Calibri" panose="020F0502020204030204" pitchFamily="34" charset="0"/>
+              <a:ea typeface="Calibri" panose="020F0502020204030204" pitchFamily="34" charset="0"/>
+              <a:cs typeface="Times New Roman" panose="02020603050405020304" pitchFamily="18" charset="0"/>
+            </a:endParaRPr>
+          </a:p>
+          <a:p>
+            <a:pPr marL="342900" lvl="0" indent="-342900">
+              <a:lnSpc>
+                <a:spcPct val="107000"/>
+              </a:lnSpc>
+              <a:spcAft>
+                <a:spcPts val="800"/>
+              </a:spcAft>
+              <a:buFont typeface="+mj-lt"/>
+              <a:buAutoNum type="arabicPeriod"/>
+            </a:pPr>
+            <a:r>
+              <a:rPr lang="es-ES" sz="2400" b="1" dirty="0">
+                <a:solidFill>
+                  <a:schemeClr val="bg1"/>
+                </a:solidFill>
+                <a:effectLst/>
+                <a:latin typeface="Cambria" panose="02040503050406030204" pitchFamily="18" charset="0"/>
+                <a:ea typeface="Calibri" panose="020F0502020204030204" pitchFamily="34" charset="0"/>
+                <a:cs typeface="Times New Roman" panose="02020603050405020304" pitchFamily="18" charset="0"/>
+              </a:rPr>
+              <a:t>Tipo de Animación: </a:t>
+            </a:r>
+            <a:r>
+              <a:rPr lang="es-ES" sz="2400" dirty="0">
+                <a:solidFill>
+                  <a:schemeClr val="bg1"/>
+                </a:solidFill>
+                <a:effectLst/>
+                <a:latin typeface="Cambria" panose="02040503050406030204" pitchFamily="18" charset="0"/>
+                <a:ea typeface="Calibri" panose="020F0502020204030204" pitchFamily="34" charset="0"/>
+                <a:cs typeface="Times New Roman" panose="02020603050405020304" pitchFamily="18" charset="0"/>
+              </a:rPr>
+              <a:t>en 2D.</a:t>
+            </a:r>
+            <a:endParaRPr lang="es-ES" sz="2400" dirty="0">
+              <a:solidFill>
+                <a:schemeClr val="bg1"/>
+              </a:solidFill>
+              <a:effectLst/>
+              <a:latin typeface="Calibri" panose="020F0502020204030204" pitchFamily="34" charset="0"/>
+              <a:ea typeface="Calibri" panose="020F0502020204030204" pitchFamily="34" charset="0"/>
+              <a:cs typeface="Times New Roman" panose="02020603050405020304" pitchFamily="18" charset="0"/>
+            </a:endParaRPr>
+          </a:p>
+          <a:p>
+            <a:pPr marL="457200">
+              <a:lnSpc>
+                <a:spcPct val="107000"/>
+              </a:lnSpc>
+              <a:spcAft>
+                <a:spcPts val="800"/>
+              </a:spcAft>
+            </a:pPr>
+            <a:r>
+              <a:rPr lang="es-ES" sz="2400" dirty="0">
+                <a:solidFill>
+                  <a:schemeClr val="bg1"/>
+                </a:solidFill>
+                <a:effectLst/>
+                <a:latin typeface="Cambria" panose="02040503050406030204" pitchFamily="18" charset="0"/>
+                <a:ea typeface="Calibri" panose="020F0502020204030204" pitchFamily="34" charset="0"/>
+                <a:cs typeface="Times New Roman" panose="02020603050405020304" pitchFamily="18" charset="0"/>
+              </a:rPr>
+              <a:t> </a:t>
+            </a:r>
+            <a:endParaRPr lang="es-ES" sz="2400" dirty="0">
+              <a:solidFill>
+                <a:schemeClr val="bg1"/>
+              </a:solidFill>
+              <a:effectLst/>
+              <a:latin typeface="Calibri" panose="020F0502020204030204" pitchFamily="34" charset="0"/>
+              <a:ea typeface="Calibri" panose="020F0502020204030204" pitchFamily="34" charset="0"/>
+              <a:cs typeface="Times New Roman" panose="02020603050405020304" pitchFamily="18" charset="0"/>
+            </a:endParaRPr>
+          </a:p>
+          <a:p>
+            <a:pPr lvl="0">
+              <a:lnSpc>
+                <a:spcPct val="107000"/>
+              </a:lnSpc>
+              <a:spcAft>
+                <a:spcPts val="800"/>
+              </a:spcAft>
+            </a:pPr>
+            <a:r>
+              <a:rPr lang="es-ES" sz="2400" b="1" dirty="0">
+                <a:solidFill>
+                  <a:schemeClr val="bg1"/>
+                </a:solidFill>
+                <a:effectLst/>
+                <a:latin typeface="Cambria" panose="02040503050406030204" pitchFamily="18" charset="0"/>
+                <a:ea typeface="Calibri" panose="020F0502020204030204" pitchFamily="34" charset="0"/>
+                <a:cs typeface="Times New Roman" panose="02020603050405020304" pitchFamily="18" charset="0"/>
+              </a:rPr>
+              <a:t>Equipo de Trabajo</a:t>
+            </a:r>
+            <a:endParaRPr lang="es-ES" sz="2400" dirty="0">
+              <a:solidFill>
+                <a:schemeClr val="bg1"/>
+              </a:solidFill>
+              <a:effectLst/>
+              <a:latin typeface="Calibri" panose="020F0502020204030204" pitchFamily="34" charset="0"/>
+              <a:ea typeface="Calibri" panose="020F0502020204030204" pitchFamily="34" charset="0"/>
+              <a:cs typeface="Times New Roman" panose="02020603050405020304" pitchFamily="18" charset="0"/>
+            </a:endParaRPr>
+          </a:p>
+          <a:p>
+            <a:pPr marL="342900" lvl="0" indent="-342900">
+              <a:lnSpc>
+                <a:spcPct val="107000"/>
+              </a:lnSpc>
+              <a:spcAft>
+                <a:spcPts val="800"/>
+              </a:spcAft>
+              <a:buFont typeface="Symbol" panose="05050102010706020507" pitchFamily="18" charset="2"/>
+              <a:buChar char=""/>
+            </a:pPr>
+            <a:r>
+              <a:rPr lang="es-ES" sz="2400" dirty="0">
+                <a:solidFill>
+                  <a:schemeClr val="bg1"/>
+                </a:solidFill>
+                <a:effectLst/>
+                <a:latin typeface="Cambria" panose="02040503050406030204" pitchFamily="18" charset="0"/>
+                <a:ea typeface="Calibri" panose="020F0502020204030204" pitchFamily="34" charset="0"/>
+                <a:cs typeface="Times New Roman" panose="02020603050405020304" pitchFamily="18" charset="0"/>
+              </a:rPr>
+              <a:t>Ingenieros de audio: Esmirna. </a:t>
+            </a:r>
+            <a:endParaRPr lang="es-ES" sz="2400" dirty="0">
+              <a:solidFill>
+                <a:schemeClr val="bg1"/>
+              </a:solidFill>
+              <a:effectLst/>
+              <a:latin typeface="Calibri" panose="020F0502020204030204" pitchFamily="34" charset="0"/>
+              <a:ea typeface="Calibri" panose="020F0502020204030204" pitchFamily="34" charset="0"/>
+              <a:cs typeface="Times New Roman" panose="02020603050405020304" pitchFamily="18" charset="0"/>
+            </a:endParaRPr>
+          </a:p>
+          <a:p>
+            <a:pPr marL="342900" lvl="0" indent="-342900">
+              <a:lnSpc>
+                <a:spcPct val="107000"/>
+              </a:lnSpc>
+              <a:spcAft>
+                <a:spcPts val="800"/>
+              </a:spcAft>
+              <a:buFont typeface="Symbol" panose="05050102010706020507" pitchFamily="18" charset="2"/>
+              <a:buChar char=""/>
+            </a:pPr>
+            <a:r>
+              <a:rPr lang="es-ES" sz="2400" dirty="0">
+                <a:solidFill>
+                  <a:schemeClr val="bg1"/>
+                </a:solidFill>
+                <a:effectLst/>
+                <a:latin typeface="Cambria" panose="02040503050406030204" pitchFamily="18" charset="0"/>
+                <a:ea typeface="Calibri" panose="020F0502020204030204" pitchFamily="34" charset="0"/>
+                <a:cs typeface="Times New Roman" panose="02020603050405020304" pitchFamily="18" charset="0"/>
+              </a:rPr>
+              <a:t>Diseñadores: Félix y Yunisse. </a:t>
+            </a:r>
+            <a:endParaRPr lang="es-ES" sz="2400" dirty="0">
+              <a:solidFill>
+                <a:schemeClr val="bg1"/>
+              </a:solidFill>
+              <a:effectLst/>
+              <a:latin typeface="Calibri" panose="020F0502020204030204" pitchFamily="34" charset="0"/>
+              <a:ea typeface="Calibri" panose="020F0502020204030204" pitchFamily="34" charset="0"/>
+              <a:cs typeface="Times New Roman" panose="02020603050405020304" pitchFamily="18" charset="0"/>
+            </a:endParaRPr>
+          </a:p>
+          <a:p>
+            <a:pPr marL="342900" lvl="0" indent="-342900">
+              <a:lnSpc>
+                <a:spcPct val="107000"/>
+              </a:lnSpc>
+              <a:spcAft>
+                <a:spcPts val="800"/>
+              </a:spcAft>
+              <a:buFont typeface="Symbol" panose="05050102010706020507" pitchFamily="18" charset="2"/>
+              <a:buChar char=""/>
+            </a:pPr>
+            <a:r>
+              <a:rPr lang="es-ES" sz="2400" dirty="0">
+                <a:solidFill>
+                  <a:schemeClr val="bg1"/>
+                </a:solidFill>
+                <a:effectLst/>
+                <a:latin typeface="Cambria" panose="02040503050406030204" pitchFamily="18" charset="0"/>
+                <a:ea typeface="Calibri" panose="020F0502020204030204" pitchFamily="34" charset="0"/>
+                <a:cs typeface="Times New Roman" panose="02020603050405020304" pitchFamily="18" charset="0"/>
+              </a:rPr>
+              <a:t>Ilustradores: Félix. </a:t>
+            </a:r>
+            <a:endParaRPr lang="es-ES" sz="2400" dirty="0">
+              <a:solidFill>
+                <a:schemeClr val="bg1"/>
+              </a:solidFill>
+              <a:effectLst/>
+              <a:latin typeface="Calibri" panose="020F0502020204030204" pitchFamily="34" charset="0"/>
+              <a:ea typeface="Calibri" panose="020F0502020204030204" pitchFamily="34" charset="0"/>
+              <a:cs typeface="Times New Roman" panose="02020603050405020304" pitchFamily="18" charset="0"/>
+            </a:endParaRPr>
+          </a:p>
+          <a:p>
+            <a:pPr marL="342900" lvl="0" indent="-342900">
+              <a:lnSpc>
+                <a:spcPct val="107000"/>
+              </a:lnSpc>
+              <a:spcAft>
+                <a:spcPts val="800"/>
+              </a:spcAft>
+              <a:buFont typeface="Symbol" panose="05050102010706020507" pitchFamily="18" charset="2"/>
+              <a:buChar char=""/>
+            </a:pPr>
+            <a:r>
+              <a:rPr lang="es-ES" sz="2400" dirty="0">
+                <a:solidFill>
+                  <a:schemeClr val="bg1"/>
+                </a:solidFill>
+                <a:effectLst/>
+                <a:latin typeface="Cambria" panose="02040503050406030204" pitchFamily="18" charset="0"/>
+                <a:ea typeface="Calibri" panose="020F0502020204030204" pitchFamily="34" charset="0"/>
+                <a:cs typeface="Times New Roman" panose="02020603050405020304" pitchFamily="18" charset="0"/>
+              </a:rPr>
+              <a:t>Programadores: Félix y Yunisse. </a:t>
+            </a:r>
+            <a:endParaRPr lang="es-ES" sz="2400" dirty="0">
+              <a:solidFill>
+                <a:schemeClr val="bg1"/>
+              </a:solidFill>
+              <a:effectLst/>
+              <a:latin typeface="Calibri" panose="020F0502020204030204" pitchFamily="34" charset="0"/>
+              <a:ea typeface="Calibri" panose="020F0502020204030204" pitchFamily="34" charset="0"/>
+              <a:cs typeface="Times New Roman" panose="02020603050405020304" pitchFamily="18" charset="0"/>
+            </a:endParaRPr>
+          </a:p>
+          <a:p>
+            <a:pPr marL="342900" lvl="0" indent="-342900">
+              <a:lnSpc>
+                <a:spcPct val="107000"/>
+              </a:lnSpc>
+              <a:spcAft>
+                <a:spcPts val="800"/>
+              </a:spcAft>
+              <a:buFont typeface="Symbol" panose="05050102010706020507" pitchFamily="18" charset="2"/>
+              <a:buChar char=""/>
+            </a:pPr>
+            <a:r>
+              <a:rPr lang="es-ES" sz="2400" dirty="0">
+                <a:solidFill>
+                  <a:schemeClr val="bg1"/>
+                </a:solidFill>
+                <a:effectLst/>
+                <a:latin typeface="Cambria" panose="02040503050406030204" pitchFamily="18" charset="0"/>
+                <a:ea typeface="Calibri" panose="020F0502020204030204" pitchFamily="34" charset="0"/>
+                <a:cs typeface="Times New Roman" panose="02020603050405020304" pitchFamily="18" charset="0"/>
+              </a:rPr>
+              <a:t>Animadores: Félix.</a:t>
+            </a:r>
+            <a:endParaRPr lang="es-ES" sz="2400" dirty="0">
+              <a:solidFill>
+                <a:schemeClr val="bg1"/>
+              </a:solidFill>
+              <a:effectLst/>
+              <a:latin typeface="Calibri" panose="020F0502020204030204" pitchFamily="34" charset="0"/>
+              <a:ea typeface="Calibri" panose="020F0502020204030204" pitchFamily="34" charset="0"/>
+              <a:cs typeface="Times New Roman" panose="02020603050405020304" pitchFamily="18" charset="0"/>
+            </a:endParaRPr>
+          </a:p>
+          <a:p>
+            <a:pPr marL="914400">
+              <a:lnSpc>
+                <a:spcPct val="107000"/>
+              </a:lnSpc>
+              <a:spcAft>
+                <a:spcPts val="800"/>
+              </a:spcAft>
+            </a:pPr>
+            <a:r>
+              <a:rPr lang="es-ES" sz="1800" dirty="0">
+                <a:effectLst/>
+                <a:latin typeface="Cambria" panose="02040503050406030204" pitchFamily="18" charset="0"/>
+                <a:ea typeface="Calibri" panose="020F0502020204030204" pitchFamily="34" charset="0"/>
+                <a:cs typeface="Times New Roman" panose="02020603050405020304" pitchFamily="18" charset="0"/>
+              </a:rPr>
+              <a:t> </a:t>
+            </a:r>
+            <a:endParaRPr lang="es-ES" sz="1800" dirty="0">
+              <a:effectLst/>
+              <a:latin typeface="Calibri" panose="020F0502020204030204" pitchFamily="34" charset="0"/>
+              <a:ea typeface="Calibri" panose="020F0502020204030204" pitchFamily="34" charset="0"/>
+              <a:cs typeface="Times New Roman" panose="02020603050405020304" pitchFamily="18" charset="0"/>
+            </a:endParaRPr>
+          </a:p>
+          <a:p>
+            <a:endParaRPr lang="es-ES" dirty="0"/>
+          </a:p>
+        </p:txBody>
+      </p:sp>
+    </p:spTree>
+    <p:extLst>
+      <p:ext uri="{BB962C8B-B14F-4D97-AF65-F5344CB8AC3E}">
+        <p14:creationId xmlns:p14="http://schemas.microsoft.com/office/powerpoint/2010/main" val="1913550601"/>
+      </p:ext>
+    </p:extLst>
+  </p:cSld>
+  <p:clrMapOvr>
+    <a:masterClrMapping/>
+  </p:clrMapOvr>
+</p:sld>
+</file>
+
+<file path=ppt/slides/slide7.xml><?xml version="1.0" encoding="utf-8"?>
 <p:sld xmlns:a="http://schemas.openxmlformats.org/drawingml/2006/main" xmlns:r="http://schemas.openxmlformats.org/officeDocument/2006/relationships" xmlns:p="http://schemas.openxmlformats.org/presentationml/2006/main">
   <p:cSld>
     <p:spTree>
@@ -7012,10 +9298,10 @@
       </p:pic>
       <p:sp>
         <p:nvSpPr>
-          <p:cNvPr id="2" name="TextBox 1">
-            <a:extLst>
-              <a:ext uri="{FF2B5EF4-FFF2-40B4-BE49-F238E27FC236}">
-                <a16:creationId xmlns:a16="http://schemas.microsoft.com/office/drawing/2014/main" id="{8350D050-0547-4E0E-83E1-5DD903771DAA}"/>
+          <p:cNvPr id="3" name="TextBox 2">
+            <a:extLst>
+              <a:ext uri="{FF2B5EF4-FFF2-40B4-BE49-F238E27FC236}">
+                <a16:creationId xmlns:a16="http://schemas.microsoft.com/office/drawing/2014/main" id="{1BD07579-92AC-4D2B-AD40-3DC1D4E4B226}"/>
               </a:ext>
             </a:extLst>
           </p:cNvPr>
@@ -7024,8 +9310,8 @@
         </p:nvSpPr>
         <p:spPr>
           <a:xfrm>
-            <a:off x="6264811" y="2367170"/>
-            <a:ext cx="5233182" cy="2308324"/>
+            <a:off x="173498" y="250013"/>
+            <a:ext cx="5134709" cy="6555641"/>
           </a:xfrm>
           <a:prstGeom prst="rect">
             <a:avLst/>
@@ -7038,74 +9324,9 @@
           </a:bodyPr>
           <a:lstStyle/>
           <a:p>
-            <a:pPr algn="ctr"/>
-            <a:r>
-              <a:rPr lang="es-ES" sz="4800" dirty="0">
-                <a:solidFill>
-                  <a:schemeClr val="bg1"/>
-                </a:solidFill>
-                <a:latin typeface="Algerian" panose="04020705040A02060702" pitchFamily="82" charset="0"/>
-              </a:rPr>
-              <a:t>DISEÑO </a:t>
-            </a:r>
-          </a:p>
-          <a:p>
-            <a:pPr algn="ctr"/>
-            <a:r>
-              <a:rPr lang="es-ES" sz="4800" dirty="0">
-                <a:solidFill>
-                  <a:schemeClr val="bg1"/>
-                </a:solidFill>
-                <a:latin typeface="Algerian" panose="04020705040A02060702" pitchFamily="82" charset="0"/>
-              </a:rPr>
-              <a:t>DE </a:t>
-            </a:r>
-          </a:p>
-          <a:p>
-            <a:pPr algn="ctr"/>
-            <a:r>
-              <a:rPr lang="es-ES" sz="4800" dirty="0">
-                <a:solidFill>
-                  <a:schemeClr val="bg1"/>
-                </a:solidFill>
-                <a:latin typeface="Algerian" panose="04020705040A02060702" pitchFamily="82" charset="0"/>
-              </a:rPr>
-              <a:t>PROGRAMACIÓN</a:t>
-            </a:r>
-          </a:p>
-        </p:txBody>
-      </p:sp>
-      <p:sp>
-        <p:nvSpPr>
-          <p:cNvPr id="3" name="TextBox 2">
-            <a:extLst>
-              <a:ext uri="{FF2B5EF4-FFF2-40B4-BE49-F238E27FC236}">
-                <a16:creationId xmlns:a16="http://schemas.microsoft.com/office/drawing/2014/main" id="{1BD07579-92AC-4D2B-AD40-3DC1D4E4B226}"/>
-              </a:ext>
-            </a:extLst>
-          </p:cNvPr>
-          <p:cNvSpPr txBox="1"/>
-          <p:nvPr/>
-        </p:nvSpPr>
-        <p:spPr>
-          <a:xfrm>
-            <a:off x="211014" y="3013501"/>
-            <a:ext cx="5134709" cy="830997"/>
-          </a:xfrm>
-          <a:prstGeom prst="rect">
-            <a:avLst/>
-          </a:prstGeom>
-          <a:noFill/>
-        </p:spPr>
-        <p:txBody>
-          <a:bodyPr wrap="square" rtlCol="0">
-            <a:spAutoFit/>
-          </a:bodyPr>
-          <a:lstStyle/>
-          <a:p>
             <a:pPr algn="just"/>
             <a:r>
-              <a:rPr lang="es-DO" sz="2400" dirty="0">
+              <a:rPr lang="es-ES" sz="2000" dirty="0">
                 <a:solidFill>
                   <a:schemeClr val="bg1"/>
                 </a:solidFill>
@@ -7113,159 +9334,12 @@
                 <a:latin typeface="Cambria" panose="02040503050406030204" pitchFamily="18" charset="0"/>
                 <a:ea typeface="Cambria" panose="02040503050406030204" pitchFamily="18" charset="0"/>
               </a:rPr>
-              <a:t>Usaremos c</a:t>
-            </a:r>
-            <a:r>
-              <a:rPr lang="es-419" sz="2400" dirty="0">
-                <a:solidFill>
-                  <a:schemeClr val="bg1"/>
-                </a:solidFill>
-                <a:effectLst/>
-                <a:latin typeface="Cambria" panose="02040503050406030204" pitchFamily="18" charset="0"/>
-                <a:ea typeface="Cambria" panose="02040503050406030204" pitchFamily="18" charset="0"/>
-              </a:rPr>
-              <a:t># como lenguaje de programación hasta el momento. </a:t>
-            </a:r>
-            <a:endParaRPr lang="es-ES" sz="2400" dirty="0">
-              <a:solidFill>
-                <a:schemeClr val="bg1"/>
-              </a:solidFill>
-              <a:latin typeface="Cambria" panose="02040503050406030204" pitchFamily="18" charset="0"/>
-              <a:ea typeface="Cambria" panose="02040503050406030204" pitchFamily="18" charset="0"/>
-            </a:endParaRPr>
-          </a:p>
-        </p:txBody>
-      </p:sp>
-    </p:spTree>
-    <p:extLst>
-      <p:ext uri="{BB962C8B-B14F-4D97-AF65-F5344CB8AC3E}">
-        <p14:creationId xmlns:p14="http://schemas.microsoft.com/office/powerpoint/2010/main" val="2091066983"/>
-      </p:ext>
-    </p:extLst>
-  </p:cSld>
-  <p:clrMapOvr>
-    <a:masterClrMapping/>
-  </p:clrMapOvr>
-</p:sld>
-</file>
-
-<file path=ppt/slides/slide18.xml><?xml version="1.0" encoding="utf-8"?>
-<p:sld xmlns:a="http://schemas.openxmlformats.org/drawingml/2006/main" xmlns:r="http://schemas.openxmlformats.org/officeDocument/2006/relationships" xmlns:p="http://schemas.openxmlformats.org/presentationml/2006/main">
-  <p:cSld>
-    <p:spTree>
-      <p:nvGrpSpPr>
-        <p:cNvPr id="1" name=""/>
-        <p:cNvGrpSpPr/>
-        <p:nvPr/>
-      </p:nvGrpSpPr>
-      <p:grpSpPr>
-        <a:xfrm>
-          <a:off x="0" y="0"/>
-          <a:ext cx="0" cy="0"/>
-          <a:chOff x="0" y="0"/>
-          <a:chExt cx="0" cy="0"/>
-        </a:xfrm>
-      </p:grpSpPr>
-      <p:pic>
-        <p:nvPicPr>
-          <p:cNvPr id="5" name="Picture 4" descr="Pared De Ladrillo Con Rayas De Rayas De Color Rojo Y Cemento Para El Fondo  Y El Telón De Fondo Abstracto O Fondo De Pantalla Ilustraciones  Vectoriales, Clip Art Vectorizado Libre De">
-            <a:extLst>
-              <a:ext uri="{FF2B5EF4-FFF2-40B4-BE49-F238E27FC236}">
-                <a16:creationId xmlns:a16="http://schemas.microsoft.com/office/drawing/2014/main" id="{BFEFB3C3-BC4B-4452-A90F-FF6592C68E08}"/>
-              </a:ext>
-            </a:extLst>
-          </p:cNvPr>
-          <p:cNvPicPr>
-            <a:picLocks noChangeAspect="1" noChangeArrowheads="1"/>
-          </p:cNvPicPr>
-          <p:nvPr/>
-        </p:nvPicPr>
-        <p:blipFill>
-          <a:blip r:embed="rId2">
-            <a:extLst>
-              <a:ext uri="{BEBA8EAE-BF5A-486C-A8C5-ECC9F3942E4B}">
-                <a14:imgProps xmlns:a14="http://schemas.microsoft.com/office/drawing/2010/main">
-                  <a14:imgLayer r:embed="rId3">
-                    <a14:imgEffect>
-                      <a14:sharpenSoften amount="-50000"/>
-                    </a14:imgEffect>
-                  </a14:imgLayer>
-                </a14:imgProps>
-              </a:ext>
-              <a:ext uri="{28A0092B-C50C-407E-A947-70E740481C1C}">
-                <a14:useLocalDpi xmlns:a14="http://schemas.microsoft.com/office/drawing/2010/main" val="0"/>
-              </a:ext>
-            </a:extLst>
-          </a:blip>
-          <a:srcRect/>
-          <a:stretch>
-            <a:fillRect/>
-          </a:stretch>
-        </p:blipFill>
-        <p:spPr bwMode="auto">
-          <a:xfrm>
-            <a:off x="5570805" y="0"/>
-            <a:ext cx="6621195" cy="6858000"/>
-          </a:xfrm>
-          <a:prstGeom prst="rect">
-            <a:avLst/>
-          </a:prstGeom>
-          <a:noFill/>
-          <a:extLst>
-            <a:ext uri="{909E8E84-426E-40DD-AFC4-6F175D3DCCD1}">
-              <a14:hiddenFill xmlns:a14="http://schemas.microsoft.com/office/drawing/2010/main">
-                <a:solidFill>
-                  <a:srgbClr val="FFFFFF"/>
-                </a:solidFill>
-              </a14:hiddenFill>
-            </a:ext>
-          </a:extLst>
-        </p:spPr>
-      </p:pic>
-      <p:sp>
-        <p:nvSpPr>
-          <p:cNvPr id="3" name="TextBox 2">
-            <a:extLst>
-              <a:ext uri="{FF2B5EF4-FFF2-40B4-BE49-F238E27FC236}">
-                <a16:creationId xmlns:a16="http://schemas.microsoft.com/office/drawing/2014/main" id="{1BD07579-92AC-4D2B-AD40-3DC1D4E4B226}"/>
-              </a:ext>
-            </a:extLst>
-          </p:cNvPr>
-          <p:cNvSpPr txBox="1"/>
-          <p:nvPr/>
-        </p:nvSpPr>
-        <p:spPr>
-          <a:xfrm>
-            <a:off x="211014" y="1074508"/>
-            <a:ext cx="5134709" cy="4893647"/>
-          </a:xfrm>
-          <a:prstGeom prst="rect">
-            <a:avLst/>
-          </a:prstGeom>
-          <a:noFill/>
-        </p:spPr>
-        <p:txBody>
-          <a:bodyPr wrap="square" rtlCol="0">
-            <a:spAutoFit/>
-          </a:bodyPr>
-          <a:lstStyle/>
+              <a:t>Versiones y Prototipos de la Aplicación.</a:t>
+            </a:r>
+          </a:p>
           <a:p>
             <a:pPr algn="just"/>
-            <a:r>
-              <a:rPr lang="es-ES" sz="2400" dirty="0">
-                <a:solidFill>
-                  <a:schemeClr val="bg1"/>
-                </a:solidFill>
-                <a:effectLst/>
-                <a:latin typeface="Cambria" panose="02040503050406030204" pitchFamily="18" charset="0"/>
-                <a:ea typeface="Cambria" panose="02040503050406030204" pitchFamily="18" charset="0"/>
-              </a:rPr>
-              <a:t>Versiones de la Aplicación</a:t>
-            </a:r>
-          </a:p>
-          <a:p>
-            <a:pPr algn="just"/>
-            <a:endParaRPr lang="es-ES" sz="2400" dirty="0">
+            <a:endParaRPr lang="es-ES" sz="2000" dirty="0">
               <a:solidFill>
                 <a:schemeClr val="bg1"/>
               </a:solidFill>
@@ -7277,7 +9351,7 @@
           <a:p>
             <a:pPr algn="just"/>
             <a:r>
-              <a:rPr lang="es-ES" sz="2400" dirty="0">
+              <a:rPr lang="es-ES" sz="2000" dirty="0">
                 <a:solidFill>
                   <a:schemeClr val="bg1"/>
                 </a:solidFill>
@@ -7288,7 +9362,7 @@
               <a:t>La versión Alpha, fue el videojuego </a:t>
             </a:r>
             <a:r>
-              <a:rPr lang="es-ES" sz="2400" dirty="0" err="1">
+              <a:rPr lang="es-ES" sz="2000" dirty="0" err="1">
                 <a:solidFill>
                   <a:schemeClr val="bg1"/>
                 </a:solidFill>
@@ -7299,7 +9373,7 @@
               <a:t>plain</a:t>
             </a:r>
             <a:r>
-              <a:rPr lang="es-ES" sz="2400" dirty="0">
+              <a:rPr lang="es-ES" sz="2000" dirty="0">
                 <a:solidFill>
                   <a:schemeClr val="bg1"/>
                 </a:solidFill>
@@ -7312,7 +9386,7 @@
           </a:p>
           <a:p>
             <a:pPr algn="just"/>
-            <a:endParaRPr lang="es-ES" sz="2400" dirty="0">
+            <a:endParaRPr lang="es-ES" sz="2000" dirty="0">
               <a:solidFill>
                 <a:schemeClr val="bg1"/>
               </a:solidFill>
@@ -7324,7 +9398,7 @@
           <a:p>
             <a:pPr algn="just"/>
             <a:r>
-              <a:rPr lang="es-ES" sz="2400" dirty="0">
+              <a:rPr lang="es-ES" sz="2000" dirty="0">
                 <a:solidFill>
                   <a:schemeClr val="bg1"/>
                 </a:solidFill>
@@ -7333,6 +9407,78 @@
                 <a:ea typeface="Cambria" panose="02040503050406030204" pitchFamily="18" charset="0"/>
               </a:rPr>
               <a:t>La versión Beta, es que vamos a lanzar ahora que tiene monedas la cuales ponemos tomar, hará las mismas acciones que antes, pero con el detalle de las monedas.</a:t>
+            </a:r>
+          </a:p>
+          <a:p>
+            <a:pPr algn="just"/>
+            <a:endParaRPr lang="es-ES" sz="2000" dirty="0">
+              <a:solidFill>
+                <a:schemeClr val="bg1"/>
+              </a:solidFill>
+              <a:latin typeface="Cambria" panose="02040503050406030204" pitchFamily="18" charset="0"/>
+              <a:ea typeface="Cambria" panose="02040503050406030204" pitchFamily="18" charset="0"/>
+            </a:endParaRPr>
+          </a:p>
+          <a:p>
+            <a:pPr algn="just"/>
+            <a:r>
+              <a:rPr lang="es-ES" sz="2000" dirty="0">
+                <a:solidFill>
+                  <a:schemeClr val="bg1"/>
+                </a:solidFill>
+                <a:effectLst/>
+                <a:latin typeface="Cambria" panose="02040503050406030204" pitchFamily="18" charset="0"/>
+                <a:ea typeface="Cambria" panose="02040503050406030204" pitchFamily="18" charset="0"/>
+              </a:rPr>
+              <a:t>Prototipos</a:t>
+            </a:r>
+          </a:p>
+          <a:p>
+            <a:pPr algn="just"/>
+            <a:endParaRPr lang="es-ES" sz="2000" dirty="0">
+              <a:solidFill>
+                <a:schemeClr val="bg1"/>
+              </a:solidFill>
+              <a:latin typeface="Cambria" panose="02040503050406030204" pitchFamily="18" charset="0"/>
+              <a:ea typeface="Cambria" panose="02040503050406030204" pitchFamily="18" charset="0"/>
+            </a:endParaRPr>
+          </a:p>
+          <a:p>
+            <a:pPr algn="just"/>
+            <a:r>
+              <a:rPr lang="es-ES" sz="2000" dirty="0">
+                <a:solidFill>
+                  <a:schemeClr val="bg1"/>
+                </a:solidFill>
+                <a:effectLst/>
+                <a:latin typeface="Cambria" panose="02040503050406030204" pitchFamily="18" charset="0"/>
+                <a:ea typeface="Cambria" panose="02040503050406030204" pitchFamily="18" charset="0"/>
+              </a:rPr>
+              <a:t>Teníamos el prototipo 1, que se basaba en que el jugador REY, podía saltar obstáculo y correr.</a:t>
+            </a:r>
+          </a:p>
+          <a:p>
+            <a:pPr algn="just"/>
+            <a:endParaRPr lang="es-ES" sz="2000" dirty="0">
+              <a:solidFill>
+                <a:schemeClr val="bg1"/>
+              </a:solidFill>
+              <a:latin typeface="Cambria" panose="02040503050406030204" pitchFamily="18" charset="0"/>
+              <a:ea typeface="Cambria" panose="02040503050406030204" pitchFamily="18" charset="0"/>
+            </a:endParaRPr>
+          </a:p>
+          <a:p>
+            <a:pPr algn="just"/>
+            <a:r>
+              <a:rPr lang="es-ES" sz="2000" dirty="0">
+                <a:solidFill>
+                  <a:schemeClr val="bg1"/>
+                </a:solidFill>
+                <a:effectLst/>
+                <a:latin typeface="Cambria" panose="02040503050406030204" pitchFamily="18" charset="0"/>
+                <a:ea typeface="Cambria" panose="02040503050406030204" pitchFamily="18" charset="0"/>
+              </a:rPr>
+              <a:t>Con el prototipo 2, el jugador puede hacer eso anterior, pero ahora va consiguiendo monedas en el camino.</a:t>
             </a:r>
           </a:p>
         </p:txBody>
@@ -7441,7 +9587,7 @@
 </p:sld>
 </file>
 
-<file path=ppt/slides/slide19.xml><?xml version="1.0" encoding="utf-8"?>
+<file path=ppt/slides/slide8.xml><?xml version="1.0" encoding="utf-8"?>
 <p:sld xmlns:a="http://schemas.openxmlformats.org/drawingml/2006/main" xmlns:r="http://schemas.openxmlformats.org/officeDocument/2006/relationships" xmlns:p="http://schemas.openxmlformats.org/presentationml/2006/main">
   <p:cSld>
     <p:spTree>
@@ -7528,8 +9674,8 @@
         </p:nvSpPr>
         <p:spPr>
           <a:xfrm>
-            <a:off x="168811" y="1351508"/>
-            <a:ext cx="5134709" cy="4154984"/>
+            <a:off x="173498" y="2459504"/>
+            <a:ext cx="5134709" cy="1938992"/>
           </a:xfrm>
           <a:prstGeom prst="rect">
             <a:avLst/>
@@ -7542,2372 +9688,9 @@
           </a:bodyPr>
           <a:lstStyle/>
           <a:p>
-            <a:pPr algn="ctr"/>
-            <a:r>
-              <a:rPr lang="es-ES" sz="8800" dirty="0">
-                <a:solidFill>
-                  <a:schemeClr val="bg1"/>
-                </a:solidFill>
-                <a:effectLst/>
-                <a:latin typeface="Algerian" panose="04020705040A02060702" pitchFamily="82" charset="0"/>
-                <a:ea typeface="Cambria" panose="02040503050406030204" pitchFamily="18" charset="0"/>
-              </a:rPr>
-              <a:t>SPRITES Y PREFABS</a:t>
-            </a:r>
-          </a:p>
-        </p:txBody>
-      </p:sp>
-      <p:pic>
-        <p:nvPicPr>
-          <p:cNvPr id="10" name="Picture 9">
-            <a:extLst>
-              <a:ext uri="{FF2B5EF4-FFF2-40B4-BE49-F238E27FC236}">
-                <a16:creationId xmlns:a16="http://schemas.microsoft.com/office/drawing/2014/main" id="{E666D0F0-334A-4269-885B-3A82C6A037BC}"/>
-              </a:ext>
-            </a:extLst>
-          </p:cNvPr>
-          <p:cNvPicPr>
-            <a:picLocks noChangeAspect="1"/>
-          </p:cNvPicPr>
-          <p:nvPr/>
-        </p:nvPicPr>
-        <p:blipFill rotWithShape="1">
-          <a:blip r:embed="rId4"/>
-          <a:srcRect l="27980" t="64318" r="21507" b="7446"/>
-          <a:stretch/>
-        </p:blipFill>
-        <p:spPr bwMode="auto">
-          <a:xfrm>
-            <a:off x="5964700" y="451395"/>
-            <a:ext cx="5918765" cy="2643497"/>
-          </a:xfrm>
-          <a:prstGeom prst="rect">
-            <a:avLst/>
-          </a:prstGeom>
-          <a:ln>
-            <a:noFill/>
-          </a:ln>
-          <a:effectLst>
-            <a:outerShdw blurRad="292100" dist="139700" dir="2700000" algn="tl" rotWithShape="0">
-              <a:srgbClr val="333333">
-                <a:alpha val="65000"/>
-              </a:srgbClr>
-            </a:outerShdw>
-          </a:effectLst>
-          <a:extLst>
-            <a:ext uri="{53640926-AAD7-44D8-BBD7-CCE9431645EC}">
-              <a14:shadowObscured xmlns:a14="http://schemas.microsoft.com/office/drawing/2010/main"/>
-            </a:ext>
-          </a:extLst>
-        </p:spPr>
-      </p:pic>
-      <p:pic>
-        <p:nvPicPr>
-          <p:cNvPr id="11" name="Picture 10">
-            <a:extLst>
-              <a:ext uri="{FF2B5EF4-FFF2-40B4-BE49-F238E27FC236}">
-                <a16:creationId xmlns:a16="http://schemas.microsoft.com/office/drawing/2014/main" id="{4E7FC5FE-19BE-4075-A64B-99EEBABF4E7A}"/>
-              </a:ext>
-            </a:extLst>
-          </p:cNvPr>
-          <p:cNvPicPr>
-            <a:picLocks noChangeAspect="1"/>
-          </p:cNvPicPr>
-          <p:nvPr/>
-        </p:nvPicPr>
-        <p:blipFill rotWithShape="1">
-          <a:blip r:embed="rId5"/>
-          <a:srcRect l="45508" t="72788" r="22566" b="8702"/>
-          <a:stretch/>
-        </p:blipFill>
-        <p:spPr bwMode="auto">
-          <a:xfrm>
-            <a:off x="5964700" y="3710354"/>
-            <a:ext cx="5836258" cy="2338754"/>
-          </a:xfrm>
-          <a:prstGeom prst="rect">
-            <a:avLst/>
-          </a:prstGeom>
-          <a:ln>
-            <a:noFill/>
-          </a:ln>
-          <a:effectLst>
-            <a:outerShdw blurRad="292100" dist="139700" dir="2700000" algn="tl" rotWithShape="0">
-              <a:srgbClr val="333333">
-                <a:alpha val="65000"/>
-              </a:srgbClr>
-            </a:outerShdw>
-          </a:effectLst>
-          <a:extLst>
-            <a:ext uri="{53640926-AAD7-44D8-BBD7-CCE9431645EC}">
-              <a14:shadowObscured xmlns:a14="http://schemas.microsoft.com/office/drawing/2010/main"/>
-            </a:ext>
-          </a:extLst>
-        </p:spPr>
-      </p:pic>
-      <p:pic>
-        <p:nvPicPr>
-          <p:cNvPr id="12" name="Picture 11">
-            <a:extLst>
-              <a:ext uri="{FF2B5EF4-FFF2-40B4-BE49-F238E27FC236}">
-                <a16:creationId xmlns:a16="http://schemas.microsoft.com/office/drawing/2014/main" id="{2CFB70B6-FB80-429E-9E70-499AF9D06F7B}"/>
-              </a:ext>
-            </a:extLst>
-          </p:cNvPr>
-          <p:cNvPicPr>
-            <a:picLocks noChangeAspect="1"/>
-          </p:cNvPicPr>
-          <p:nvPr/>
-        </p:nvPicPr>
-        <p:blipFill rotWithShape="1">
-          <a:blip r:embed="rId4"/>
-          <a:srcRect l="27980" t="64318" r="21507" b="7446"/>
-          <a:stretch/>
-        </p:blipFill>
-        <p:spPr bwMode="auto">
-          <a:xfrm>
-            <a:off x="5964700" y="451396"/>
-            <a:ext cx="5918765" cy="2643497"/>
-          </a:xfrm>
-          <a:prstGeom prst="rect">
-            <a:avLst/>
-          </a:prstGeom>
-          <a:ln>
-            <a:noFill/>
-          </a:ln>
-          <a:effectLst>
-            <a:outerShdw blurRad="292100" dist="139700" dir="2700000" algn="tl" rotWithShape="0">
-              <a:srgbClr val="333333">
-                <a:alpha val="65000"/>
-              </a:srgbClr>
-            </a:outerShdw>
-          </a:effectLst>
-          <a:extLst>
-            <a:ext uri="{53640926-AAD7-44D8-BBD7-CCE9431645EC}">
-              <a14:shadowObscured xmlns:a14="http://schemas.microsoft.com/office/drawing/2010/main"/>
-            </a:ext>
-          </a:extLst>
-        </p:spPr>
-      </p:pic>
-      <p:pic>
-        <p:nvPicPr>
-          <p:cNvPr id="13" name="Picture 12">
-            <a:extLst>
-              <a:ext uri="{FF2B5EF4-FFF2-40B4-BE49-F238E27FC236}">
-                <a16:creationId xmlns:a16="http://schemas.microsoft.com/office/drawing/2014/main" id="{ED2B506C-69EC-42FE-A9D9-1E8D20A0A25A}"/>
-              </a:ext>
-            </a:extLst>
-          </p:cNvPr>
-          <p:cNvPicPr>
-            <a:picLocks noChangeAspect="1"/>
-          </p:cNvPicPr>
-          <p:nvPr/>
-        </p:nvPicPr>
-        <p:blipFill rotWithShape="1">
-          <a:blip r:embed="rId5"/>
-          <a:srcRect l="45508" t="72788" r="22566" b="8702"/>
-          <a:stretch/>
-        </p:blipFill>
-        <p:spPr bwMode="auto">
-          <a:xfrm>
-            <a:off x="5964700" y="3710354"/>
-            <a:ext cx="5836258" cy="2338754"/>
-          </a:xfrm>
-          <a:prstGeom prst="rect">
-            <a:avLst/>
-          </a:prstGeom>
-          <a:ln>
-            <a:noFill/>
-          </a:ln>
-          <a:effectLst>
-            <a:outerShdw blurRad="292100" dist="139700" dir="2700000" algn="tl" rotWithShape="0">
-              <a:srgbClr val="333333">
-                <a:alpha val="65000"/>
-              </a:srgbClr>
-            </a:outerShdw>
-          </a:effectLst>
-          <a:extLst>
-            <a:ext uri="{53640926-AAD7-44D8-BBD7-CCE9431645EC}">
-              <a14:shadowObscured xmlns:a14="http://schemas.microsoft.com/office/drawing/2010/main"/>
-            </a:ext>
-          </a:extLst>
-        </p:spPr>
-      </p:pic>
-    </p:spTree>
-    <p:extLst>
-      <p:ext uri="{BB962C8B-B14F-4D97-AF65-F5344CB8AC3E}">
-        <p14:creationId xmlns:p14="http://schemas.microsoft.com/office/powerpoint/2010/main" val="1199923901"/>
-      </p:ext>
-    </p:extLst>
-  </p:cSld>
-  <p:clrMapOvr>
-    <a:masterClrMapping/>
-  </p:clrMapOvr>
-</p:sld>
-</file>
-
-<file path=ppt/slides/slide2.xml><?xml version="1.0" encoding="utf-8"?>
-<p:sld xmlns:a="http://schemas.openxmlformats.org/drawingml/2006/main" xmlns:r="http://schemas.openxmlformats.org/officeDocument/2006/relationships" xmlns:p="http://schemas.openxmlformats.org/presentationml/2006/main">
-  <p:cSld>
-    <p:spTree>
-      <p:nvGrpSpPr>
-        <p:cNvPr id="1" name=""/>
-        <p:cNvGrpSpPr/>
-        <p:nvPr/>
-      </p:nvGrpSpPr>
-      <p:grpSpPr>
-        <a:xfrm>
-          <a:off x="0" y="0"/>
-          <a:ext cx="0" cy="0"/>
-          <a:chOff x="0" y="0"/>
-          <a:chExt cx="0" cy="0"/>
-        </a:xfrm>
-      </p:grpSpPr>
-      <p:pic>
-        <p:nvPicPr>
-          <p:cNvPr id="6" name="Picture 5" descr="Pared De Ladrillo Con Rayas De Rayas De Color Rojo Y Cemento Para El Fondo  Y El Telón De Fondo Abstracto O Fondo De Pantalla Ilustraciones  Vectoriales, Clip Art Vectorizado Libre De">
-            <a:extLst>
-              <a:ext uri="{FF2B5EF4-FFF2-40B4-BE49-F238E27FC236}">
-                <a16:creationId xmlns:a16="http://schemas.microsoft.com/office/drawing/2014/main" id="{986CC06C-EAD1-4D20-96F1-859953395575}"/>
-              </a:ext>
-            </a:extLst>
-          </p:cNvPr>
-          <p:cNvPicPr>
-            <a:picLocks noChangeAspect="1" noChangeArrowheads="1"/>
-          </p:cNvPicPr>
-          <p:nvPr/>
-        </p:nvPicPr>
-        <p:blipFill>
-          <a:blip r:embed="rId2">
-            <a:extLst>
-              <a:ext uri="{BEBA8EAE-BF5A-486C-A8C5-ECC9F3942E4B}">
-                <a14:imgProps xmlns:a14="http://schemas.microsoft.com/office/drawing/2010/main">
-                  <a14:imgLayer r:embed="rId3">
-                    <a14:imgEffect>
-                      <a14:sharpenSoften amount="-50000"/>
-                    </a14:imgEffect>
-                  </a14:imgLayer>
-                </a14:imgProps>
-              </a:ext>
-              <a:ext uri="{28A0092B-C50C-407E-A947-70E740481C1C}">
-                <a14:useLocalDpi xmlns:a14="http://schemas.microsoft.com/office/drawing/2010/main" val="0"/>
-              </a:ext>
-            </a:extLst>
-          </a:blip>
-          <a:srcRect/>
-          <a:stretch>
-            <a:fillRect/>
-          </a:stretch>
-        </p:blipFill>
-        <p:spPr bwMode="auto">
-          <a:xfrm>
-            <a:off x="1" y="-14065"/>
-            <a:ext cx="12192000" cy="6858000"/>
-          </a:xfrm>
-          <a:prstGeom prst="rect">
-            <a:avLst/>
-          </a:prstGeom>
-          <a:noFill/>
-          <a:extLst>
-            <a:ext uri="{909E8E84-426E-40DD-AFC4-6F175D3DCCD1}">
-              <a14:hiddenFill xmlns:a14="http://schemas.microsoft.com/office/drawing/2010/main">
-                <a:solidFill>
-                  <a:srgbClr val="FFFFFF"/>
-                </a:solidFill>
-              </a14:hiddenFill>
-            </a:ext>
-          </a:extLst>
-        </p:spPr>
-      </p:pic>
-      <p:sp>
-        <p:nvSpPr>
-          <p:cNvPr id="2" name="Oval 1">
-            <a:extLst>
-              <a:ext uri="{FF2B5EF4-FFF2-40B4-BE49-F238E27FC236}">
-                <a16:creationId xmlns:a16="http://schemas.microsoft.com/office/drawing/2014/main" id="{54791473-78FF-4451-AE20-DEA14E846046}"/>
-              </a:ext>
-            </a:extLst>
-          </p:cNvPr>
-          <p:cNvSpPr/>
-          <p:nvPr/>
-        </p:nvSpPr>
-        <p:spPr>
-          <a:xfrm>
-            <a:off x="211015" y="207496"/>
-            <a:ext cx="3643531" cy="3690673"/>
-          </a:xfrm>
-          <a:prstGeom prst="ellipse">
-            <a:avLst/>
-          </a:prstGeom>
-          <a:solidFill>
-            <a:srgbClr val="1D537F"/>
-          </a:solidFill>
-        </p:spPr>
-        <p:style>
-          <a:lnRef idx="2">
-            <a:schemeClr val="accent1">
-              <a:shade val="50000"/>
-            </a:schemeClr>
-          </a:lnRef>
-          <a:fillRef idx="1">
-            <a:schemeClr val="accent1"/>
-          </a:fillRef>
-          <a:effectRef idx="0">
-            <a:schemeClr val="accent1"/>
-          </a:effectRef>
-          <a:fontRef idx="minor">
-            <a:schemeClr val="lt1"/>
-          </a:fontRef>
-        </p:style>
-        <p:txBody>
-          <a:bodyPr rtlCol="0" anchor="ctr"/>
-          <a:lstStyle/>
-          <a:p>
-            <a:pPr algn="ctr"/>
-            <a:endParaRPr lang="es-ES"/>
-          </a:p>
-        </p:txBody>
-      </p:sp>
-      <p:pic>
-        <p:nvPicPr>
-          <p:cNvPr id="4" name="Picture 3">
-            <a:extLst>
-              <a:ext uri="{FF2B5EF4-FFF2-40B4-BE49-F238E27FC236}">
-                <a16:creationId xmlns:a16="http://schemas.microsoft.com/office/drawing/2014/main" id="{C52D5831-8468-4C80-96C6-C6F9B5EE9C11}"/>
-              </a:ext>
-            </a:extLst>
-          </p:cNvPr>
-          <p:cNvPicPr>
-            <a:picLocks noChangeAspect="1"/>
-          </p:cNvPicPr>
-          <p:nvPr/>
-        </p:nvPicPr>
-        <p:blipFill>
-          <a:blip r:embed="rId4">
-            <a:extLst>
-              <a:ext uri="{28A0092B-C50C-407E-A947-70E740481C1C}">
-                <a14:useLocalDpi xmlns:a14="http://schemas.microsoft.com/office/drawing/2010/main" val="0"/>
-              </a:ext>
-            </a:extLst>
-          </a:blip>
-          <a:stretch>
-            <a:fillRect/>
-          </a:stretch>
-        </p:blipFill>
-        <p:spPr>
-          <a:xfrm>
-            <a:off x="535581" y="307395"/>
-            <a:ext cx="2994398" cy="2994398"/>
-          </a:xfrm>
-          <a:prstGeom prst="rect">
-            <a:avLst/>
-          </a:prstGeom>
-        </p:spPr>
-      </p:pic>
-      <p:sp>
-        <p:nvSpPr>
-          <p:cNvPr id="5" name="TextBox 4">
-            <a:extLst>
-              <a:ext uri="{FF2B5EF4-FFF2-40B4-BE49-F238E27FC236}">
-                <a16:creationId xmlns:a16="http://schemas.microsoft.com/office/drawing/2014/main" id="{AD884BCE-66F1-4D0F-996D-D61BEFEF4554}"/>
-              </a:ext>
-            </a:extLst>
-          </p:cNvPr>
-          <p:cNvSpPr txBox="1"/>
-          <p:nvPr/>
-        </p:nvSpPr>
-        <p:spPr>
-          <a:xfrm>
-            <a:off x="372792" y="4105665"/>
-            <a:ext cx="3319976" cy="1077218"/>
-          </a:xfrm>
-          <a:prstGeom prst="rect">
-            <a:avLst/>
-          </a:prstGeom>
-          <a:noFill/>
-        </p:spPr>
-        <p:txBody>
-          <a:bodyPr wrap="square" rtlCol="0">
-            <a:spAutoFit/>
-          </a:bodyPr>
-          <a:lstStyle/>
-          <a:p>
-            <a:pPr algn="ctr"/>
-            <a:r>
-              <a:rPr lang="es-ES" sz="3200" dirty="0">
-                <a:solidFill>
-                  <a:schemeClr val="bg1"/>
-                </a:solidFill>
-                <a:latin typeface="Algerian" panose="04020705040A02060702" pitchFamily="82" charset="0"/>
-              </a:rPr>
-              <a:t>YUNISSE PEÑA</a:t>
-            </a:r>
-          </a:p>
-          <a:p>
-            <a:pPr algn="ctr"/>
-            <a:r>
-              <a:rPr lang="es-ES" sz="3200" dirty="0">
-                <a:solidFill>
-                  <a:schemeClr val="bg1"/>
-                </a:solidFill>
-                <a:latin typeface="Algerian" panose="04020705040A02060702" pitchFamily="82" charset="0"/>
-              </a:rPr>
-              <a:t>1-18-2568</a:t>
-            </a:r>
-          </a:p>
-        </p:txBody>
-      </p:sp>
-      <p:sp>
-        <p:nvSpPr>
-          <p:cNvPr id="7" name="Oval 6">
-            <a:extLst>
-              <a:ext uri="{FF2B5EF4-FFF2-40B4-BE49-F238E27FC236}">
-                <a16:creationId xmlns:a16="http://schemas.microsoft.com/office/drawing/2014/main" id="{2A177321-2612-4CA1-A9E7-593B460CD957}"/>
-              </a:ext>
-            </a:extLst>
-          </p:cNvPr>
-          <p:cNvSpPr/>
-          <p:nvPr/>
-        </p:nvSpPr>
-        <p:spPr>
-          <a:xfrm>
-            <a:off x="4362156" y="207496"/>
-            <a:ext cx="3643531" cy="3690673"/>
-          </a:xfrm>
-          <a:prstGeom prst="ellipse">
-            <a:avLst/>
-          </a:prstGeom>
-          <a:solidFill>
-            <a:srgbClr val="1D537F"/>
-          </a:solidFill>
-        </p:spPr>
-        <p:style>
-          <a:lnRef idx="2">
-            <a:schemeClr val="accent1">
-              <a:shade val="50000"/>
-            </a:schemeClr>
-          </a:lnRef>
-          <a:fillRef idx="1">
-            <a:schemeClr val="accent1"/>
-          </a:fillRef>
-          <a:effectRef idx="0">
-            <a:schemeClr val="accent1"/>
-          </a:effectRef>
-          <a:fontRef idx="minor">
-            <a:schemeClr val="lt1"/>
-          </a:fontRef>
-        </p:style>
-        <p:txBody>
-          <a:bodyPr rtlCol="0" anchor="ctr"/>
-          <a:lstStyle/>
-          <a:p>
-            <a:pPr algn="ctr"/>
-            <a:endParaRPr lang="es-ES"/>
-          </a:p>
-        </p:txBody>
-      </p:sp>
-      <p:sp>
-        <p:nvSpPr>
-          <p:cNvPr id="8" name="TextBox 7">
-            <a:extLst>
-              <a:ext uri="{FF2B5EF4-FFF2-40B4-BE49-F238E27FC236}">
-                <a16:creationId xmlns:a16="http://schemas.microsoft.com/office/drawing/2014/main" id="{828BCB66-DA9F-49D9-BA99-BF98AC30019B}"/>
-              </a:ext>
-            </a:extLst>
-          </p:cNvPr>
-          <p:cNvSpPr txBox="1"/>
-          <p:nvPr/>
-        </p:nvSpPr>
-        <p:spPr>
-          <a:xfrm>
-            <a:off x="4523933" y="4105665"/>
-            <a:ext cx="3319976" cy="1077218"/>
-          </a:xfrm>
-          <a:prstGeom prst="rect">
-            <a:avLst/>
-          </a:prstGeom>
-          <a:noFill/>
-        </p:spPr>
-        <p:txBody>
-          <a:bodyPr wrap="square" rtlCol="0">
-            <a:spAutoFit/>
-          </a:bodyPr>
-          <a:lstStyle/>
-          <a:p>
-            <a:pPr algn="ctr"/>
-            <a:r>
-              <a:rPr lang="es-ES" sz="3200" dirty="0">
-                <a:solidFill>
-                  <a:schemeClr val="bg1"/>
-                </a:solidFill>
-                <a:latin typeface="Algerian" panose="04020705040A02060702" pitchFamily="82" charset="0"/>
-              </a:rPr>
-              <a:t>Félix </a:t>
-            </a:r>
-            <a:r>
-              <a:rPr lang="es-ES" sz="3200" dirty="0" err="1">
-                <a:solidFill>
-                  <a:schemeClr val="bg1"/>
-                </a:solidFill>
-                <a:latin typeface="Algerian" panose="04020705040A02060702" pitchFamily="82" charset="0"/>
-              </a:rPr>
-              <a:t>tavárez</a:t>
-            </a:r>
-            <a:endParaRPr lang="es-ES" sz="3200" dirty="0">
-              <a:solidFill>
-                <a:schemeClr val="bg1"/>
-              </a:solidFill>
-              <a:latin typeface="Algerian" panose="04020705040A02060702" pitchFamily="82" charset="0"/>
-            </a:endParaRPr>
-          </a:p>
-          <a:p>
-            <a:pPr algn="ctr"/>
-            <a:r>
-              <a:rPr lang="es-ES" sz="3200" dirty="0">
-                <a:solidFill>
-                  <a:schemeClr val="bg1"/>
-                </a:solidFill>
-                <a:latin typeface="Algerian" panose="04020705040A02060702" pitchFamily="82" charset="0"/>
-              </a:rPr>
-              <a:t>1-16-0293</a:t>
-            </a:r>
-          </a:p>
-        </p:txBody>
-      </p:sp>
-      <p:sp>
-        <p:nvSpPr>
-          <p:cNvPr id="9" name="Oval 8">
-            <a:extLst>
-              <a:ext uri="{FF2B5EF4-FFF2-40B4-BE49-F238E27FC236}">
-                <a16:creationId xmlns:a16="http://schemas.microsoft.com/office/drawing/2014/main" id="{AEE68490-48B3-42BB-9E66-BF0B076A3C6E}"/>
-              </a:ext>
-            </a:extLst>
-          </p:cNvPr>
-          <p:cNvSpPr/>
-          <p:nvPr/>
-        </p:nvSpPr>
-        <p:spPr>
-          <a:xfrm>
-            <a:off x="8421273" y="207496"/>
-            <a:ext cx="3643531" cy="3690673"/>
-          </a:xfrm>
-          <a:prstGeom prst="ellipse">
-            <a:avLst/>
-          </a:prstGeom>
-          <a:solidFill>
-            <a:srgbClr val="1D537F"/>
-          </a:solidFill>
-        </p:spPr>
-        <p:style>
-          <a:lnRef idx="2">
-            <a:schemeClr val="accent1">
-              <a:shade val="50000"/>
-            </a:schemeClr>
-          </a:lnRef>
-          <a:fillRef idx="1">
-            <a:schemeClr val="accent1"/>
-          </a:fillRef>
-          <a:effectRef idx="0">
-            <a:schemeClr val="accent1"/>
-          </a:effectRef>
-          <a:fontRef idx="minor">
-            <a:schemeClr val="lt1"/>
-          </a:fontRef>
-        </p:style>
-        <p:txBody>
-          <a:bodyPr rtlCol="0" anchor="ctr"/>
-          <a:lstStyle/>
-          <a:p>
-            <a:pPr algn="ctr"/>
-            <a:endParaRPr lang="es-ES"/>
-          </a:p>
-        </p:txBody>
-      </p:sp>
-      <p:sp>
-        <p:nvSpPr>
-          <p:cNvPr id="10" name="TextBox 9">
-            <a:extLst>
-              <a:ext uri="{FF2B5EF4-FFF2-40B4-BE49-F238E27FC236}">
-                <a16:creationId xmlns:a16="http://schemas.microsoft.com/office/drawing/2014/main" id="{ECA31044-16F6-406B-8030-CEB5D3C33BFB}"/>
-              </a:ext>
-            </a:extLst>
-          </p:cNvPr>
-          <p:cNvSpPr txBox="1"/>
-          <p:nvPr/>
-        </p:nvSpPr>
-        <p:spPr>
-          <a:xfrm>
-            <a:off x="8132882" y="4105665"/>
-            <a:ext cx="4059117" cy="1077218"/>
-          </a:xfrm>
-          <a:prstGeom prst="rect">
-            <a:avLst/>
-          </a:prstGeom>
-          <a:noFill/>
-        </p:spPr>
-        <p:txBody>
-          <a:bodyPr wrap="square" rtlCol="0">
-            <a:spAutoFit/>
-          </a:bodyPr>
-          <a:lstStyle/>
-          <a:p>
-            <a:pPr algn="ctr"/>
-            <a:r>
-              <a:rPr lang="es-ES" sz="3200" dirty="0">
-                <a:solidFill>
-                  <a:schemeClr val="bg1"/>
-                </a:solidFill>
-                <a:latin typeface="Algerian" panose="04020705040A02060702" pitchFamily="82" charset="0"/>
-              </a:rPr>
-              <a:t>ESMIRNA ESTRELLA</a:t>
-            </a:r>
-          </a:p>
-          <a:p>
-            <a:pPr algn="ctr"/>
-            <a:r>
-              <a:rPr lang="es-ES" sz="3200" dirty="0">
-                <a:solidFill>
-                  <a:schemeClr val="bg1"/>
-                </a:solidFill>
-                <a:latin typeface="Algerian" panose="04020705040A02060702" pitchFamily="82" charset="0"/>
-              </a:rPr>
-              <a:t>1-17-1556</a:t>
-            </a:r>
-          </a:p>
-        </p:txBody>
-      </p:sp>
-      <p:pic>
-        <p:nvPicPr>
-          <p:cNvPr id="11" name="Picture 10">
-            <a:extLst>
-              <a:ext uri="{FF2B5EF4-FFF2-40B4-BE49-F238E27FC236}">
-                <a16:creationId xmlns:a16="http://schemas.microsoft.com/office/drawing/2014/main" id="{3D4BE659-CC3E-4F76-B2C8-229470F821AB}"/>
-              </a:ext>
-            </a:extLst>
-          </p:cNvPr>
-          <p:cNvPicPr>
-            <a:picLocks noChangeAspect="1"/>
-          </p:cNvPicPr>
-          <p:nvPr/>
-        </p:nvPicPr>
-        <p:blipFill>
-          <a:blip r:embed="rId4">
-            <a:extLst>
-              <a:ext uri="{28A0092B-C50C-407E-A947-70E740481C1C}">
-                <a14:useLocalDpi xmlns:a14="http://schemas.microsoft.com/office/drawing/2010/main" val="0"/>
-              </a:ext>
-            </a:extLst>
-          </a:blip>
-          <a:stretch>
-            <a:fillRect/>
-          </a:stretch>
-        </p:blipFill>
-        <p:spPr>
-          <a:xfrm>
-            <a:off x="4686722" y="265194"/>
-            <a:ext cx="2994398" cy="2994398"/>
-          </a:xfrm>
-          <a:prstGeom prst="rect">
-            <a:avLst/>
-          </a:prstGeom>
-        </p:spPr>
-      </p:pic>
-      <p:pic>
-        <p:nvPicPr>
-          <p:cNvPr id="12" name="Picture 11">
-            <a:extLst>
-              <a:ext uri="{FF2B5EF4-FFF2-40B4-BE49-F238E27FC236}">
-                <a16:creationId xmlns:a16="http://schemas.microsoft.com/office/drawing/2014/main" id="{0AACB119-399C-43CE-B1BA-14F6DA390FD9}"/>
-              </a:ext>
-            </a:extLst>
-          </p:cNvPr>
-          <p:cNvPicPr>
-            <a:picLocks noChangeAspect="1"/>
-          </p:cNvPicPr>
-          <p:nvPr/>
-        </p:nvPicPr>
-        <p:blipFill>
-          <a:blip r:embed="rId4">
-            <a:extLst>
-              <a:ext uri="{28A0092B-C50C-407E-A947-70E740481C1C}">
-                <a14:useLocalDpi xmlns:a14="http://schemas.microsoft.com/office/drawing/2010/main" val="0"/>
-              </a:ext>
-            </a:extLst>
-          </a:blip>
-          <a:stretch>
-            <a:fillRect/>
-          </a:stretch>
-        </p:blipFill>
-        <p:spPr>
-          <a:xfrm>
-            <a:off x="8745839" y="246264"/>
-            <a:ext cx="2994398" cy="2994398"/>
-          </a:xfrm>
-          <a:prstGeom prst="rect">
-            <a:avLst/>
-          </a:prstGeom>
-        </p:spPr>
-      </p:pic>
-    </p:spTree>
-    <p:extLst>
-      <p:ext uri="{BB962C8B-B14F-4D97-AF65-F5344CB8AC3E}">
-        <p14:creationId xmlns:p14="http://schemas.microsoft.com/office/powerpoint/2010/main" val="935576052"/>
-      </p:ext>
-    </p:extLst>
-  </p:cSld>
-  <p:clrMapOvr>
-    <a:masterClrMapping/>
-  </p:clrMapOvr>
-</p:sld>
-</file>
-
-<file path=ppt/slides/slide3.xml><?xml version="1.0" encoding="utf-8"?>
-<p:sld xmlns:a="http://schemas.openxmlformats.org/drawingml/2006/main" xmlns:r="http://schemas.openxmlformats.org/officeDocument/2006/relationships" xmlns:p="http://schemas.openxmlformats.org/presentationml/2006/main">
-  <p:cSld>
-    <p:spTree>
-      <p:nvGrpSpPr>
-        <p:cNvPr id="1" name=""/>
-        <p:cNvGrpSpPr/>
-        <p:nvPr/>
-      </p:nvGrpSpPr>
-      <p:grpSpPr>
-        <a:xfrm>
-          <a:off x="0" y="0"/>
-          <a:ext cx="0" cy="0"/>
-          <a:chOff x="0" y="0"/>
-          <a:chExt cx="0" cy="0"/>
-        </a:xfrm>
-      </p:grpSpPr>
-      <p:pic>
-        <p:nvPicPr>
-          <p:cNvPr id="1026" name="Picture 2" descr="Pared De Ladrillo Con Rayas De Rayas De Color Rojo Y Cemento Para El Fondo  Y El Telón De Fondo Abstracto O Fondo De Pantalla Ilustraciones  Vectoriales, Clip Art Vectorizado Libre De">
-            <a:extLst>
-              <a:ext uri="{FF2B5EF4-FFF2-40B4-BE49-F238E27FC236}">
-                <a16:creationId xmlns:a16="http://schemas.microsoft.com/office/drawing/2014/main" id="{5AB1F342-1DCC-4AE7-89F4-EC4A9F847A4D}"/>
-              </a:ext>
-            </a:extLst>
-          </p:cNvPr>
-          <p:cNvPicPr>
-            <a:picLocks noChangeAspect="1" noChangeArrowheads="1"/>
-          </p:cNvPicPr>
-          <p:nvPr/>
-        </p:nvPicPr>
-        <p:blipFill>
-          <a:blip r:embed="rId2">
-            <a:extLst>
-              <a:ext uri="{BEBA8EAE-BF5A-486C-A8C5-ECC9F3942E4B}">
-                <a14:imgProps xmlns:a14="http://schemas.microsoft.com/office/drawing/2010/main">
-                  <a14:imgLayer r:embed="rId3">
-                    <a14:imgEffect>
-                      <a14:sharpenSoften amount="-50000"/>
-                    </a14:imgEffect>
-                  </a14:imgLayer>
-                </a14:imgProps>
-              </a:ext>
-              <a:ext uri="{28A0092B-C50C-407E-A947-70E740481C1C}">
-                <a14:useLocalDpi xmlns:a14="http://schemas.microsoft.com/office/drawing/2010/main" val="0"/>
-              </a:ext>
-            </a:extLst>
-          </a:blip>
-          <a:srcRect/>
-          <a:stretch>
-            <a:fillRect/>
-          </a:stretch>
-        </p:blipFill>
-        <p:spPr bwMode="auto">
-          <a:xfrm>
-            <a:off x="0" y="-31652"/>
-            <a:ext cx="7404019" cy="6889652"/>
-          </a:xfrm>
-          <a:prstGeom prst="rect">
-            <a:avLst/>
-          </a:prstGeom>
-          <a:noFill/>
-          <a:extLst>
-            <a:ext uri="{909E8E84-426E-40DD-AFC4-6F175D3DCCD1}">
-              <a14:hiddenFill xmlns:a14="http://schemas.microsoft.com/office/drawing/2010/main">
-                <a:solidFill>
-                  <a:srgbClr val="FFFFFF"/>
-                </a:solidFill>
-              </a14:hiddenFill>
-            </a:ext>
-          </a:extLst>
-        </p:spPr>
-      </p:pic>
-      <p:sp>
-        <p:nvSpPr>
-          <p:cNvPr id="6" name="TextBox 5">
-            <a:extLst>
-              <a:ext uri="{FF2B5EF4-FFF2-40B4-BE49-F238E27FC236}">
-                <a16:creationId xmlns:a16="http://schemas.microsoft.com/office/drawing/2014/main" id="{C3D56AFF-ABE8-4925-93A9-8729DEDF5380}"/>
-              </a:ext>
-            </a:extLst>
-          </p:cNvPr>
-          <p:cNvSpPr txBox="1"/>
-          <p:nvPr/>
-        </p:nvSpPr>
-        <p:spPr>
-          <a:xfrm>
-            <a:off x="8032652" y="3044279"/>
-            <a:ext cx="3610709" cy="769441"/>
-          </a:xfrm>
-          <a:prstGeom prst="rect">
-            <a:avLst/>
-          </a:prstGeom>
-          <a:noFill/>
-        </p:spPr>
-        <p:txBody>
-          <a:bodyPr wrap="square" rtlCol="0">
-            <a:spAutoFit/>
-          </a:bodyPr>
-          <a:lstStyle/>
-          <a:p>
-            <a:pPr algn="ctr"/>
-            <a:r>
-              <a:rPr lang="es-ES" sz="4400" dirty="0">
-                <a:solidFill>
-                  <a:srgbClr val="FFC000"/>
-                </a:solidFill>
-                <a:latin typeface="Algerian" panose="04020705040A02060702" pitchFamily="82" charset="0"/>
-              </a:rPr>
-              <a:t>Descripción </a:t>
-            </a:r>
-          </a:p>
-        </p:txBody>
-      </p:sp>
-      <p:sp>
-        <p:nvSpPr>
-          <p:cNvPr id="2" name="TextBox 1">
-            <a:extLst>
-              <a:ext uri="{FF2B5EF4-FFF2-40B4-BE49-F238E27FC236}">
-                <a16:creationId xmlns:a16="http://schemas.microsoft.com/office/drawing/2014/main" id="{673B9F91-B802-4780-8C7C-C788F2828C06}"/>
-              </a:ext>
-            </a:extLst>
-          </p:cNvPr>
-          <p:cNvSpPr txBox="1"/>
-          <p:nvPr/>
-        </p:nvSpPr>
-        <p:spPr>
-          <a:xfrm>
-            <a:off x="548639" y="2386867"/>
-            <a:ext cx="6622473" cy="2052613"/>
-          </a:xfrm>
-          <a:prstGeom prst="rect">
-            <a:avLst/>
-          </a:prstGeom>
-          <a:noFill/>
-        </p:spPr>
-        <p:txBody>
-          <a:bodyPr wrap="square" rtlCol="0">
-            <a:spAutoFit/>
-          </a:bodyPr>
-          <a:lstStyle/>
-          <a:p>
-            <a:pPr lvl="0" algn="just">
-              <a:lnSpc>
-                <a:spcPct val="107000"/>
-              </a:lnSpc>
-              <a:spcAft>
-                <a:spcPts val="800"/>
-              </a:spcAft>
-            </a:pPr>
-            <a:r>
-              <a:rPr lang="es-ES" sz="2400" b="1" dirty="0">
-                <a:solidFill>
-                  <a:schemeClr val="bg1"/>
-                </a:solidFill>
-                <a:effectLst/>
-                <a:latin typeface="Cambria" panose="02040503050406030204" pitchFamily="18" charset="0"/>
-                <a:ea typeface="Calibri" panose="020F0502020204030204" pitchFamily="34" charset="0"/>
-                <a:cs typeface="Times New Roman" panose="02020603050405020304" pitchFamily="18" charset="0"/>
-              </a:rPr>
-              <a:t>El juego a presentar llamado Jumping Guy es un juego de tipo arcade, el cual está basado en la superación de obstáculos y recolección de monedas.</a:t>
-            </a:r>
-            <a:r>
-              <a:rPr lang="es-ES" sz="1800" dirty="0">
-                <a:effectLst/>
-                <a:latin typeface="Cambria" panose="02040503050406030204" pitchFamily="18" charset="0"/>
-                <a:ea typeface="Calibri" panose="020F0502020204030204" pitchFamily="34" charset="0"/>
-                <a:cs typeface="Times New Roman" panose="02020603050405020304" pitchFamily="18" charset="0"/>
-              </a:rPr>
-              <a:t> </a:t>
-            </a:r>
-            <a:endParaRPr lang="es-ES" sz="1800" dirty="0">
-              <a:effectLst/>
-              <a:latin typeface="Calibri" panose="020F0502020204030204" pitchFamily="34" charset="0"/>
-              <a:ea typeface="Calibri" panose="020F0502020204030204" pitchFamily="34" charset="0"/>
-              <a:cs typeface="Times New Roman" panose="02020603050405020304" pitchFamily="18" charset="0"/>
-            </a:endParaRPr>
-          </a:p>
-          <a:p>
-            <a:endParaRPr lang="es-ES" dirty="0"/>
-          </a:p>
-        </p:txBody>
-      </p:sp>
-    </p:spTree>
-    <p:extLst>
-      <p:ext uri="{BB962C8B-B14F-4D97-AF65-F5344CB8AC3E}">
-        <p14:creationId xmlns:p14="http://schemas.microsoft.com/office/powerpoint/2010/main" val="2873890435"/>
-      </p:ext>
-    </p:extLst>
-  </p:cSld>
-  <p:clrMapOvr>
-    <a:masterClrMapping/>
-  </p:clrMapOvr>
-</p:sld>
-</file>
-
-<file path=ppt/slides/slide4.xml><?xml version="1.0" encoding="utf-8"?>
-<p:sld xmlns:a="http://schemas.openxmlformats.org/drawingml/2006/main" xmlns:r="http://schemas.openxmlformats.org/officeDocument/2006/relationships" xmlns:p="http://schemas.openxmlformats.org/presentationml/2006/main">
-  <p:cSld>
-    <p:spTree>
-      <p:nvGrpSpPr>
-        <p:cNvPr id="1" name=""/>
-        <p:cNvGrpSpPr/>
-        <p:nvPr/>
-      </p:nvGrpSpPr>
-      <p:grpSpPr>
-        <a:xfrm>
-          <a:off x="0" y="0"/>
-          <a:ext cx="0" cy="0"/>
-          <a:chOff x="0" y="0"/>
-          <a:chExt cx="0" cy="0"/>
-        </a:xfrm>
-      </p:grpSpPr>
-      <p:pic>
-        <p:nvPicPr>
-          <p:cNvPr id="1026" name="Picture 2" descr="Pared De Ladrillo Con Rayas De Rayas De Color Rojo Y Cemento Para El Fondo  Y El Telón De Fondo Abstracto O Fondo De Pantalla Ilustraciones  Vectoriales, Clip Art Vectorizado Libre De">
-            <a:extLst>
-              <a:ext uri="{FF2B5EF4-FFF2-40B4-BE49-F238E27FC236}">
-                <a16:creationId xmlns:a16="http://schemas.microsoft.com/office/drawing/2014/main" id="{5AB1F342-1DCC-4AE7-89F4-EC4A9F847A4D}"/>
-              </a:ext>
-            </a:extLst>
-          </p:cNvPr>
-          <p:cNvPicPr>
-            <a:picLocks noChangeAspect="1" noChangeArrowheads="1"/>
-          </p:cNvPicPr>
-          <p:nvPr/>
-        </p:nvPicPr>
-        <p:blipFill>
-          <a:blip r:embed="rId2">
-            <a:extLst>
-              <a:ext uri="{BEBA8EAE-BF5A-486C-A8C5-ECC9F3942E4B}">
-                <a14:imgProps xmlns:a14="http://schemas.microsoft.com/office/drawing/2010/main">
-                  <a14:imgLayer r:embed="rId3">
-                    <a14:imgEffect>
-                      <a14:sharpenSoften amount="-50000"/>
-                    </a14:imgEffect>
-                  </a14:imgLayer>
-                </a14:imgProps>
-              </a:ext>
-              <a:ext uri="{28A0092B-C50C-407E-A947-70E740481C1C}">
-                <a14:useLocalDpi xmlns:a14="http://schemas.microsoft.com/office/drawing/2010/main" val="0"/>
-              </a:ext>
-            </a:extLst>
-          </a:blip>
-          <a:srcRect/>
-          <a:stretch>
-            <a:fillRect/>
-          </a:stretch>
-        </p:blipFill>
-        <p:spPr bwMode="auto">
-          <a:xfrm>
-            <a:off x="0" y="-31652"/>
-            <a:ext cx="7404019" cy="6889652"/>
-          </a:xfrm>
-          <a:prstGeom prst="rect">
-            <a:avLst/>
-          </a:prstGeom>
-          <a:noFill/>
-          <a:extLst>
-            <a:ext uri="{909E8E84-426E-40DD-AFC4-6F175D3DCCD1}">
-              <a14:hiddenFill xmlns:a14="http://schemas.microsoft.com/office/drawing/2010/main">
-                <a:solidFill>
-                  <a:srgbClr val="FFFFFF"/>
-                </a:solidFill>
-              </a14:hiddenFill>
-            </a:ext>
-          </a:extLst>
-        </p:spPr>
-      </p:pic>
-      <p:sp>
-        <p:nvSpPr>
-          <p:cNvPr id="6" name="TextBox 5">
-            <a:extLst>
-              <a:ext uri="{FF2B5EF4-FFF2-40B4-BE49-F238E27FC236}">
-                <a16:creationId xmlns:a16="http://schemas.microsoft.com/office/drawing/2014/main" id="{C3D56AFF-ABE8-4925-93A9-8729DEDF5380}"/>
-              </a:ext>
-            </a:extLst>
-          </p:cNvPr>
-          <p:cNvSpPr txBox="1"/>
-          <p:nvPr/>
-        </p:nvSpPr>
-        <p:spPr>
-          <a:xfrm>
-            <a:off x="7582486" y="2921168"/>
-            <a:ext cx="4417255" cy="923330"/>
-          </a:xfrm>
-          <a:prstGeom prst="rect">
-            <a:avLst/>
-          </a:prstGeom>
-          <a:noFill/>
-        </p:spPr>
-        <p:txBody>
-          <a:bodyPr wrap="square" rtlCol="0">
-            <a:spAutoFit/>
-          </a:bodyPr>
-          <a:lstStyle/>
-          <a:p>
-            <a:pPr algn="ctr"/>
-            <a:r>
-              <a:rPr lang="es-ES" sz="5400" dirty="0">
-                <a:solidFill>
-                  <a:srgbClr val="FFC000"/>
-                </a:solidFill>
-                <a:latin typeface="Algerian" panose="04020705040A02060702" pitchFamily="82" charset="0"/>
-              </a:rPr>
-              <a:t>Motivación </a:t>
-            </a:r>
-          </a:p>
-        </p:txBody>
-      </p:sp>
-      <p:sp>
-        <p:nvSpPr>
-          <p:cNvPr id="2" name="TextBox 1">
-            <a:extLst>
-              <a:ext uri="{FF2B5EF4-FFF2-40B4-BE49-F238E27FC236}">
-                <a16:creationId xmlns:a16="http://schemas.microsoft.com/office/drawing/2014/main" id="{673B9F91-B802-4780-8C7C-C788F2828C06}"/>
-              </a:ext>
-            </a:extLst>
-          </p:cNvPr>
-          <p:cNvSpPr txBox="1"/>
-          <p:nvPr/>
-        </p:nvSpPr>
-        <p:spPr>
-          <a:xfrm>
-            <a:off x="390772" y="557114"/>
-            <a:ext cx="6622473" cy="6019533"/>
-          </a:xfrm>
-          <a:prstGeom prst="rect">
-            <a:avLst/>
-          </a:prstGeom>
-          <a:noFill/>
-        </p:spPr>
-        <p:txBody>
-          <a:bodyPr wrap="square" rtlCol="0">
-            <a:spAutoFit/>
-          </a:bodyPr>
-          <a:lstStyle/>
-          <a:p>
-            <a:pPr lvl="0" algn="just">
-              <a:lnSpc>
-                <a:spcPct val="107000"/>
-              </a:lnSpc>
-              <a:spcAft>
-                <a:spcPts val="800"/>
-              </a:spcAft>
-            </a:pPr>
-            <a:r>
-              <a:rPr lang="es-ES" sz="2400" b="1" dirty="0">
-                <a:solidFill>
-                  <a:schemeClr val="bg1"/>
-                </a:solidFill>
-                <a:effectLst/>
-                <a:latin typeface="Cambria" panose="02040503050406030204" pitchFamily="18" charset="0"/>
-                <a:ea typeface="Calibri" panose="020F0502020204030204" pitchFamily="34" charset="0"/>
-                <a:cs typeface="Times New Roman" panose="02020603050405020304" pitchFamily="18" charset="0"/>
-              </a:rPr>
-              <a:t>a.	Originalidad de la idea:</a:t>
-            </a:r>
-          </a:p>
-          <a:p>
-            <a:pPr lvl="0" algn="just">
-              <a:lnSpc>
-                <a:spcPct val="107000"/>
-              </a:lnSpc>
-              <a:spcAft>
-                <a:spcPts val="800"/>
-              </a:spcAft>
-            </a:pPr>
-            <a:r>
-              <a:rPr lang="es-ES" sz="2400" b="1" dirty="0">
-                <a:solidFill>
-                  <a:schemeClr val="bg1"/>
-                </a:solidFill>
-                <a:effectLst/>
-                <a:latin typeface="Cambria" panose="02040503050406030204" pitchFamily="18" charset="0"/>
-                <a:ea typeface="Calibri" panose="020F0502020204030204" pitchFamily="34" charset="0"/>
-                <a:cs typeface="Times New Roman" panose="02020603050405020304" pitchFamily="18" charset="0"/>
-              </a:rPr>
-              <a:t>La motivación para desarrollar este videojuego está dada por el videojuego Cromo Dino, con la intención de darle más vida y colores; de la misma manera integrando características, las cuales agregan diversión y de la misma manera generando buena experiencia al momento de jugarlo.</a:t>
-            </a:r>
-          </a:p>
-          <a:p>
-            <a:pPr lvl="0" algn="just">
-              <a:lnSpc>
-                <a:spcPct val="107000"/>
-              </a:lnSpc>
-              <a:spcAft>
-                <a:spcPts val="800"/>
-              </a:spcAft>
-            </a:pPr>
-            <a:endParaRPr lang="es-ES" sz="2400" b="1" dirty="0">
-              <a:solidFill>
-                <a:schemeClr val="bg1"/>
-              </a:solidFill>
-              <a:effectLst/>
-              <a:latin typeface="Cambria" panose="02040503050406030204" pitchFamily="18" charset="0"/>
-              <a:ea typeface="Calibri" panose="020F0502020204030204" pitchFamily="34" charset="0"/>
-              <a:cs typeface="Times New Roman" panose="02020603050405020304" pitchFamily="18" charset="0"/>
-            </a:endParaRPr>
-          </a:p>
-          <a:p>
-            <a:pPr lvl="0" algn="just">
-              <a:lnSpc>
-                <a:spcPct val="107000"/>
-              </a:lnSpc>
-              <a:spcAft>
-                <a:spcPts val="800"/>
-              </a:spcAft>
-            </a:pPr>
-            <a:r>
-              <a:rPr lang="es-ES" sz="2400" b="1" dirty="0">
-                <a:solidFill>
-                  <a:schemeClr val="bg1"/>
-                </a:solidFill>
-                <a:effectLst/>
-                <a:latin typeface="Cambria" panose="02040503050406030204" pitchFamily="18" charset="0"/>
-                <a:ea typeface="Calibri" panose="020F0502020204030204" pitchFamily="34" charset="0"/>
-                <a:cs typeface="Times New Roman" panose="02020603050405020304" pitchFamily="18" charset="0"/>
-              </a:rPr>
-              <a:t>b.	Estado del Arte</a:t>
-            </a:r>
-          </a:p>
-          <a:p>
-            <a:pPr lvl="0" algn="just">
-              <a:lnSpc>
-                <a:spcPct val="107000"/>
-              </a:lnSpc>
-              <a:spcAft>
-                <a:spcPts val="800"/>
-              </a:spcAft>
-            </a:pPr>
-            <a:r>
-              <a:rPr lang="es-ES" sz="2400" b="1" dirty="0">
-                <a:solidFill>
-                  <a:schemeClr val="bg1"/>
-                </a:solidFill>
-                <a:effectLst/>
-                <a:latin typeface="Cambria" panose="02040503050406030204" pitchFamily="18" charset="0"/>
-                <a:ea typeface="Calibri" panose="020F0502020204030204" pitchFamily="34" charset="0"/>
-                <a:cs typeface="Times New Roman" panose="02020603050405020304" pitchFamily="18" charset="0"/>
-              </a:rPr>
-              <a:t>Este estado de arte busca ver cuando aceptado a la relajación de los jugadores puede llegar a ser</a:t>
-            </a:r>
-          </a:p>
-          <a:p>
-            <a:endParaRPr lang="es-ES" dirty="0"/>
-          </a:p>
-        </p:txBody>
-      </p:sp>
-    </p:spTree>
-    <p:extLst>
-      <p:ext uri="{BB962C8B-B14F-4D97-AF65-F5344CB8AC3E}">
-        <p14:creationId xmlns:p14="http://schemas.microsoft.com/office/powerpoint/2010/main" val="72483946"/>
-      </p:ext>
-    </p:extLst>
-  </p:cSld>
-  <p:clrMapOvr>
-    <a:masterClrMapping/>
-  </p:clrMapOvr>
-</p:sld>
-</file>
-
-<file path=ppt/slides/slide5.xml><?xml version="1.0" encoding="utf-8"?>
-<p:sld xmlns:a="http://schemas.openxmlformats.org/drawingml/2006/main" xmlns:r="http://schemas.openxmlformats.org/officeDocument/2006/relationships" xmlns:p="http://schemas.openxmlformats.org/presentationml/2006/main">
-  <p:cSld>
-    <p:spTree>
-      <p:nvGrpSpPr>
-        <p:cNvPr id="1" name=""/>
-        <p:cNvGrpSpPr/>
-        <p:nvPr/>
-      </p:nvGrpSpPr>
-      <p:grpSpPr>
-        <a:xfrm>
-          <a:off x="0" y="0"/>
-          <a:ext cx="0" cy="0"/>
-          <a:chOff x="0" y="0"/>
-          <a:chExt cx="0" cy="0"/>
-        </a:xfrm>
-      </p:grpSpPr>
-      <p:pic>
-        <p:nvPicPr>
-          <p:cNvPr id="1026" name="Picture 2" descr="Pared De Ladrillo Con Rayas De Rayas De Color Rojo Y Cemento Para El Fondo  Y El Telón De Fondo Abstracto O Fondo De Pantalla Ilustraciones  Vectoriales, Clip Art Vectorizado Libre De">
-            <a:extLst>
-              <a:ext uri="{FF2B5EF4-FFF2-40B4-BE49-F238E27FC236}">
-                <a16:creationId xmlns:a16="http://schemas.microsoft.com/office/drawing/2014/main" id="{5AB1F342-1DCC-4AE7-89F4-EC4A9F847A4D}"/>
-              </a:ext>
-            </a:extLst>
-          </p:cNvPr>
-          <p:cNvPicPr>
-            <a:picLocks noChangeAspect="1" noChangeArrowheads="1"/>
-          </p:cNvPicPr>
-          <p:nvPr/>
-        </p:nvPicPr>
-        <p:blipFill>
-          <a:blip r:embed="rId2">
-            <a:extLst>
-              <a:ext uri="{BEBA8EAE-BF5A-486C-A8C5-ECC9F3942E4B}">
-                <a14:imgProps xmlns:a14="http://schemas.microsoft.com/office/drawing/2010/main">
-                  <a14:imgLayer r:embed="rId3">
-                    <a14:imgEffect>
-                      <a14:sharpenSoften amount="-50000"/>
-                    </a14:imgEffect>
-                  </a14:imgLayer>
-                </a14:imgProps>
-              </a:ext>
-              <a:ext uri="{28A0092B-C50C-407E-A947-70E740481C1C}">
-                <a14:useLocalDpi xmlns:a14="http://schemas.microsoft.com/office/drawing/2010/main" val="0"/>
-              </a:ext>
-            </a:extLst>
-          </a:blip>
-          <a:srcRect/>
-          <a:stretch>
-            <a:fillRect/>
-          </a:stretch>
-        </p:blipFill>
-        <p:spPr bwMode="auto">
-          <a:xfrm>
-            <a:off x="0" y="-31652"/>
-            <a:ext cx="7404019" cy="6889652"/>
-          </a:xfrm>
-          <a:prstGeom prst="rect">
-            <a:avLst/>
-          </a:prstGeom>
-          <a:noFill/>
-          <a:extLst>
-            <a:ext uri="{909E8E84-426E-40DD-AFC4-6F175D3DCCD1}">
-              <a14:hiddenFill xmlns:a14="http://schemas.microsoft.com/office/drawing/2010/main">
-                <a:solidFill>
-                  <a:srgbClr val="FFFFFF"/>
-                </a:solidFill>
-              </a14:hiddenFill>
-            </a:ext>
-          </a:extLst>
-        </p:spPr>
-      </p:pic>
-      <p:sp>
-        <p:nvSpPr>
-          <p:cNvPr id="6" name="TextBox 5">
-            <a:extLst>
-              <a:ext uri="{FF2B5EF4-FFF2-40B4-BE49-F238E27FC236}">
-                <a16:creationId xmlns:a16="http://schemas.microsoft.com/office/drawing/2014/main" id="{C3D56AFF-ABE8-4925-93A9-8729DEDF5380}"/>
-              </a:ext>
-            </a:extLst>
-          </p:cNvPr>
-          <p:cNvSpPr txBox="1"/>
-          <p:nvPr/>
-        </p:nvSpPr>
-        <p:spPr>
-          <a:xfrm>
-            <a:off x="7582486" y="2921168"/>
-            <a:ext cx="4417255" cy="923330"/>
-          </a:xfrm>
-          <a:prstGeom prst="rect">
-            <a:avLst/>
-          </a:prstGeom>
-          <a:noFill/>
-        </p:spPr>
-        <p:txBody>
-          <a:bodyPr wrap="square" rtlCol="0">
-            <a:spAutoFit/>
-          </a:bodyPr>
-          <a:lstStyle/>
-          <a:p>
-            <a:pPr algn="ctr"/>
-            <a:r>
-              <a:rPr lang="es-ES" sz="5400" dirty="0">
-                <a:solidFill>
-                  <a:srgbClr val="FFC000"/>
-                </a:solidFill>
-                <a:latin typeface="Algerian" panose="04020705040A02060702" pitchFamily="82" charset="0"/>
-              </a:rPr>
-              <a:t>OBJETIVOS </a:t>
-            </a:r>
-          </a:p>
-        </p:txBody>
-      </p:sp>
-      <p:sp>
-        <p:nvSpPr>
-          <p:cNvPr id="2" name="TextBox 1">
-            <a:extLst>
-              <a:ext uri="{FF2B5EF4-FFF2-40B4-BE49-F238E27FC236}">
-                <a16:creationId xmlns:a16="http://schemas.microsoft.com/office/drawing/2014/main" id="{673B9F91-B802-4780-8C7C-C788F2828C06}"/>
-              </a:ext>
-            </a:extLst>
-          </p:cNvPr>
-          <p:cNvSpPr txBox="1"/>
-          <p:nvPr/>
-        </p:nvSpPr>
-        <p:spPr>
-          <a:xfrm>
-            <a:off x="390772" y="557114"/>
-            <a:ext cx="6622473" cy="6019533"/>
-          </a:xfrm>
-          <a:prstGeom prst="rect">
-            <a:avLst/>
-          </a:prstGeom>
-          <a:noFill/>
-        </p:spPr>
-        <p:txBody>
-          <a:bodyPr wrap="square" rtlCol="0">
-            <a:spAutoFit/>
-          </a:bodyPr>
-          <a:lstStyle/>
-          <a:p>
-            <a:pPr lvl="0" algn="just">
-              <a:lnSpc>
-                <a:spcPct val="107000"/>
-              </a:lnSpc>
-              <a:spcAft>
-                <a:spcPts val="800"/>
-              </a:spcAft>
-            </a:pPr>
-            <a:r>
-              <a:rPr lang="es-ES" sz="2400" b="1" dirty="0">
-                <a:solidFill>
-                  <a:schemeClr val="bg1"/>
-                </a:solidFill>
-                <a:effectLst/>
-                <a:latin typeface="Cambria" panose="02040503050406030204" pitchFamily="18" charset="0"/>
-                <a:ea typeface="Calibri" panose="020F0502020204030204" pitchFamily="34" charset="0"/>
-                <a:cs typeface="Times New Roman" panose="02020603050405020304" pitchFamily="18" charset="0"/>
-              </a:rPr>
-              <a:t>Objetivo general:</a:t>
-            </a:r>
-          </a:p>
-          <a:p>
-            <a:pPr lvl="0" algn="just">
-              <a:lnSpc>
-                <a:spcPct val="107000"/>
-              </a:lnSpc>
-              <a:spcAft>
-                <a:spcPts val="800"/>
-              </a:spcAft>
-            </a:pPr>
-            <a:r>
-              <a:rPr lang="es-ES" sz="2400" b="1" dirty="0">
-                <a:solidFill>
-                  <a:schemeClr val="bg1"/>
-                </a:solidFill>
-                <a:effectLst/>
-                <a:latin typeface="Cambria" panose="02040503050406030204" pitchFamily="18" charset="0"/>
-                <a:ea typeface="Calibri" panose="020F0502020204030204" pitchFamily="34" charset="0"/>
-                <a:cs typeface="Times New Roman" panose="02020603050405020304" pitchFamily="18" charset="0"/>
-              </a:rPr>
-              <a:t>Ofrecer buena experiencia al usuario, ofreciendo características que generen sorpresa para que el jugador se divierta mientras juega.</a:t>
-            </a:r>
-          </a:p>
-          <a:p>
-            <a:pPr lvl="0" algn="just">
-              <a:lnSpc>
-                <a:spcPct val="107000"/>
-              </a:lnSpc>
-              <a:spcAft>
-                <a:spcPts val="800"/>
-              </a:spcAft>
-            </a:pPr>
-            <a:endParaRPr lang="es-ES" sz="2400" b="1" dirty="0">
-              <a:solidFill>
-                <a:schemeClr val="bg1"/>
-              </a:solidFill>
-              <a:effectLst/>
-              <a:latin typeface="Cambria" panose="02040503050406030204" pitchFamily="18" charset="0"/>
-              <a:ea typeface="Calibri" panose="020F0502020204030204" pitchFamily="34" charset="0"/>
-              <a:cs typeface="Times New Roman" panose="02020603050405020304" pitchFamily="18" charset="0"/>
-            </a:endParaRPr>
-          </a:p>
-          <a:p>
-            <a:pPr lvl="0" algn="just">
-              <a:lnSpc>
-                <a:spcPct val="107000"/>
-              </a:lnSpc>
-              <a:spcAft>
-                <a:spcPts val="800"/>
-              </a:spcAft>
-            </a:pPr>
-            <a:endParaRPr lang="es-ES" sz="2400" b="1" dirty="0">
-              <a:solidFill>
-                <a:schemeClr val="bg1"/>
-              </a:solidFill>
-              <a:effectLst/>
-              <a:latin typeface="Cambria" panose="02040503050406030204" pitchFamily="18" charset="0"/>
-              <a:ea typeface="Calibri" panose="020F0502020204030204" pitchFamily="34" charset="0"/>
-              <a:cs typeface="Times New Roman" panose="02020603050405020304" pitchFamily="18" charset="0"/>
-            </a:endParaRPr>
-          </a:p>
-          <a:p>
-            <a:pPr lvl="0" algn="just">
-              <a:lnSpc>
-                <a:spcPct val="107000"/>
-              </a:lnSpc>
-              <a:spcAft>
-                <a:spcPts val="800"/>
-              </a:spcAft>
-            </a:pPr>
-            <a:r>
-              <a:rPr lang="es-ES" sz="2400" b="1" dirty="0">
-                <a:solidFill>
-                  <a:schemeClr val="bg1"/>
-                </a:solidFill>
-                <a:effectLst/>
-                <a:latin typeface="Cambria" panose="02040503050406030204" pitchFamily="18" charset="0"/>
-                <a:ea typeface="Calibri" panose="020F0502020204030204" pitchFamily="34" charset="0"/>
-                <a:cs typeface="Times New Roman" panose="02020603050405020304" pitchFamily="18" charset="0"/>
-              </a:rPr>
-              <a:t>Objetivos específicos:</a:t>
-            </a:r>
-          </a:p>
-          <a:p>
-            <a:pPr lvl="0" algn="just">
-              <a:lnSpc>
-                <a:spcPct val="107000"/>
-              </a:lnSpc>
-              <a:spcAft>
-                <a:spcPts val="800"/>
-              </a:spcAft>
-            </a:pPr>
-            <a:r>
-              <a:rPr lang="es-ES" sz="2400" b="1" dirty="0">
-                <a:solidFill>
-                  <a:schemeClr val="bg1"/>
-                </a:solidFill>
-                <a:effectLst/>
-                <a:latin typeface="Cambria" panose="02040503050406030204" pitchFamily="18" charset="0"/>
-                <a:ea typeface="Calibri" panose="020F0502020204030204" pitchFamily="34" charset="0"/>
-                <a:cs typeface="Times New Roman" panose="02020603050405020304" pitchFamily="18" charset="0"/>
-              </a:rPr>
-              <a:t>• Divertir al usuario.</a:t>
-            </a:r>
-          </a:p>
-          <a:p>
-            <a:pPr lvl="0" algn="just">
-              <a:lnSpc>
-                <a:spcPct val="107000"/>
-              </a:lnSpc>
-              <a:spcAft>
-                <a:spcPts val="800"/>
-              </a:spcAft>
-            </a:pPr>
-            <a:r>
-              <a:rPr lang="es-ES" sz="2400" b="1" dirty="0">
-                <a:solidFill>
-                  <a:schemeClr val="bg1"/>
-                </a:solidFill>
-                <a:effectLst/>
-                <a:latin typeface="Cambria" panose="02040503050406030204" pitchFamily="18" charset="0"/>
-                <a:ea typeface="Calibri" panose="020F0502020204030204" pitchFamily="34" charset="0"/>
-                <a:cs typeface="Times New Roman" panose="02020603050405020304" pitchFamily="18" charset="0"/>
-              </a:rPr>
-              <a:t>• Distraer al jugador.</a:t>
-            </a:r>
-          </a:p>
-          <a:p>
-            <a:pPr lvl="0" algn="just">
-              <a:lnSpc>
-                <a:spcPct val="107000"/>
-              </a:lnSpc>
-              <a:spcAft>
-                <a:spcPts val="800"/>
-              </a:spcAft>
-            </a:pPr>
-            <a:r>
-              <a:rPr lang="es-ES" sz="2400" b="1" dirty="0">
-                <a:solidFill>
-                  <a:schemeClr val="bg1"/>
-                </a:solidFill>
-                <a:effectLst/>
-                <a:latin typeface="Cambria" panose="02040503050406030204" pitchFamily="18" charset="0"/>
-                <a:ea typeface="Calibri" panose="020F0502020204030204" pitchFamily="34" charset="0"/>
-                <a:cs typeface="Times New Roman" panose="02020603050405020304" pitchFamily="18" charset="0"/>
-              </a:rPr>
-              <a:t>• Intentar introducir al jugador en el videojuego y se relaje.</a:t>
-            </a:r>
-          </a:p>
-          <a:p>
-            <a:endParaRPr lang="es-ES" dirty="0"/>
-          </a:p>
-        </p:txBody>
-      </p:sp>
-    </p:spTree>
-    <p:extLst>
-      <p:ext uri="{BB962C8B-B14F-4D97-AF65-F5344CB8AC3E}">
-        <p14:creationId xmlns:p14="http://schemas.microsoft.com/office/powerpoint/2010/main" val="2343289172"/>
-      </p:ext>
-    </p:extLst>
-  </p:cSld>
-  <p:clrMapOvr>
-    <a:masterClrMapping/>
-  </p:clrMapOvr>
-</p:sld>
-</file>
-
-<file path=ppt/slides/slide6.xml><?xml version="1.0" encoding="utf-8"?>
-<p:sld xmlns:a="http://schemas.openxmlformats.org/drawingml/2006/main" xmlns:r="http://schemas.openxmlformats.org/officeDocument/2006/relationships" xmlns:p="http://schemas.openxmlformats.org/presentationml/2006/main">
-  <p:cSld>
-    <p:spTree>
-      <p:nvGrpSpPr>
-        <p:cNvPr id="1" name=""/>
-        <p:cNvGrpSpPr/>
-        <p:nvPr/>
-      </p:nvGrpSpPr>
-      <p:grpSpPr>
-        <a:xfrm>
-          <a:off x="0" y="0"/>
-          <a:ext cx="0" cy="0"/>
-          <a:chOff x="0" y="0"/>
-          <a:chExt cx="0" cy="0"/>
-        </a:xfrm>
-      </p:grpSpPr>
-      <p:pic>
-        <p:nvPicPr>
-          <p:cNvPr id="1026" name="Picture 2" descr="Pared De Ladrillo Con Rayas De Rayas De Color Rojo Y Cemento Para El Fondo  Y El Telón De Fondo Abstracto O Fondo De Pantalla Ilustraciones  Vectoriales, Clip Art Vectorizado Libre De">
-            <a:extLst>
-              <a:ext uri="{FF2B5EF4-FFF2-40B4-BE49-F238E27FC236}">
-                <a16:creationId xmlns:a16="http://schemas.microsoft.com/office/drawing/2014/main" id="{5AB1F342-1DCC-4AE7-89F4-EC4A9F847A4D}"/>
-              </a:ext>
-            </a:extLst>
-          </p:cNvPr>
-          <p:cNvPicPr>
-            <a:picLocks noChangeAspect="1" noChangeArrowheads="1"/>
-          </p:cNvPicPr>
-          <p:nvPr/>
-        </p:nvPicPr>
-        <p:blipFill>
-          <a:blip r:embed="rId2">
-            <a:extLst>
-              <a:ext uri="{BEBA8EAE-BF5A-486C-A8C5-ECC9F3942E4B}">
-                <a14:imgProps xmlns:a14="http://schemas.microsoft.com/office/drawing/2010/main">
-                  <a14:imgLayer r:embed="rId3">
-                    <a14:imgEffect>
-                      <a14:sharpenSoften amount="-50000"/>
-                    </a14:imgEffect>
-                  </a14:imgLayer>
-                </a14:imgProps>
-              </a:ext>
-              <a:ext uri="{28A0092B-C50C-407E-A947-70E740481C1C}">
-                <a14:useLocalDpi xmlns:a14="http://schemas.microsoft.com/office/drawing/2010/main" val="0"/>
-              </a:ext>
-            </a:extLst>
-          </a:blip>
-          <a:srcRect/>
-          <a:stretch>
-            <a:fillRect/>
-          </a:stretch>
-        </p:blipFill>
-        <p:spPr bwMode="auto">
-          <a:xfrm>
-            <a:off x="0" y="-31652"/>
-            <a:ext cx="7404019" cy="6889652"/>
-          </a:xfrm>
-          <a:prstGeom prst="rect">
-            <a:avLst/>
-          </a:prstGeom>
-          <a:noFill/>
-          <a:extLst>
-            <a:ext uri="{909E8E84-426E-40DD-AFC4-6F175D3DCCD1}">
-              <a14:hiddenFill xmlns:a14="http://schemas.microsoft.com/office/drawing/2010/main">
-                <a:solidFill>
-                  <a:srgbClr val="FFFFFF"/>
-                </a:solidFill>
-              </a14:hiddenFill>
-            </a:ext>
-          </a:extLst>
-        </p:spPr>
-      </p:pic>
-      <p:sp>
-        <p:nvSpPr>
-          <p:cNvPr id="6" name="TextBox 5">
-            <a:extLst>
-              <a:ext uri="{FF2B5EF4-FFF2-40B4-BE49-F238E27FC236}">
-                <a16:creationId xmlns:a16="http://schemas.microsoft.com/office/drawing/2014/main" id="{C3D56AFF-ABE8-4925-93A9-8729DEDF5380}"/>
-              </a:ext>
-            </a:extLst>
-          </p:cNvPr>
-          <p:cNvSpPr txBox="1"/>
-          <p:nvPr/>
-        </p:nvSpPr>
-        <p:spPr>
-          <a:xfrm>
-            <a:off x="8074856" y="2028616"/>
-            <a:ext cx="3455964" cy="2800767"/>
-          </a:xfrm>
-          <a:prstGeom prst="rect">
-            <a:avLst/>
-          </a:prstGeom>
-          <a:noFill/>
-        </p:spPr>
-        <p:txBody>
-          <a:bodyPr wrap="square" rtlCol="0">
-            <a:spAutoFit/>
-          </a:bodyPr>
-          <a:lstStyle/>
-          <a:p>
-            <a:pPr algn="ctr"/>
-            <a:r>
-              <a:rPr lang="es-ES" sz="4400" dirty="0">
-                <a:solidFill>
-                  <a:srgbClr val="FFC000"/>
-                </a:solidFill>
-                <a:latin typeface="Algerian" panose="04020705040A02060702" pitchFamily="82" charset="0"/>
-              </a:rPr>
-              <a:t>Datos básicos sobre el videojuego</a:t>
-            </a:r>
-          </a:p>
-        </p:txBody>
-      </p:sp>
-      <p:sp>
-        <p:nvSpPr>
-          <p:cNvPr id="2" name="TextBox 1">
-            <a:extLst>
-              <a:ext uri="{FF2B5EF4-FFF2-40B4-BE49-F238E27FC236}">
-                <a16:creationId xmlns:a16="http://schemas.microsoft.com/office/drawing/2014/main" id="{673B9F91-B802-4780-8C7C-C788F2828C06}"/>
-              </a:ext>
-            </a:extLst>
-          </p:cNvPr>
-          <p:cNvSpPr txBox="1"/>
-          <p:nvPr/>
-        </p:nvSpPr>
-        <p:spPr>
-          <a:xfrm>
-            <a:off x="781546" y="614303"/>
-            <a:ext cx="6622473" cy="6243697"/>
-          </a:xfrm>
-          <a:prstGeom prst="rect">
-            <a:avLst/>
-          </a:prstGeom>
-          <a:noFill/>
-        </p:spPr>
-        <p:txBody>
-          <a:bodyPr wrap="square" rtlCol="0">
-            <a:spAutoFit/>
-          </a:bodyPr>
-          <a:lstStyle/>
-          <a:p>
-            <a:pPr marL="342900" lvl="0" indent="-342900">
-              <a:lnSpc>
-                <a:spcPct val="107000"/>
-              </a:lnSpc>
-              <a:spcAft>
-                <a:spcPts val="800"/>
-              </a:spcAft>
-              <a:buFont typeface="+mj-lt"/>
-              <a:buAutoNum type="arabicPeriod"/>
-            </a:pPr>
-            <a:r>
-              <a:rPr lang="es-ES" sz="2400" b="1" dirty="0">
-                <a:solidFill>
-                  <a:schemeClr val="bg1"/>
-                </a:solidFill>
-                <a:effectLst/>
-                <a:latin typeface="Cambria" panose="02040503050406030204" pitchFamily="18" charset="0"/>
-                <a:ea typeface="Calibri" panose="020F0502020204030204" pitchFamily="34" charset="0"/>
-                <a:cs typeface="Times New Roman" panose="02020603050405020304" pitchFamily="18" charset="0"/>
-              </a:rPr>
-              <a:t>Plataforma:</a:t>
-            </a:r>
-            <a:r>
-              <a:rPr lang="es-ES" sz="2400" dirty="0">
-                <a:solidFill>
-                  <a:schemeClr val="bg1"/>
-                </a:solidFill>
-                <a:effectLst/>
-                <a:latin typeface="Cambria" panose="02040503050406030204" pitchFamily="18" charset="0"/>
-                <a:ea typeface="Calibri" panose="020F0502020204030204" pitchFamily="34" charset="0"/>
-                <a:cs typeface="Times New Roman" panose="02020603050405020304" pitchFamily="18" charset="0"/>
-              </a:rPr>
-              <a:t> en línea.</a:t>
-            </a:r>
-            <a:endParaRPr lang="es-ES" sz="2400" dirty="0">
-              <a:solidFill>
-                <a:schemeClr val="bg1"/>
-              </a:solidFill>
-              <a:effectLst/>
-              <a:latin typeface="Calibri" panose="020F0502020204030204" pitchFamily="34" charset="0"/>
-              <a:ea typeface="Calibri" panose="020F0502020204030204" pitchFamily="34" charset="0"/>
-              <a:cs typeface="Times New Roman" panose="02020603050405020304" pitchFamily="18" charset="0"/>
-            </a:endParaRPr>
-          </a:p>
-          <a:p>
-            <a:pPr marL="342900" lvl="0" indent="-342900">
-              <a:lnSpc>
-                <a:spcPct val="107000"/>
-              </a:lnSpc>
-              <a:spcAft>
-                <a:spcPts val="800"/>
-              </a:spcAft>
-              <a:buFont typeface="+mj-lt"/>
-              <a:buAutoNum type="arabicPeriod"/>
-            </a:pPr>
-            <a:r>
-              <a:rPr lang="es-ES" sz="2400" b="1" dirty="0">
-                <a:solidFill>
-                  <a:schemeClr val="bg1"/>
-                </a:solidFill>
-                <a:effectLst/>
-                <a:latin typeface="Cambria" panose="02040503050406030204" pitchFamily="18" charset="0"/>
-                <a:ea typeface="Calibri" panose="020F0502020204030204" pitchFamily="34" charset="0"/>
-                <a:cs typeface="Times New Roman" panose="02020603050405020304" pitchFamily="18" charset="0"/>
-              </a:rPr>
-              <a:t>Género:</a:t>
-            </a:r>
-            <a:r>
-              <a:rPr lang="es-ES" sz="2400" dirty="0">
-                <a:solidFill>
-                  <a:schemeClr val="bg1"/>
-                </a:solidFill>
-                <a:effectLst/>
-                <a:latin typeface="Cambria" panose="02040503050406030204" pitchFamily="18" charset="0"/>
-                <a:ea typeface="Calibri" panose="020F0502020204030204" pitchFamily="34" charset="0"/>
-                <a:cs typeface="Times New Roman" panose="02020603050405020304" pitchFamily="18" charset="0"/>
-              </a:rPr>
-              <a:t> Arcade. </a:t>
-            </a:r>
-            <a:endParaRPr lang="es-ES" sz="2400" dirty="0">
-              <a:solidFill>
-                <a:schemeClr val="bg1"/>
-              </a:solidFill>
-              <a:effectLst/>
-              <a:latin typeface="Calibri" panose="020F0502020204030204" pitchFamily="34" charset="0"/>
-              <a:ea typeface="Calibri" panose="020F0502020204030204" pitchFamily="34" charset="0"/>
-              <a:cs typeface="Times New Roman" panose="02020603050405020304" pitchFamily="18" charset="0"/>
-            </a:endParaRPr>
-          </a:p>
-          <a:p>
-            <a:pPr marL="342900" lvl="0" indent="-342900">
-              <a:lnSpc>
-                <a:spcPct val="107000"/>
-              </a:lnSpc>
-              <a:spcAft>
-                <a:spcPts val="800"/>
-              </a:spcAft>
-              <a:buFont typeface="+mj-lt"/>
-              <a:buAutoNum type="arabicPeriod"/>
-            </a:pPr>
-            <a:r>
-              <a:rPr lang="es-ES" sz="2400" b="1" dirty="0">
-                <a:solidFill>
-                  <a:schemeClr val="bg1"/>
-                </a:solidFill>
-                <a:effectLst/>
-                <a:latin typeface="Cambria" panose="02040503050406030204" pitchFamily="18" charset="0"/>
-                <a:ea typeface="Calibri" panose="020F0502020204030204" pitchFamily="34" charset="0"/>
-                <a:cs typeface="Times New Roman" panose="02020603050405020304" pitchFamily="18" charset="0"/>
-              </a:rPr>
-              <a:t>Clasificación: </a:t>
-            </a:r>
-            <a:r>
-              <a:rPr lang="es-ES" sz="2400" dirty="0">
-                <a:solidFill>
-                  <a:schemeClr val="bg1"/>
-                </a:solidFill>
-                <a:effectLst/>
-                <a:latin typeface="Cambria" panose="02040503050406030204" pitchFamily="18" charset="0"/>
-                <a:ea typeface="Calibri" panose="020F0502020204030204" pitchFamily="34" charset="0"/>
-                <a:cs typeface="Times New Roman" panose="02020603050405020304" pitchFamily="18" charset="0"/>
-              </a:rPr>
-              <a:t>para todo público (T).</a:t>
-            </a:r>
-            <a:endParaRPr lang="es-ES" sz="2400" dirty="0">
-              <a:solidFill>
-                <a:schemeClr val="bg1"/>
-              </a:solidFill>
-              <a:effectLst/>
-              <a:latin typeface="Calibri" panose="020F0502020204030204" pitchFamily="34" charset="0"/>
-              <a:ea typeface="Calibri" panose="020F0502020204030204" pitchFamily="34" charset="0"/>
-              <a:cs typeface="Times New Roman" panose="02020603050405020304" pitchFamily="18" charset="0"/>
-            </a:endParaRPr>
-          </a:p>
-          <a:p>
-            <a:pPr marL="342900" lvl="0" indent="-342900">
-              <a:lnSpc>
-                <a:spcPct val="107000"/>
-              </a:lnSpc>
-              <a:spcAft>
-                <a:spcPts val="800"/>
-              </a:spcAft>
-              <a:buFont typeface="+mj-lt"/>
-              <a:buAutoNum type="arabicPeriod"/>
-            </a:pPr>
-            <a:r>
-              <a:rPr lang="es-ES" sz="2400" b="1" dirty="0">
-                <a:solidFill>
-                  <a:schemeClr val="bg1"/>
-                </a:solidFill>
-                <a:effectLst/>
-                <a:latin typeface="Cambria" panose="02040503050406030204" pitchFamily="18" charset="0"/>
-                <a:ea typeface="Calibri" panose="020F0502020204030204" pitchFamily="34" charset="0"/>
-                <a:cs typeface="Times New Roman" panose="02020603050405020304" pitchFamily="18" charset="0"/>
-              </a:rPr>
-              <a:t>Tipo de Animación: </a:t>
-            </a:r>
-            <a:r>
-              <a:rPr lang="es-ES" sz="2400" dirty="0">
-                <a:solidFill>
-                  <a:schemeClr val="bg1"/>
-                </a:solidFill>
-                <a:effectLst/>
-                <a:latin typeface="Cambria" panose="02040503050406030204" pitchFamily="18" charset="0"/>
-                <a:ea typeface="Calibri" panose="020F0502020204030204" pitchFamily="34" charset="0"/>
-                <a:cs typeface="Times New Roman" panose="02020603050405020304" pitchFamily="18" charset="0"/>
-              </a:rPr>
-              <a:t>en 2D.</a:t>
-            </a:r>
-            <a:endParaRPr lang="es-ES" sz="2400" dirty="0">
-              <a:solidFill>
-                <a:schemeClr val="bg1"/>
-              </a:solidFill>
-              <a:effectLst/>
-              <a:latin typeface="Calibri" panose="020F0502020204030204" pitchFamily="34" charset="0"/>
-              <a:ea typeface="Calibri" panose="020F0502020204030204" pitchFamily="34" charset="0"/>
-              <a:cs typeface="Times New Roman" panose="02020603050405020304" pitchFamily="18" charset="0"/>
-            </a:endParaRPr>
-          </a:p>
-          <a:p>
-            <a:pPr marL="457200">
-              <a:lnSpc>
-                <a:spcPct val="107000"/>
-              </a:lnSpc>
-              <a:spcAft>
-                <a:spcPts val="800"/>
-              </a:spcAft>
-            </a:pPr>
-            <a:r>
-              <a:rPr lang="es-ES" sz="2400" dirty="0">
-                <a:solidFill>
-                  <a:schemeClr val="bg1"/>
-                </a:solidFill>
-                <a:effectLst/>
-                <a:latin typeface="Cambria" panose="02040503050406030204" pitchFamily="18" charset="0"/>
-                <a:ea typeface="Calibri" panose="020F0502020204030204" pitchFamily="34" charset="0"/>
-                <a:cs typeface="Times New Roman" panose="02020603050405020304" pitchFamily="18" charset="0"/>
-              </a:rPr>
-              <a:t> </a:t>
-            </a:r>
-            <a:endParaRPr lang="es-ES" sz="2400" dirty="0">
-              <a:solidFill>
-                <a:schemeClr val="bg1"/>
-              </a:solidFill>
-              <a:effectLst/>
-              <a:latin typeface="Calibri" panose="020F0502020204030204" pitchFamily="34" charset="0"/>
-              <a:ea typeface="Calibri" panose="020F0502020204030204" pitchFamily="34" charset="0"/>
-              <a:cs typeface="Times New Roman" panose="02020603050405020304" pitchFamily="18" charset="0"/>
-            </a:endParaRPr>
-          </a:p>
-          <a:p>
-            <a:pPr lvl="0">
-              <a:lnSpc>
-                <a:spcPct val="107000"/>
-              </a:lnSpc>
-              <a:spcAft>
-                <a:spcPts val="800"/>
-              </a:spcAft>
-            </a:pPr>
-            <a:r>
-              <a:rPr lang="es-ES" sz="2400" b="1" dirty="0">
-                <a:solidFill>
-                  <a:schemeClr val="bg1"/>
-                </a:solidFill>
-                <a:effectLst/>
-                <a:latin typeface="Cambria" panose="02040503050406030204" pitchFamily="18" charset="0"/>
-                <a:ea typeface="Calibri" panose="020F0502020204030204" pitchFamily="34" charset="0"/>
-                <a:cs typeface="Times New Roman" panose="02020603050405020304" pitchFamily="18" charset="0"/>
-              </a:rPr>
-              <a:t>Equipo de Trabajo</a:t>
-            </a:r>
-            <a:endParaRPr lang="es-ES" sz="2400" dirty="0">
-              <a:solidFill>
-                <a:schemeClr val="bg1"/>
-              </a:solidFill>
-              <a:effectLst/>
-              <a:latin typeface="Calibri" panose="020F0502020204030204" pitchFamily="34" charset="0"/>
-              <a:ea typeface="Calibri" panose="020F0502020204030204" pitchFamily="34" charset="0"/>
-              <a:cs typeface="Times New Roman" panose="02020603050405020304" pitchFamily="18" charset="0"/>
-            </a:endParaRPr>
-          </a:p>
-          <a:p>
-            <a:pPr marL="342900" lvl="0" indent="-342900">
-              <a:lnSpc>
-                <a:spcPct val="107000"/>
-              </a:lnSpc>
-              <a:spcAft>
-                <a:spcPts val="800"/>
-              </a:spcAft>
-              <a:buFont typeface="Symbol" panose="05050102010706020507" pitchFamily="18" charset="2"/>
-              <a:buChar char=""/>
-            </a:pPr>
-            <a:r>
-              <a:rPr lang="es-ES" sz="2400" dirty="0">
-                <a:solidFill>
-                  <a:schemeClr val="bg1"/>
-                </a:solidFill>
-                <a:effectLst/>
-                <a:latin typeface="Cambria" panose="02040503050406030204" pitchFamily="18" charset="0"/>
-                <a:ea typeface="Calibri" panose="020F0502020204030204" pitchFamily="34" charset="0"/>
-                <a:cs typeface="Times New Roman" panose="02020603050405020304" pitchFamily="18" charset="0"/>
-              </a:rPr>
-              <a:t>Ingenieros de audio: Esmirna. </a:t>
-            </a:r>
-            <a:endParaRPr lang="es-ES" sz="2400" dirty="0">
-              <a:solidFill>
-                <a:schemeClr val="bg1"/>
-              </a:solidFill>
-              <a:effectLst/>
-              <a:latin typeface="Calibri" panose="020F0502020204030204" pitchFamily="34" charset="0"/>
-              <a:ea typeface="Calibri" panose="020F0502020204030204" pitchFamily="34" charset="0"/>
-              <a:cs typeface="Times New Roman" panose="02020603050405020304" pitchFamily="18" charset="0"/>
-            </a:endParaRPr>
-          </a:p>
-          <a:p>
-            <a:pPr marL="342900" lvl="0" indent="-342900">
-              <a:lnSpc>
-                <a:spcPct val="107000"/>
-              </a:lnSpc>
-              <a:spcAft>
-                <a:spcPts val="800"/>
-              </a:spcAft>
-              <a:buFont typeface="Symbol" panose="05050102010706020507" pitchFamily="18" charset="2"/>
-              <a:buChar char=""/>
-            </a:pPr>
-            <a:r>
-              <a:rPr lang="es-ES" sz="2400" dirty="0">
-                <a:solidFill>
-                  <a:schemeClr val="bg1"/>
-                </a:solidFill>
-                <a:effectLst/>
-                <a:latin typeface="Cambria" panose="02040503050406030204" pitchFamily="18" charset="0"/>
-                <a:ea typeface="Calibri" panose="020F0502020204030204" pitchFamily="34" charset="0"/>
-                <a:cs typeface="Times New Roman" panose="02020603050405020304" pitchFamily="18" charset="0"/>
-              </a:rPr>
-              <a:t>Diseñadores: Félix y Yunisse. </a:t>
-            </a:r>
-            <a:endParaRPr lang="es-ES" sz="2400" dirty="0">
-              <a:solidFill>
-                <a:schemeClr val="bg1"/>
-              </a:solidFill>
-              <a:effectLst/>
-              <a:latin typeface="Calibri" panose="020F0502020204030204" pitchFamily="34" charset="0"/>
-              <a:ea typeface="Calibri" panose="020F0502020204030204" pitchFamily="34" charset="0"/>
-              <a:cs typeface="Times New Roman" panose="02020603050405020304" pitchFamily="18" charset="0"/>
-            </a:endParaRPr>
-          </a:p>
-          <a:p>
-            <a:pPr marL="342900" lvl="0" indent="-342900">
-              <a:lnSpc>
-                <a:spcPct val="107000"/>
-              </a:lnSpc>
-              <a:spcAft>
-                <a:spcPts val="800"/>
-              </a:spcAft>
-              <a:buFont typeface="Symbol" panose="05050102010706020507" pitchFamily="18" charset="2"/>
-              <a:buChar char=""/>
-            </a:pPr>
-            <a:r>
-              <a:rPr lang="es-ES" sz="2400" dirty="0">
-                <a:solidFill>
-                  <a:schemeClr val="bg1"/>
-                </a:solidFill>
-                <a:effectLst/>
-                <a:latin typeface="Cambria" panose="02040503050406030204" pitchFamily="18" charset="0"/>
-                <a:ea typeface="Calibri" panose="020F0502020204030204" pitchFamily="34" charset="0"/>
-                <a:cs typeface="Times New Roman" panose="02020603050405020304" pitchFamily="18" charset="0"/>
-              </a:rPr>
-              <a:t>Ilustradores: Félix. </a:t>
-            </a:r>
-            <a:endParaRPr lang="es-ES" sz="2400" dirty="0">
-              <a:solidFill>
-                <a:schemeClr val="bg1"/>
-              </a:solidFill>
-              <a:effectLst/>
-              <a:latin typeface="Calibri" panose="020F0502020204030204" pitchFamily="34" charset="0"/>
-              <a:ea typeface="Calibri" panose="020F0502020204030204" pitchFamily="34" charset="0"/>
-              <a:cs typeface="Times New Roman" panose="02020603050405020304" pitchFamily="18" charset="0"/>
-            </a:endParaRPr>
-          </a:p>
-          <a:p>
-            <a:pPr marL="342900" lvl="0" indent="-342900">
-              <a:lnSpc>
-                <a:spcPct val="107000"/>
-              </a:lnSpc>
-              <a:spcAft>
-                <a:spcPts val="800"/>
-              </a:spcAft>
-              <a:buFont typeface="Symbol" panose="05050102010706020507" pitchFamily="18" charset="2"/>
-              <a:buChar char=""/>
-            </a:pPr>
-            <a:r>
-              <a:rPr lang="es-ES" sz="2400" dirty="0">
-                <a:solidFill>
-                  <a:schemeClr val="bg1"/>
-                </a:solidFill>
-                <a:effectLst/>
-                <a:latin typeface="Cambria" panose="02040503050406030204" pitchFamily="18" charset="0"/>
-                <a:ea typeface="Calibri" panose="020F0502020204030204" pitchFamily="34" charset="0"/>
-                <a:cs typeface="Times New Roman" panose="02020603050405020304" pitchFamily="18" charset="0"/>
-              </a:rPr>
-              <a:t>Programadores: Félix y Yunisse. </a:t>
-            </a:r>
-            <a:endParaRPr lang="es-ES" sz="2400" dirty="0">
-              <a:solidFill>
-                <a:schemeClr val="bg1"/>
-              </a:solidFill>
-              <a:effectLst/>
-              <a:latin typeface="Calibri" panose="020F0502020204030204" pitchFamily="34" charset="0"/>
-              <a:ea typeface="Calibri" panose="020F0502020204030204" pitchFamily="34" charset="0"/>
-              <a:cs typeface="Times New Roman" panose="02020603050405020304" pitchFamily="18" charset="0"/>
-            </a:endParaRPr>
-          </a:p>
-          <a:p>
-            <a:pPr marL="342900" lvl="0" indent="-342900">
-              <a:lnSpc>
-                <a:spcPct val="107000"/>
-              </a:lnSpc>
-              <a:spcAft>
-                <a:spcPts val="800"/>
-              </a:spcAft>
-              <a:buFont typeface="Symbol" panose="05050102010706020507" pitchFamily="18" charset="2"/>
-              <a:buChar char=""/>
-            </a:pPr>
-            <a:r>
-              <a:rPr lang="es-ES" sz="2400" dirty="0">
-                <a:solidFill>
-                  <a:schemeClr val="bg1"/>
-                </a:solidFill>
-                <a:effectLst/>
-                <a:latin typeface="Cambria" panose="02040503050406030204" pitchFamily="18" charset="0"/>
-                <a:ea typeface="Calibri" panose="020F0502020204030204" pitchFamily="34" charset="0"/>
-                <a:cs typeface="Times New Roman" panose="02020603050405020304" pitchFamily="18" charset="0"/>
-              </a:rPr>
-              <a:t>Animadores: Félix.</a:t>
-            </a:r>
-            <a:endParaRPr lang="es-ES" sz="2400" dirty="0">
-              <a:solidFill>
-                <a:schemeClr val="bg1"/>
-              </a:solidFill>
-              <a:effectLst/>
-              <a:latin typeface="Calibri" panose="020F0502020204030204" pitchFamily="34" charset="0"/>
-              <a:ea typeface="Calibri" panose="020F0502020204030204" pitchFamily="34" charset="0"/>
-              <a:cs typeface="Times New Roman" panose="02020603050405020304" pitchFamily="18" charset="0"/>
-            </a:endParaRPr>
-          </a:p>
-          <a:p>
-            <a:pPr marL="914400">
-              <a:lnSpc>
-                <a:spcPct val="107000"/>
-              </a:lnSpc>
-              <a:spcAft>
-                <a:spcPts val="800"/>
-              </a:spcAft>
-            </a:pPr>
-            <a:r>
-              <a:rPr lang="es-ES" sz="1800" dirty="0">
-                <a:effectLst/>
-                <a:latin typeface="Cambria" panose="02040503050406030204" pitchFamily="18" charset="0"/>
-                <a:ea typeface="Calibri" panose="020F0502020204030204" pitchFamily="34" charset="0"/>
-                <a:cs typeface="Times New Roman" panose="02020603050405020304" pitchFamily="18" charset="0"/>
-              </a:rPr>
-              <a:t> </a:t>
-            </a:r>
-            <a:endParaRPr lang="es-ES" sz="1800" dirty="0">
-              <a:effectLst/>
-              <a:latin typeface="Calibri" panose="020F0502020204030204" pitchFamily="34" charset="0"/>
-              <a:ea typeface="Calibri" panose="020F0502020204030204" pitchFamily="34" charset="0"/>
-              <a:cs typeface="Times New Roman" panose="02020603050405020304" pitchFamily="18" charset="0"/>
-            </a:endParaRPr>
-          </a:p>
-          <a:p>
-            <a:endParaRPr lang="es-ES" dirty="0"/>
-          </a:p>
-        </p:txBody>
-      </p:sp>
-    </p:spTree>
-    <p:extLst>
-      <p:ext uri="{BB962C8B-B14F-4D97-AF65-F5344CB8AC3E}">
-        <p14:creationId xmlns:p14="http://schemas.microsoft.com/office/powerpoint/2010/main" val="1913550601"/>
-      </p:ext>
-    </p:extLst>
-  </p:cSld>
-  <p:clrMapOvr>
-    <a:masterClrMapping/>
-  </p:clrMapOvr>
-</p:sld>
-</file>
-
-<file path=ppt/slides/slide7.xml><?xml version="1.0" encoding="utf-8"?>
-<p:sld xmlns:a="http://schemas.openxmlformats.org/drawingml/2006/main" xmlns:r="http://schemas.openxmlformats.org/officeDocument/2006/relationships" xmlns:p="http://schemas.openxmlformats.org/presentationml/2006/main">
-  <p:cSld>
-    <p:spTree>
-      <p:nvGrpSpPr>
-        <p:cNvPr id="1" name=""/>
-        <p:cNvGrpSpPr/>
-        <p:nvPr/>
-      </p:nvGrpSpPr>
-      <p:grpSpPr>
-        <a:xfrm>
-          <a:off x="0" y="0"/>
-          <a:ext cx="0" cy="0"/>
-          <a:chOff x="0" y="0"/>
-          <a:chExt cx="0" cy="0"/>
-        </a:xfrm>
-      </p:grpSpPr>
-      <p:sp>
-        <p:nvSpPr>
-          <p:cNvPr id="7" name="Text Placeholder 6">
-            <a:extLst>
-              <a:ext uri="{FF2B5EF4-FFF2-40B4-BE49-F238E27FC236}">
-                <a16:creationId xmlns:a16="http://schemas.microsoft.com/office/drawing/2014/main" id="{F4AAFD9B-7E1F-482E-9BDA-5061E7323F42}"/>
-              </a:ext>
-            </a:extLst>
-          </p:cNvPr>
-          <p:cNvSpPr>
-            <a:spLocks noGrp="1"/>
-          </p:cNvSpPr>
-          <p:nvPr>
-            <p:ph type="body" idx="1"/>
-          </p:nvPr>
-        </p:nvSpPr>
-        <p:spPr>
-          <a:xfrm>
-            <a:off x="0" y="4867423"/>
-            <a:ext cx="12192000" cy="1990578"/>
-          </a:xfrm>
-          <a:solidFill>
-            <a:srgbClr val="1D537F"/>
-          </a:solidFill>
-        </p:spPr>
-        <p:txBody>
-          <a:bodyPr>
-            <a:normAutofit/>
-          </a:bodyPr>
-          <a:lstStyle/>
-          <a:p>
-            <a:pPr algn="ctr"/>
-            <a:r>
-              <a:rPr lang="es-ES" sz="8000" dirty="0">
-                <a:solidFill>
-                  <a:srgbClr val="FFC000"/>
-                </a:solidFill>
-                <a:latin typeface="Algerian" panose="04020705040A02060702" pitchFamily="82" charset="0"/>
-              </a:rPr>
-              <a:t>DISEÑO DEL VIDEOJUEGO</a:t>
-            </a:r>
-          </a:p>
-        </p:txBody>
-      </p:sp>
-      <p:pic>
-        <p:nvPicPr>
-          <p:cNvPr id="2052" name="Picture 4" descr="Pared De Ladrillo Con Rayas De Rayas De Color Rojo Y Cemento Para El Fondo  Y El Telón De Fondo Abstracto O Fondo De Pantalla Ilustraciones  Vectoriales, Clip Art Vectorizado Libre De">
-            <a:extLst>
-              <a:ext uri="{FF2B5EF4-FFF2-40B4-BE49-F238E27FC236}">
-                <a16:creationId xmlns:a16="http://schemas.microsoft.com/office/drawing/2014/main" id="{6604216F-E8C2-41D0-B332-CB038A0CFEB1}"/>
-              </a:ext>
-            </a:extLst>
-          </p:cNvPr>
-          <p:cNvPicPr>
-            <a:picLocks noChangeAspect="1" noChangeArrowheads="1"/>
-          </p:cNvPicPr>
-          <p:nvPr/>
-        </p:nvPicPr>
-        <p:blipFill>
-          <a:blip r:embed="rId2">
-            <a:extLst>
-              <a:ext uri="{28A0092B-C50C-407E-A947-70E740481C1C}">
-                <a14:useLocalDpi xmlns:a14="http://schemas.microsoft.com/office/drawing/2010/main" val="0"/>
-              </a:ext>
-            </a:extLst>
-          </a:blip>
-          <a:srcRect/>
-          <a:stretch>
-            <a:fillRect/>
-          </a:stretch>
-        </p:blipFill>
-        <p:spPr bwMode="auto">
-          <a:xfrm>
-            <a:off x="1" y="0"/>
-            <a:ext cx="12192000" cy="4867422"/>
-          </a:xfrm>
-          <a:prstGeom prst="rect">
-            <a:avLst/>
-          </a:prstGeom>
-          <a:noFill/>
-          <a:extLst>
-            <a:ext uri="{909E8E84-426E-40DD-AFC4-6F175D3DCCD1}">
-              <a14:hiddenFill xmlns:a14="http://schemas.microsoft.com/office/drawing/2010/main">
-                <a:solidFill>
-                  <a:srgbClr val="FFFFFF"/>
-                </a:solidFill>
-              </a14:hiddenFill>
-            </a:ext>
-          </a:extLst>
-        </p:spPr>
-      </p:pic>
-    </p:spTree>
-    <p:extLst>
-      <p:ext uri="{BB962C8B-B14F-4D97-AF65-F5344CB8AC3E}">
-        <p14:creationId xmlns:p14="http://schemas.microsoft.com/office/powerpoint/2010/main" val="814753783"/>
-      </p:ext>
-    </p:extLst>
-  </p:cSld>
-  <p:clrMapOvr>
-    <a:masterClrMapping/>
-  </p:clrMapOvr>
-</p:sld>
-</file>
-
-<file path=ppt/slides/slide8.xml><?xml version="1.0" encoding="utf-8"?>
-<p:sld xmlns:a="http://schemas.openxmlformats.org/drawingml/2006/main" xmlns:r="http://schemas.openxmlformats.org/officeDocument/2006/relationships" xmlns:p="http://schemas.openxmlformats.org/presentationml/2006/main">
-  <p:cSld>
-    <p:spTree>
-      <p:nvGrpSpPr>
-        <p:cNvPr id="1" name=""/>
-        <p:cNvGrpSpPr/>
-        <p:nvPr/>
-      </p:nvGrpSpPr>
-      <p:grpSpPr>
-        <a:xfrm>
-          <a:off x="0" y="0"/>
-          <a:ext cx="0" cy="0"/>
-          <a:chOff x="0" y="0"/>
-          <a:chExt cx="0" cy="0"/>
-        </a:xfrm>
-      </p:grpSpPr>
-      <p:pic>
-        <p:nvPicPr>
-          <p:cNvPr id="7" name="Picture 4" descr="Pared De Ladrillo Con Rayas De Rayas De Color Rojo Y Cemento Para El Fondo  Y El Telón De Fondo Abstracto O Fondo De Pantalla Ilustraciones  Vectoriales, Clip Art Vectorizado Libre De">
-            <a:extLst>
-              <a:ext uri="{FF2B5EF4-FFF2-40B4-BE49-F238E27FC236}">
-                <a16:creationId xmlns:a16="http://schemas.microsoft.com/office/drawing/2014/main" id="{C46E0A6C-4502-4226-B6E3-120D1230E1A2}"/>
-              </a:ext>
-            </a:extLst>
-          </p:cNvPr>
-          <p:cNvPicPr>
-            <a:picLocks noChangeAspect="1" noChangeArrowheads="1"/>
-          </p:cNvPicPr>
-          <p:nvPr/>
-        </p:nvPicPr>
-        <p:blipFill>
-          <a:blip r:embed="rId2">
-            <a:extLst>
-              <a:ext uri="{BEBA8EAE-BF5A-486C-A8C5-ECC9F3942E4B}">
-                <a14:imgProps xmlns:a14="http://schemas.microsoft.com/office/drawing/2010/main">
-                  <a14:imgLayer r:embed="rId3">
-                    <a14:imgEffect>
-                      <a14:sharpenSoften amount="-50000"/>
-                    </a14:imgEffect>
-                  </a14:imgLayer>
-                </a14:imgProps>
-              </a:ext>
-              <a:ext uri="{28A0092B-C50C-407E-A947-70E740481C1C}">
-                <a14:useLocalDpi xmlns:a14="http://schemas.microsoft.com/office/drawing/2010/main" val="0"/>
-              </a:ext>
-            </a:extLst>
-          </a:blip>
-          <a:srcRect/>
-          <a:stretch>
-            <a:fillRect/>
-          </a:stretch>
-        </p:blipFill>
-        <p:spPr bwMode="auto">
-          <a:xfrm>
-            <a:off x="1" y="0"/>
-            <a:ext cx="6654017" cy="6858000"/>
-          </a:xfrm>
-          <a:prstGeom prst="rect">
-            <a:avLst/>
-          </a:prstGeom>
-          <a:noFill/>
-          <a:extLst>
-            <a:ext uri="{909E8E84-426E-40DD-AFC4-6F175D3DCCD1}">
-              <a14:hiddenFill xmlns:a14="http://schemas.microsoft.com/office/drawing/2010/main">
-                <a:solidFill>
-                  <a:srgbClr val="FFFFFF"/>
-                </a:solidFill>
-              </a14:hiddenFill>
-            </a:ext>
-          </a:extLst>
-        </p:spPr>
-      </p:pic>
-      <p:sp>
-        <p:nvSpPr>
-          <p:cNvPr id="2" name="TextBox 1">
-            <a:extLst>
-              <a:ext uri="{FF2B5EF4-FFF2-40B4-BE49-F238E27FC236}">
-                <a16:creationId xmlns:a16="http://schemas.microsoft.com/office/drawing/2014/main" id="{8C8CEDA3-1DB2-4C33-A187-79D6823C8462}"/>
-              </a:ext>
-            </a:extLst>
-          </p:cNvPr>
-          <p:cNvSpPr txBox="1"/>
-          <p:nvPr/>
-        </p:nvSpPr>
-        <p:spPr>
-          <a:xfrm>
-            <a:off x="1214308" y="2828834"/>
-            <a:ext cx="4436011" cy="1200329"/>
-          </a:xfrm>
-          <a:prstGeom prst="rect">
-            <a:avLst/>
-          </a:prstGeom>
-          <a:noFill/>
-        </p:spPr>
-        <p:txBody>
-          <a:bodyPr wrap="square" rtlCol="0">
-            <a:spAutoFit/>
-          </a:bodyPr>
-          <a:lstStyle/>
-          <a:p>
-            <a:r>
-              <a:rPr lang="es-ES" sz="7200" dirty="0">
-                <a:solidFill>
-                  <a:schemeClr val="bg1"/>
-                </a:solidFill>
-                <a:latin typeface="Algerian" panose="04020705040A02060702" pitchFamily="82" charset="0"/>
-              </a:rPr>
-              <a:t>HISTORIA</a:t>
-            </a:r>
-          </a:p>
-        </p:txBody>
-      </p:sp>
-      <p:sp>
-        <p:nvSpPr>
-          <p:cNvPr id="3" name="TextBox 2">
-            <a:extLst>
-              <a:ext uri="{FF2B5EF4-FFF2-40B4-BE49-F238E27FC236}">
-                <a16:creationId xmlns:a16="http://schemas.microsoft.com/office/drawing/2014/main" id="{D46DEA6E-4492-49A8-A2BC-BE4F9547D9D8}"/>
-              </a:ext>
-            </a:extLst>
-          </p:cNvPr>
-          <p:cNvSpPr txBox="1"/>
-          <p:nvPr/>
-        </p:nvSpPr>
-        <p:spPr>
-          <a:xfrm>
-            <a:off x="7118253" y="1077077"/>
-            <a:ext cx="4811150" cy="5016758"/>
-          </a:xfrm>
-          <a:prstGeom prst="rect">
-            <a:avLst/>
-          </a:prstGeom>
-          <a:noFill/>
-        </p:spPr>
-        <p:txBody>
-          <a:bodyPr wrap="square" rtlCol="0">
-            <a:spAutoFit/>
-          </a:bodyPr>
-          <a:lstStyle/>
-          <a:p>
             <a:pPr algn="just"/>
             <a:r>
-              <a:rPr lang="es-ES" sz="3200" dirty="0">
+              <a:rPr lang="es-ES" sz="2000" dirty="0">
                 <a:solidFill>
                   <a:srgbClr val="FFC000"/>
                 </a:solidFill>
@@ -9915,14 +9698,53 @@
                 <a:latin typeface="Cambria" panose="02040503050406030204" pitchFamily="18" charset="0"/>
                 <a:ea typeface="Cambria" panose="02040503050406030204" pitchFamily="18" charset="0"/>
               </a:rPr>
-              <a:t>El personaje llamado Rey se encuentra en un camino de obstáculo, los cuales debería de saltarlos con la intención de llegar a lo más largo del camino, en este mismo camino se le presentará la oportunidad de recolectar monedas. </a:t>
-            </a:r>
-            <a:endParaRPr lang="es-ES" sz="3200" dirty="0">
+              <a:t>El videojuego puede ser jugado por un usuario que lo necesite, no tiene restricción de edad, solo necesita saber leer para iniciarlo y tener un dispositivo en el cual jugarlo, es decir que a partir de los 5 años cualquier persona lo puede utilizar.</a:t>
+            </a:r>
+          </a:p>
+        </p:txBody>
+      </p:sp>
+      <p:sp>
+        <p:nvSpPr>
+          <p:cNvPr id="2" name="TextBox 1">
+            <a:extLst>
+              <a:ext uri="{FF2B5EF4-FFF2-40B4-BE49-F238E27FC236}">
+                <a16:creationId xmlns:a16="http://schemas.microsoft.com/office/drawing/2014/main" id="{90270B3F-634F-4261-9F04-94CB8DB80FD4}"/>
+              </a:ext>
+            </a:extLst>
+          </p:cNvPr>
+          <p:cNvSpPr txBox="1"/>
+          <p:nvPr/>
+        </p:nvSpPr>
+        <p:spPr>
+          <a:xfrm>
+            <a:off x="6033411" y="3044279"/>
+            <a:ext cx="5985091" cy="769441"/>
+          </a:xfrm>
+          <a:prstGeom prst="rect">
+            <a:avLst/>
+          </a:prstGeom>
+          <a:noFill/>
+        </p:spPr>
+        <p:txBody>
+          <a:bodyPr wrap="square" rtlCol="0">
+            <a:spAutoFit/>
+          </a:bodyPr>
+          <a:lstStyle/>
+          <a:p>
+            <a:r>
+              <a:rPr lang="es-419" sz="4400" b="1" dirty="0">
+                <a:solidFill>
+                  <a:schemeClr val="bg1"/>
+                </a:solidFill>
+                <a:latin typeface="Algerian" panose="04020705040A02060702" pitchFamily="82" charset="0"/>
+              </a:rPr>
+              <a:t>Perfiles de usuario</a:t>
+            </a:r>
+            <a:endParaRPr lang="es-ES" sz="4400" b="1" dirty="0">
               <a:solidFill>
-                <a:srgbClr val="FFC000"/>
+                <a:schemeClr val="bg1"/>
               </a:solidFill>
-              <a:latin typeface="Cambria" panose="02040503050406030204" pitchFamily="18" charset="0"/>
-              <a:ea typeface="Cambria" panose="02040503050406030204" pitchFamily="18" charset="0"/>
+              <a:latin typeface="Algerian" panose="04020705040A02060702" pitchFamily="82" charset="0"/>
             </a:endParaRPr>
           </a:p>
         </p:txBody>
@@ -9930,7 +9752,7 @@
     </p:spTree>
     <p:extLst>
       <p:ext uri="{BB962C8B-B14F-4D97-AF65-F5344CB8AC3E}">
-        <p14:creationId xmlns:p14="http://schemas.microsoft.com/office/powerpoint/2010/main" val="1014771751"/>
+        <p14:creationId xmlns:p14="http://schemas.microsoft.com/office/powerpoint/2010/main" val="643773680"/>
       </p:ext>
     </p:extLst>
   </p:cSld>
@@ -9957,56 +9779,12 @@
           <a:chExt cx="0" cy="0"/>
         </a:xfrm>
       </p:grpSpPr>
-      <p:sp>
-        <p:nvSpPr>
-          <p:cNvPr id="7" name="Text Placeholder 6">
-            <a:extLst>
-              <a:ext uri="{FF2B5EF4-FFF2-40B4-BE49-F238E27FC236}">
-                <a16:creationId xmlns:a16="http://schemas.microsoft.com/office/drawing/2014/main" id="{F4AAFD9B-7E1F-482E-9BDA-5061E7323F42}"/>
-              </a:ext>
-            </a:extLst>
-          </p:cNvPr>
-          <p:cNvSpPr>
-            <a:spLocks noGrp="1"/>
-          </p:cNvSpPr>
-          <p:nvPr>
-            <p:ph type="body" idx="1"/>
-          </p:nvPr>
-        </p:nvSpPr>
-        <p:spPr>
-          <a:xfrm>
-            <a:off x="0" y="4867423"/>
-            <a:ext cx="12192000" cy="1990578"/>
-          </a:xfrm>
-          <a:solidFill>
-            <a:srgbClr val="1D537F"/>
-          </a:solidFill>
-        </p:spPr>
-        <p:txBody>
-          <a:bodyPr>
-            <a:normAutofit/>
-          </a:bodyPr>
-          <a:lstStyle/>
-          <a:p>
-            <a:pPr algn="ctr"/>
-            <a:r>
-              <a:rPr lang="es-ES" sz="8000" dirty="0">
-                <a:solidFill>
-                  <a:srgbClr val="FFC000"/>
-                </a:solidFill>
-                <a:latin typeface="Algerian" panose="04020705040A02060702" pitchFamily="82" charset="0"/>
-              </a:rPr>
-              <a:t>GUIÓN</a:t>
-            </a:r>
-          </a:p>
-        </p:txBody>
-      </p:sp>
       <p:pic>
         <p:nvPicPr>
-          <p:cNvPr id="2052" name="Picture 4" descr="Pared De Ladrillo Con Rayas De Rayas De Color Rojo Y Cemento Para El Fondo  Y El Telón De Fondo Abstracto O Fondo De Pantalla Ilustraciones  Vectoriales, Clip Art Vectorizado Libre De">
-            <a:extLst>
-              <a:ext uri="{FF2B5EF4-FFF2-40B4-BE49-F238E27FC236}">
-                <a16:creationId xmlns:a16="http://schemas.microsoft.com/office/drawing/2014/main" id="{6604216F-E8C2-41D0-B332-CB038A0CFEB1}"/>
+          <p:cNvPr id="5" name="Picture 4" descr="Pared De Ladrillo Con Rayas De Rayas De Color Rojo Y Cemento Para El Fondo  Y El Telón De Fondo Abstracto O Fondo De Pantalla Ilustraciones  Vectoriales, Clip Art Vectorizado Libre De">
+            <a:extLst>
+              <a:ext uri="{FF2B5EF4-FFF2-40B4-BE49-F238E27FC236}">
+                <a16:creationId xmlns:a16="http://schemas.microsoft.com/office/drawing/2014/main" id="{BFEFB3C3-BC4B-4452-A90F-FF6592C68E08}"/>
               </a:ext>
             </a:extLst>
           </p:cNvPr>
@@ -10018,6 +9796,15 @@
         <p:blipFill>
           <a:blip r:embed="rId2">
             <a:extLst>
+              <a:ext uri="{BEBA8EAE-BF5A-486C-A8C5-ECC9F3942E4B}">
+                <a14:imgProps xmlns:a14="http://schemas.microsoft.com/office/drawing/2010/main">
+                  <a14:imgLayer r:embed="rId3">
+                    <a14:imgEffect>
+                      <a14:sharpenSoften amount="-50000"/>
+                    </a14:imgEffect>
+                  </a14:imgLayer>
+                </a14:imgProps>
+              </a:ext>
               <a:ext uri="{28A0092B-C50C-407E-A947-70E740481C1C}">
                 <a14:useLocalDpi xmlns:a14="http://schemas.microsoft.com/office/drawing/2010/main" val="0"/>
               </a:ext>
@@ -10030,8 +9817,8 @@
         </p:blipFill>
         <p:spPr bwMode="auto">
           <a:xfrm>
-            <a:off x="1" y="0"/>
-            <a:ext cx="12192000" cy="4867422"/>
+            <a:off x="5570805" y="0"/>
+            <a:ext cx="6621195" cy="6858000"/>
           </a:xfrm>
           <a:prstGeom prst="rect">
             <a:avLst/>
@@ -10048,10 +9835,137 @@
           </a:extLst>
         </p:spPr>
       </p:pic>
+      <p:sp>
+        <p:nvSpPr>
+          <p:cNvPr id="3" name="TextBox 2">
+            <a:extLst>
+              <a:ext uri="{FF2B5EF4-FFF2-40B4-BE49-F238E27FC236}">
+                <a16:creationId xmlns:a16="http://schemas.microsoft.com/office/drawing/2014/main" id="{1BD07579-92AC-4D2B-AD40-3DC1D4E4B226}"/>
+              </a:ext>
+            </a:extLst>
+          </p:cNvPr>
+          <p:cNvSpPr txBox="1"/>
+          <p:nvPr/>
+        </p:nvSpPr>
+        <p:spPr>
+          <a:xfrm>
+            <a:off x="173498" y="2921167"/>
+            <a:ext cx="5134709" cy="1015663"/>
+          </a:xfrm>
+          <a:prstGeom prst="rect">
+            <a:avLst/>
+          </a:prstGeom>
+          <a:noFill/>
+        </p:spPr>
+        <p:txBody>
+          <a:bodyPr wrap="square" rtlCol="0">
+            <a:spAutoFit/>
+          </a:bodyPr>
+          <a:lstStyle/>
+          <a:p>
+            <a:pPr algn="just"/>
+            <a:r>
+              <a:rPr lang="es-ES" sz="2000" dirty="0">
+                <a:solidFill>
+                  <a:srgbClr val="FFC000"/>
+                </a:solidFill>
+                <a:effectLst/>
+                <a:latin typeface="Cambria" panose="02040503050406030204" pitchFamily="18" charset="0"/>
+                <a:ea typeface="Cambria" panose="02040503050406030204" pitchFamily="18" charset="0"/>
+              </a:rPr>
+              <a:t>En esta parte como podemos observar se presentan los detalles del juego y explica como es que se va a jugar. </a:t>
+            </a:r>
+          </a:p>
+        </p:txBody>
+      </p:sp>
+      <p:sp>
+        <p:nvSpPr>
+          <p:cNvPr id="2" name="TextBox 1">
+            <a:extLst>
+              <a:ext uri="{FF2B5EF4-FFF2-40B4-BE49-F238E27FC236}">
+                <a16:creationId xmlns:a16="http://schemas.microsoft.com/office/drawing/2014/main" id="{90270B3F-634F-4261-9F04-94CB8DB80FD4}"/>
+              </a:ext>
+            </a:extLst>
+          </p:cNvPr>
+          <p:cNvSpPr txBox="1"/>
+          <p:nvPr/>
+        </p:nvSpPr>
+        <p:spPr>
+          <a:xfrm>
+            <a:off x="5888856" y="552870"/>
+            <a:ext cx="5985091" cy="769441"/>
+          </a:xfrm>
+          <a:prstGeom prst="rect">
+            <a:avLst/>
+          </a:prstGeom>
+          <a:noFill/>
+        </p:spPr>
+        <p:txBody>
+          <a:bodyPr wrap="square" rtlCol="0">
+            <a:spAutoFit/>
+          </a:bodyPr>
+          <a:lstStyle/>
+          <a:p>
+            <a:pPr algn="ctr"/>
+            <a:r>
+              <a:rPr lang="es-419" sz="4400" b="1" dirty="0">
+                <a:solidFill>
+                  <a:schemeClr val="bg1"/>
+                </a:solidFill>
+                <a:latin typeface="Algerian" panose="04020705040A02060702" pitchFamily="82" charset="0"/>
+              </a:rPr>
+              <a:t>Usabilidad</a:t>
+            </a:r>
+            <a:endParaRPr lang="es-ES" sz="4400" b="1" dirty="0">
+              <a:solidFill>
+                <a:schemeClr val="bg1"/>
+              </a:solidFill>
+              <a:latin typeface="Algerian" panose="04020705040A02060702" pitchFamily="82" charset="0"/>
+            </a:endParaRPr>
+          </a:p>
+        </p:txBody>
+      </p:sp>
+      <p:pic>
+        <p:nvPicPr>
+          <p:cNvPr id="6" name="Picture 5">
+            <a:extLst>
+              <a:ext uri="{FF2B5EF4-FFF2-40B4-BE49-F238E27FC236}">
+                <a16:creationId xmlns:a16="http://schemas.microsoft.com/office/drawing/2014/main" id="{C1EA3727-823F-41F1-80EE-D17A3EBE5530}"/>
+              </a:ext>
+            </a:extLst>
+          </p:cNvPr>
+          <p:cNvPicPr>
+            <a:picLocks noChangeAspect="1"/>
+          </p:cNvPicPr>
+          <p:nvPr/>
+        </p:nvPicPr>
+        <p:blipFill rotWithShape="1">
+          <a:blip r:embed="rId4"/>
+          <a:srcRect l="18344" t="16002" r="18509" b="14034"/>
+          <a:stretch/>
+        </p:blipFill>
+        <p:spPr bwMode="auto">
+          <a:xfrm>
+            <a:off x="5913421" y="1572709"/>
+            <a:ext cx="5960525" cy="3712581"/>
+          </a:xfrm>
+          <a:prstGeom prst="rect">
+            <a:avLst/>
+          </a:prstGeom>
+          <a:ln>
+            <a:noFill/>
+          </a:ln>
+          <a:extLst>
+            <a:ext uri="{53640926-AAD7-44D8-BBD7-CCE9431645EC}">
+              <a14:shadowObscured xmlns:a14="http://schemas.microsoft.com/office/drawing/2010/main"/>
+            </a:ext>
+          </a:extLst>
+        </p:spPr>
+      </p:pic>
     </p:spTree>
     <p:extLst>
       <p:ext uri="{BB962C8B-B14F-4D97-AF65-F5344CB8AC3E}">
-        <p14:creationId xmlns:p14="http://schemas.microsoft.com/office/powerpoint/2010/main" val="3284534988"/>
+        <p14:creationId xmlns:p14="http://schemas.microsoft.com/office/powerpoint/2010/main" val="4181994488"/>
       </p:ext>
     </p:extLst>
   </p:cSld>
